--- a/cours/modules/R111/R111-TD/PRESENTATION-OPOLKA-ALEXIS.pptx
+++ b/cours/modules/R111/R111-TD/PRESENTATION-OPOLKA-ALEXIS.pptx
@@ -7,15 +7,9 @@
   <p:sldIdLst>
     <p:sldId id="256" r:id="rId2"/>
     <p:sldId id="257" r:id="rId3"/>
-    <p:sldId id="266" r:id="rId4"/>
-    <p:sldId id="265" r:id="rId5"/>
-    <p:sldId id="263" r:id="rId6"/>
-    <p:sldId id="264" r:id="rId7"/>
-    <p:sldId id="262" r:id="rId8"/>
-    <p:sldId id="261" r:id="rId9"/>
-    <p:sldId id="260" r:id="rId10"/>
-    <p:sldId id="258" r:id="rId11"/>
-    <p:sldId id="259" r:id="rId12"/>
+    <p:sldId id="258" r:id="rId4"/>
+    <p:sldId id="259" r:id="rId5"/>
+    <p:sldId id="260" r:id="rId6"/>
   </p:sldIdLst>
   <p:sldSz cx="12192000" cy="6858000"/>
   <p:notesSz cx="6858000" cy="9144000"/>
@@ -125,18 +119,15 @@
         <p14:section name="Name" id="{A6ADADE6-74EB-4E8B-9716-61DAD21BC0A1}">
           <p14:sldIdLst>
             <p14:sldId id="257"/>
-            <p14:sldId id="266"/>
-            <p14:sldId id="265"/>
-            <p14:sldId id="263"/>
-            <p14:sldId id="264"/>
-            <p14:sldId id="262"/>
-            <p14:sldId id="261"/>
-            <p14:sldId id="260"/>
             <p14:sldId id="258"/>
             <p14:sldId id="259"/>
+            <p14:sldId id="260"/>
           </p14:sldIdLst>
         </p14:section>
       </p14:sectionLst>
+    </p:ext>
+    <p:ext uri="{EFAFB233-063F-42B5-8137-9DF3F51BA10A}">
+      <p15:sldGuideLst xmlns:p15="http://schemas.microsoft.com/office/powerpoint/2012/main"/>
     </p:ext>
   </p:extLst>
 </p:presentation>
@@ -343,9 +334,9 @@
             <a:fld id="{11A6662E-FAF4-44BC-88B5-85A7CBFB6D30}" type="datetime1">
               <a:rPr lang="en-US" smtClean="0"/>
               <a:pPr/>
-              <a:t>9/23/2022</a:t>
+              <a:t>10/24/2022</a:t>
             </a:fld>
-            <a:endParaRPr lang="en-US"/>
+            <a:endParaRPr lang="en-US" dirty="0"/>
           </a:p>
         </p:txBody>
       </p:sp>
@@ -376,7 +367,7 @@
             </a:lvl1pPr>
           </a:lstStyle>
           <a:p>
-            <a:endParaRPr lang="en-US"/>
+            <a:endParaRPr lang="en-US" dirty="0"/>
           </a:p>
         </p:txBody>
       </p:sp>
@@ -412,7 +403,7 @@
               <a:pPr/>
               <a:t>‹#›</a:t>
             </a:fld>
-            <a:endParaRPr lang="en-US"/>
+            <a:endParaRPr lang="en-US" dirty="0"/>
           </a:p>
         </p:txBody>
       </p:sp>
@@ -554,9 +545,9 @@
           <a:p>
             <a:fld id="{4C559632-1575-4E14-B53B-3DC3D5ED3947}" type="datetime1">
               <a:rPr lang="en-US" smtClean="0"/>
-              <a:t>9/23/2022</a:t>
+              <a:t>10/24/2022</a:t>
             </a:fld>
-            <a:endParaRPr lang="en-US"/>
+            <a:endParaRPr lang="en-US" dirty="0"/>
           </a:p>
         </p:txBody>
       </p:sp>
@@ -581,7 +572,7 @@
           <a:bodyPr/>
           <a:lstStyle/>
           <a:p>
-            <a:endParaRPr lang="en-US"/>
+            <a:endParaRPr lang="en-US" dirty="0"/>
           </a:p>
         </p:txBody>
       </p:sp>
@@ -610,7 +601,7 @@
               <a:rPr lang="en-US" smtClean="0"/>
               <a:t>‹#›</a:t>
             </a:fld>
-            <a:endParaRPr lang="en-US"/>
+            <a:endParaRPr lang="en-US" dirty="0"/>
           </a:p>
         </p:txBody>
       </p:sp>
@@ -762,9 +753,9 @@
           <a:p>
             <a:fld id="{CC4A6868-2568-4CC9-B302-F37117B01A6E}" type="datetime1">
               <a:rPr lang="en-US" smtClean="0"/>
-              <a:t>9/23/2022</a:t>
+              <a:t>10/24/2022</a:t>
             </a:fld>
-            <a:endParaRPr lang="en-US"/>
+            <a:endParaRPr lang="en-US" dirty="0"/>
           </a:p>
         </p:txBody>
       </p:sp>
@@ -789,7 +780,7 @@
           <a:bodyPr/>
           <a:lstStyle/>
           <a:p>
-            <a:endParaRPr lang="en-US"/>
+            <a:endParaRPr lang="en-US" dirty="0"/>
           </a:p>
         </p:txBody>
       </p:sp>
@@ -818,7 +809,7 @@
               <a:rPr lang="en-US" smtClean="0"/>
               <a:t>‹#›</a:t>
             </a:fld>
-            <a:endParaRPr lang="en-US"/>
+            <a:endParaRPr lang="en-US" dirty="0"/>
           </a:p>
         </p:txBody>
       </p:sp>
@@ -965,7 +956,7 @@
           <a:p>
             <a:fld id="{0055F08A-1E71-4B2B-BB49-E743F2903911}" type="datetime1">
               <a:rPr lang="en-US" smtClean="0"/>
-              <a:t>9/23/2022</a:t>
+              <a:t>10/24/2022</a:t>
             </a:fld>
             <a:endParaRPr lang="en-US" dirty="0"/>
           </a:p>
@@ -992,7 +983,7 @@
           <a:bodyPr/>
           <a:lstStyle/>
           <a:p>
-            <a:endParaRPr lang="en-US"/>
+            <a:endParaRPr lang="en-US" dirty="0"/>
           </a:p>
         </p:txBody>
       </p:sp>
@@ -1021,7 +1012,7 @@
               <a:rPr lang="en-US" smtClean="0"/>
               <a:t>‹#›</a:t>
             </a:fld>
-            <a:endParaRPr lang="en-US"/>
+            <a:endParaRPr lang="en-US" dirty="0"/>
           </a:p>
         </p:txBody>
       </p:sp>
@@ -1239,9 +1230,9 @@
           <a:p>
             <a:fld id="{15417D9E-721A-44BB-8863-9873FE64DA75}" type="datetime1">
               <a:rPr lang="en-US" smtClean="0"/>
-              <a:t>9/23/2022</a:t>
+              <a:t>10/24/2022</a:t>
             </a:fld>
-            <a:endParaRPr lang="en-US"/>
+            <a:endParaRPr lang="en-US" dirty="0"/>
           </a:p>
         </p:txBody>
       </p:sp>
@@ -1266,7 +1257,7 @@
           <a:bodyPr/>
           <a:lstStyle/>
           <a:p>
-            <a:endParaRPr lang="en-US"/>
+            <a:endParaRPr lang="en-US" dirty="0"/>
           </a:p>
         </p:txBody>
       </p:sp>
@@ -1295,7 +1286,7 @@
               <a:rPr lang="en-US" smtClean="0"/>
               <a:t>‹#›</a:t>
             </a:fld>
-            <a:endParaRPr lang="en-US"/>
+            <a:endParaRPr lang="en-US" dirty="0"/>
           </a:p>
         </p:txBody>
       </p:sp>
@@ -1509,9 +1500,9 @@
           <a:p>
             <a:fld id="{5F31DA2F-80B8-49CF-99FB-5ABCA53A607A}" type="datetime1">
               <a:rPr lang="en-US" smtClean="0"/>
-              <a:t>9/23/2022</a:t>
+              <a:t>10/24/2022</a:t>
             </a:fld>
-            <a:endParaRPr lang="en-US"/>
+            <a:endParaRPr lang="en-US" dirty="0"/>
           </a:p>
         </p:txBody>
       </p:sp>
@@ -1536,7 +1527,7 @@
           <a:bodyPr/>
           <a:lstStyle/>
           <a:p>
-            <a:endParaRPr lang="en-US"/>
+            <a:endParaRPr lang="en-US" dirty="0"/>
           </a:p>
         </p:txBody>
       </p:sp>
@@ -1565,7 +1556,7 @@
               <a:rPr lang="en-US" smtClean="0"/>
               <a:t>‹#›</a:t>
             </a:fld>
-            <a:endParaRPr lang="en-US"/>
+            <a:endParaRPr lang="en-US" dirty="0"/>
           </a:p>
         </p:txBody>
       </p:sp>
@@ -1922,9 +1913,9 @@
           <a:p>
             <a:fld id="{28852172-E6C9-4B6C-929A-A9DE3837BBF1}" type="datetime1">
               <a:rPr lang="en-US" smtClean="0"/>
-              <a:t>9/23/2022</a:t>
+              <a:t>10/24/2022</a:t>
             </a:fld>
-            <a:endParaRPr lang="en-US"/>
+            <a:endParaRPr lang="en-US" dirty="0"/>
           </a:p>
         </p:txBody>
       </p:sp>
@@ -1949,7 +1940,7 @@
           <a:bodyPr/>
           <a:lstStyle/>
           <a:p>
-            <a:endParaRPr lang="en-US"/>
+            <a:endParaRPr lang="en-US" dirty="0"/>
           </a:p>
         </p:txBody>
       </p:sp>
@@ -1978,7 +1969,7 @@
               <a:rPr lang="en-US" smtClean="0"/>
               <a:t>‹#›</a:t>
             </a:fld>
-            <a:endParaRPr lang="en-US"/>
+            <a:endParaRPr lang="en-US" dirty="0"/>
           </a:p>
         </p:txBody>
       </p:sp>
@@ -2068,9 +2059,9 @@
           <a:p>
             <a:fld id="{3AB41CFF-90C9-47B3-9DA1-F2BF8D839F7E}" type="datetime1">
               <a:rPr lang="en-US" smtClean="0"/>
-              <a:t>9/23/2022</a:t>
+              <a:t>10/24/2022</a:t>
             </a:fld>
-            <a:endParaRPr lang="en-US"/>
+            <a:endParaRPr lang="en-US" dirty="0"/>
           </a:p>
         </p:txBody>
       </p:sp>
@@ -2095,7 +2086,7 @@
           <a:bodyPr/>
           <a:lstStyle/>
           <a:p>
-            <a:endParaRPr lang="en-US"/>
+            <a:endParaRPr lang="en-US" dirty="0"/>
           </a:p>
         </p:txBody>
       </p:sp>
@@ -2124,7 +2115,7 @@
               <a:rPr lang="en-US" smtClean="0"/>
               <a:t>‹#›</a:t>
             </a:fld>
-            <a:endParaRPr lang="en-US"/>
+            <a:endParaRPr lang="en-US" dirty="0"/>
           </a:p>
         </p:txBody>
       </p:sp>
@@ -2181,9 +2172,9 @@
           <a:p>
             <a:fld id="{F06048FA-06AB-4884-A69B-986B96E68A24}" type="datetime1">
               <a:rPr lang="en-US" smtClean="0"/>
-              <a:t>9/23/2022</a:t>
+              <a:t>10/24/2022</a:t>
             </a:fld>
-            <a:endParaRPr lang="en-US"/>
+            <a:endParaRPr lang="en-US" dirty="0"/>
           </a:p>
         </p:txBody>
       </p:sp>
@@ -2208,7 +2199,7 @@
           <a:bodyPr/>
           <a:lstStyle/>
           <a:p>
-            <a:endParaRPr lang="en-US"/>
+            <a:endParaRPr lang="en-US" dirty="0"/>
           </a:p>
         </p:txBody>
       </p:sp>
@@ -2237,7 +2228,7 @@
               <a:rPr lang="en-US" smtClean="0"/>
               <a:t>‹#›</a:t>
             </a:fld>
-            <a:endParaRPr lang="en-US"/>
+            <a:endParaRPr lang="en-US" dirty="0"/>
           </a:p>
         </p:txBody>
       </p:sp>
@@ -2492,9 +2483,9 @@
           <a:p>
             <a:fld id="{50DB7ABA-0172-4F9C-889D-567164F66BCD}" type="datetime1">
               <a:rPr lang="en-US" smtClean="0"/>
-              <a:t>9/23/2022</a:t>
+              <a:t>10/24/2022</a:t>
             </a:fld>
-            <a:endParaRPr lang="en-US"/>
+            <a:endParaRPr lang="en-US" dirty="0"/>
           </a:p>
         </p:txBody>
       </p:sp>
@@ -2519,7 +2510,7 @@
           <a:bodyPr/>
           <a:lstStyle/>
           <a:p>
-            <a:endParaRPr lang="en-US"/>
+            <a:endParaRPr lang="en-US" dirty="0"/>
           </a:p>
         </p:txBody>
       </p:sp>
@@ -2548,7 +2539,7 @@
               <a:rPr lang="en-US" smtClean="0"/>
               <a:t>‹#›</a:t>
             </a:fld>
-            <a:endParaRPr lang="en-US"/>
+            <a:endParaRPr lang="en-US" dirty="0"/>
           </a:p>
         </p:txBody>
       </p:sp>
@@ -2683,7 +2674,7 @@
           </a:lstStyle>
           <a:p>
             <a:r>
-              <a:rPr lang="en-US"/>
+              <a:rPr lang="en-US" dirty="0"/>
               <a:t>Click icon to add picture</a:t>
             </a:r>
           </a:p>
@@ -2783,9 +2774,9 @@
           <a:p>
             <a:fld id="{78AC6A5B-8AE7-4A41-B5A7-9ADC6686DC18}" type="datetime1">
               <a:rPr lang="en-US" smtClean="0"/>
-              <a:t>9/23/2022</a:t>
+              <a:t>10/24/2022</a:t>
             </a:fld>
-            <a:endParaRPr lang="en-US"/>
+            <a:endParaRPr lang="en-US" dirty="0"/>
           </a:p>
         </p:txBody>
       </p:sp>
@@ -2810,7 +2801,7 @@
           <a:bodyPr/>
           <a:lstStyle/>
           <a:p>
-            <a:endParaRPr lang="en-US"/>
+            <a:endParaRPr lang="en-US" dirty="0"/>
           </a:p>
         </p:txBody>
       </p:sp>
@@ -2839,7 +2830,7 @@
               <a:rPr lang="en-US" smtClean="0"/>
               <a:t>‹#›</a:t>
             </a:fld>
-            <a:endParaRPr lang="en-US"/>
+            <a:endParaRPr lang="en-US" dirty="0"/>
           </a:p>
         </p:txBody>
       </p:sp>
@@ -3129,7 +3120,7 @@
             <a:fld id="{57E0CF6C-748E-4B7A-BC8B-3011EF78ED13}" type="datetime1">
               <a:rPr lang="en-US" smtClean="0"/>
               <a:pPr/>
-              <a:t>9/23/2022</a:t>
+              <a:t>10/24/2022</a:t>
             </a:fld>
             <a:endParaRPr lang="en-US" dirty="0"/>
           </a:p>
@@ -3702,7 +3693,7 @@
           <a:lstStyle/>
           <a:p>
             <a:pPr algn="ctr"/>
-            <a:endParaRPr lang="en-US">
+            <a:endParaRPr lang="en-US" dirty="0">
               <a:solidFill>
                 <a:schemeClr val="tx1">
                   <a:lumMod val="65000"/>
@@ -3787,34 +3778,13 @@
               <a:buChar char="-"/>
             </a:pPr>
             <a:r>
-              <a:rPr lang="en-GB" sz="2200" dirty="0" err="1">
+              <a:rPr lang="en-GB" sz="2200" dirty="0">
                 <a:solidFill>
                   <a:schemeClr val="tx1"/>
                 </a:solidFill>
               </a:rPr>
-              <a:t>Mes</a:t>
-            </a:r>
-            <a:r>
-              <a:rPr lang="en-GB" sz="2200" dirty="0">
-                <a:solidFill>
-                  <a:schemeClr val="tx1"/>
-                </a:solidFill>
-              </a:rPr>
-              <a:t> </a:t>
-            </a:r>
-            <a:r>
-              <a:rPr lang="en-GB" sz="2200" dirty="0" err="1">
-                <a:solidFill>
-                  <a:schemeClr val="tx1"/>
-                </a:solidFill>
-              </a:rPr>
-              <a:t>racines</a:t>
-            </a:r>
-            <a:endParaRPr lang="en-GB" sz="2200" dirty="0">
-              <a:solidFill>
-                <a:schemeClr val="tx1"/>
-              </a:solidFill>
-            </a:endParaRPr>
+              <a:t>Mes racines X</a:t>
+            </a:r>
           </a:p>
           <a:p>
             <a:pPr marL="342900" indent="-342900" algn="l">
@@ -3822,36 +3792,12 @@
               <a:buChar char="-"/>
             </a:pPr>
             <a:r>
-              <a:rPr lang="en-GB" sz="2200" dirty="0" err="1">
+              <a:rPr lang="en-GB" sz="2200" dirty="0">
                 <a:solidFill>
                   <a:schemeClr val="tx1"/>
                 </a:solidFill>
               </a:rPr>
-              <a:t>Mes</a:t>
-            </a:r>
-            <a:r>
-              <a:rPr lang="en-GB" sz="2200" dirty="0">
-                <a:solidFill>
-                  <a:schemeClr val="tx1"/>
-                </a:solidFill>
-              </a:rPr>
-              <a:t> </a:t>
-            </a:r>
-            <a:r>
-              <a:rPr lang="en-GB" sz="2200" dirty="0" err="1">
-                <a:solidFill>
-                  <a:schemeClr val="tx1"/>
-                </a:solidFill>
-              </a:rPr>
-              <a:t>origines</a:t>
-            </a:r>
-            <a:r>
-              <a:rPr lang="en-GB" sz="2200" dirty="0">
-                <a:solidFill>
-                  <a:schemeClr val="tx1"/>
-                </a:solidFill>
-              </a:rPr>
-              <a:t> geo</a:t>
+              <a:t>Mes origines geo</a:t>
             </a:r>
           </a:p>
           <a:p>
@@ -3865,21 +3811,8 @@
                   <a:schemeClr val="tx1"/>
                 </a:solidFill>
               </a:rPr>
-              <a:t>Mon </a:t>
-            </a:r>
-            <a:r>
-              <a:rPr lang="en-GB" sz="2200" dirty="0" err="1">
-                <a:solidFill>
-                  <a:schemeClr val="tx1"/>
-                </a:solidFill>
-              </a:rPr>
-              <a:t>caractère</a:t>
-            </a:r>
-            <a:endParaRPr lang="en-GB" sz="2200" dirty="0">
-              <a:solidFill>
-                <a:schemeClr val="tx1"/>
-              </a:solidFill>
-            </a:endParaRPr>
+              <a:t>Mon caractère</a:t>
+            </a:r>
           </a:p>
           <a:p>
             <a:pPr marL="342900" indent="-342900" algn="l">
@@ -3887,34 +3820,13 @@
               <a:buChar char="-"/>
             </a:pPr>
             <a:r>
-              <a:rPr lang="en-GB" sz="2200" dirty="0" err="1">
+              <a:rPr lang="en-GB" sz="2200" dirty="0">
                 <a:solidFill>
                   <a:schemeClr val="tx1"/>
                 </a:solidFill>
               </a:rPr>
-              <a:t>Mes</a:t>
-            </a:r>
-            <a:r>
-              <a:rPr lang="en-GB" sz="2200" dirty="0">
-                <a:solidFill>
-                  <a:schemeClr val="tx1"/>
-                </a:solidFill>
-              </a:rPr>
-              <a:t> </a:t>
-            </a:r>
-            <a:r>
-              <a:rPr lang="en-GB" sz="2200" dirty="0" err="1">
-                <a:solidFill>
-                  <a:schemeClr val="tx1"/>
-                </a:solidFill>
-              </a:rPr>
-              <a:t>qualités</a:t>
-            </a:r>
-            <a:endParaRPr lang="en-GB" sz="2200" dirty="0">
-              <a:solidFill>
-                <a:schemeClr val="tx1"/>
-              </a:solidFill>
-            </a:endParaRPr>
+              <a:t>Mes qualités</a:t>
+            </a:r>
           </a:p>
           <a:p>
             <a:pPr marL="342900" indent="-342900" algn="l">
@@ -3922,34 +3834,13 @@
               <a:buChar char="-"/>
             </a:pPr>
             <a:r>
-              <a:rPr lang="en-GB" sz="2200" dirty="0" err="1">
+              <a:rPr lang="en-GB" sz="2200" dirty="0">
                 <a:solidFill>
                   <a:schemeClr val="tx1"/>
                 </a:solidFill>
               </a:rPr>
-              <a:t>Mes</a:t>
-            </a:r>
-            <a:r>
-              <a:rPr lang="en-GB" sz="2200" dirty="0">
-                <a:solidFill>
-                  <a:schemeClr val="tx1"/>
-                </a:solidFill>
-              </a:rPr>
-              <a:t> </a:t>
-            </a:r>
-            <a:r>
-              <a:rPr lang="en-GB" sz="2200" dirty="0" err="1">
-                <a:solidFill>
-                  <a:schemeClr val="tx1"/>
-                </a:solidFill>
-              </a:rPr>
-              <a:t>défauts</a:t>
-            </a:r>
-            <a:endParaRPr lang="en-GB" sz="2200" dirty="0">
-              <a:solidFill>
-                <a:schemeClr val="tx1"/>
-              </a:solidFill>
-            </a:endParaRPr>
+              <a:t>Mes défauts</a:t>
+            </a:r>
           </a:p>
           <a:p>
             <a:pPr marL="285750" indent="-285750" algn="l">
@@ -3971,34 +3862,13 @@
               <a:buChar char="-"/>
             </a:pPr>
             <a:r>
-              <a:rPr lang="en-GB" sz="2200" dirty="0" err="1">
+              <a:rPr lang="en-GB" sz="2200" dirty="0">
                 <a:solidFill>
                   <a:schemeClr val="tx1"/>
                 </a:solidFill>
               </a:rPr>
-              <a:t>Mes</a:t>
-            </a:r>
-            <a:r>
-              <a:rPr lang="en-GB" sz="2200" dirty="0">
-                <a:solidFill>
-                  <a:schemeClr val="tx1"/>
-                </a:solidFill>
-              </a:rPr>
-              <a:t> jobs/</a:t>
-            </a:r>
-            <a:r>
-              <a:rPr lang="en-GB" sz="2200" dirty="0" err="1">
-                <a:solidFill>
-                  <a:schemeClr val="tx1"/>
-                </a:solidFill>
-              </a:rPr>
-              <a:t>expérience</a:t>
-            </a:r>
-            <a:endParaRPr lang="en-GB" sz="2200" dirty="0">
-              <a:solidFill>
-                <a:schemeClr val="tx1"/>
-              </a:solidFill>
-            </a:endParaRPr>
+              <a:t>Mes jobs/expérience</a:t>
+            </a:r>
           </a:p>
           <a:p>
             <a:pPr marL="285750" indent="-285750" algn="l">
@@ -4011,37 +3881,8 @@
                   <a:schemeClr val="tx1"/>
                 </a:solidFill>
               </a:rPr>
-              <a:t>Mon </a:t>
-            </a:r>
-            <a:r>
-              <a:rPr lang="en-GB" sz="2200" dirty="0" err="1">
-                <a:solidFill>
-                  <a:schemeClr val="tx1"/>
-                </a:solidFill>
-              </a:rPr>
-              <a:t>parcours</a:t>
-            </a:r>
-            <a:r>
-              <a:rPr lang="en-GB" sz="2200" dirty="0">
-                <a:solidFill>
-                  <a:schemeClr val="tx1"/>
-                </a:solidFill>
-              </a:rPr>
-              <a:t> </a:t>
-            </a:r>
-            <a:r>
-              <a:rPr lang="en-GB" sz="2200" dirty="0" err="1">
-                <a:solidFill>
-                  <a:schemeClr val="tx1"/>
-                </a:solidFill>
-              </a:rPr>
-              <a:t>scolaire</a:t>
-            </a:r>
-            <a:endParaRPr lang="en-GB" sz="2200" dirty="0">
-              <a:solidFill>
-                <a:schemeClr val="tx1"/>
-              </a:solidFill>
-            </a:endParaRPr>
+              <a:t>Mon parcours scolaire</a:t>
+            </a:r>
           </a:p>
           <a:p>
             <a:pPr marL="285750" indent="-285750" algn="l">
@@ -4049,20 +3890,12 @@
               <a:buChar char="-"/>
             </a:pPr>
             <a:r>
-              <a:rPr lang="en-GB" sz="2200" dirty="0" err="1">
+              <a:rPr lang="en-GB" sz="2200" dirty="0">
                 <a:solidFill>
                   <a:schemeClr val="tx1"/>
                 </a:solidFill>
               </a:rPr>
-              <a:t>Mes</a:t>
-            </a:r>
-            <a:r>
-              <a:rPr lang="en-GB" sz="2200" dirty="0">
-                <a:solidFill>
-                  <a:schemeClr val="tx1"/>
-                </a:solidFill>
-              </a:rPr>
-              <a:t> talents</a:t>
+              <a:t>Mes talents</a:t>
             </a:r>
           </a:p>
           <a:p>
@@ -4071,20 +3904,12 @@
               <a:buChar char="-"/>
             </a:pPr>
             <a:r>
-              <a:rPr lang="en-GB" sz="2200" dirty="0" err="1">
+              <a:rPr lang="en-GB" sz="2200" dirty="0">
                 <a:solidFill>
                   <a:schemeClr val="tx1"/>
                 </a:solidFill>
               </a:rPr>
-              <a:t>Mes</a:t>
-            </a:r>
-            <a:r>
-              <a:rPr lang="en-GB" sz="2200" dirty="0">
-                <a:solidFill>
-                  <a:schemeClr val="tx1"/>
-                </a:solidFill>
-              </a:rPr>
-              <a:t> passions</a:t>
+              <a:t>Mes passions</a:t>
             </a:r>
           </a:p>
           <a:p>
@@ -4098,23 +3923,7 @@
                   <a:schemeClr val="tx1"/>
                 </a:solidFill>
               </a:rPr>
-              <a:t>Mon </a:t>
-            </a:r>
-            <a:r>
-              <a:rPr lang="en-GB" sz="2200" dirty="0" err="1">
-                <a:solidFill>
-                  <a:schemeClr val="tx1"/>
-                </a:solidFill>
-              </a:rPr>
-              <a:t>prôjet</a:t>
-            </a:r>
-            <a:r>
-              <a:rPr lang="en-GB" sz="2200" dirty="0">
-                <a:solidFill>
-                  <a:schemeClr val="tx1"/>
-                </a:solidFill>
-              </a:rPr>
-              <a:t> pro</a:t>
+              <a:t>Mon prôjet pro</a:t>
             </a:r>
           </a:p>
           <a:p>
@@ -4324,9 +4133,3821 @@
 </p:sld>
 </file>
 
-<file path=ppt/slides/slide10.xml><?xml version="1.0" encoding="utf-8"?>
-<p:sld xmlns:a="http://schemas.openxmlformats.org/drawingml/2006/main" xmlns:r="http://schemas.openxmlformats.org/officeDocument/2006/relationships" xmlns:p="http://schemas.openxmlformats.org/presentationml/2006/main">
+<file path=ppt/slides/slide2.xml><?xml version="1.0" encoding="utf-8"?>
+<p:sld xmlns:a="http://schemas.openxmlformats.org/drawingml/2006/main" xmlns:r="http://schemas.openxmlformats.org/officeDocument/2006/relationships" xmlns:p="http://schemas.openxmlformats.org/presentationml/2006/main" showMasterSp="0">
   <p:cSld>
+    <p:bg>
+      <p:bgPr>
+        <a:solidFill>
+          <a:srgbClr val="292D3E"/>
+        </a:solidFill>
+        <a:effectLst/>
+      </p:bgPr>
+    </p:bg>
+    <p:spTree>
+      <p:nvGrpSpPr>
+        <p:cNvPr id="1" name=""/>
+        <p:cNvGrpSpPr/>
+        <p:nvPr/>
+      </p:nvGrpSpPr>
+      <p:grpSpPr>
+        <a:xfrm>
+          <a:off x="0" y="0"/>
+          <a:ext cx="0" cy="0"/>
+          <a:chOff x="0" y="0"/>
+          <a:chExt cx="0" cy="0"/>
+        </a:xfrm>
+      </p:grpSpPr>
+      <p:sp>
+        <p:nvSpPr>
+          <p:cNvPr id="4" name="Rectangle 3">
+            <a:extLst>
+              <a:ext uri="{FF2B5EF4-FFF2-40B4-BE49-F238E27FC236}">
+                <a16:creationId xmlns:a16="http://schemas.microsoft.com/office/drawing/2014/main" id="{406CBBC8-5105-A3C2-3839-FE16F932E1E8}"/>
+              </a:ext>
+            </a:extLst>
+          </p:cNvPr>
+          <p:cNvSpPr>
+            <a:spLocks noGrp="1" noRot="1" noMove="1" noResize="1" noEditPoints="1" noAdjustHandles="1" noChangeArrowheads="1" noChangeShapeType="1"/>
+          </p:cNvSpPr>
+          <p:nvPr/>
+        </p:nvSpPr>
+        <p:spPr>
+          <a:xfrm>
+            <a:off x="0" y="0"/>
+            <a:ext cx="12192000" cy="726558"/>
+          </a:xfrm>
+          <a:prstGeom prst="rect">
+            <a:avLst/>
+          </a:prstGeom>
+          <a:solidFill>
+            <a:srgbClr val="090B10"/>
+          </a:solidFill>
+          <a:ln>
+            <a:noFill/>
+          </a:ln>
+        </p:spPr>
+        <p:style>
+          <a:lnRef idx="2">
+            <a:schemeClr val="accent1">
+              <a:shade val="50000"/>
+            </a:schemeClr>
+          </a:lnRef>
+          <a:fillRef idx="1">
+            <a:schemeClr val="accent1"/>
+          </a:fillRef>
+          <a:effectRef idx="0">
+            <a:schemeClr val="accent1"/>
+          </a:effectRef>
+          <a:fontRef idx="minor">
+            <a:schemeClr val="lt1"/>
+          </a:fontRef>
+        </p:style>
+        <p:txBody>
+          <a:bodyPr rtlCol="0" anchor="ctr"/>
+          <a:lstStyle/>
+          <a:p>
+            <a:pPr algn="ctr"/>
+            <a:endParaRPr lang="en-GB" dirty="0"/>
+          </a:p>
+        </p:txBody>
+      </p:sp>
+      <p:sp>
+        <p:nvSpPr>
+          <p:cNvPr id="2" name="Title 1">
+            <a:extLst>
+              <a:ext uri="{FF2B5EF4-FFF2-40B4-BE49-F238E27FC236}">
+                <a16:creationId xmlns:a16="http://schemas.microsoft.com/office/drawing/2014/main" id="{08D29733-0685-5776-4BCC-88B56788E176}"/>
+              </a:ext>
+            </a:extLst>
+          </p:cNvPr>
+          <p:cNvSpPr>
+            <a:spLocks noGrp="1" noRot="1" noMove="1" noResize="1" noEditPoints="1" noAdjustHandles="1" noChangeArrowheads="1" noChangeShapeType="1"/>
+          </p:cNvSpPr>
+          <p:nvPr>
+            <p:ph type="title" idx="4294967295"/>
+          </p:nvPr>
+        </p:nvSpPr>
+        <p:spPr>
+          <a:xfrm>
+            <a:off x="0" y="-65314"/>
+            <a:ext cx="7287208" cy="726557"/>
+          </a:xfrm>
+        </p:spPr>
+        <p:txBody>
+          <a:bodyPr>
+            <a:normAutofit fontScale="90000"/>
+          </a:bodyPr>
+          <a:lstStyle/>
+          <a:p>
+            <a:r>
+              <a:rPr lang="en-GB" dirty="0">
+                <a:solidFill>
+                  <a:schemeClr val="tx1">
+                    <a:lumMod val="50000"/>
+                    <a:lumOff val="50000"/>
+                  </a:schemeClr>
+                </a:solidFill>
+              </a:rPr>
+              <a:t>mes-racines</a:t>
+            </a:r>
+            <a:r>
+              <a:rPr lang="en-GB" dirty="0"/>
+              <a:t>.</a:t>
+            </a:r>
+            <a:r>
+              <a:rPr lang="en-GB" dirty="0">
+                <a:solidFill>
+                  <a:schemeClr val="accent5"/>
+                </a:solidFill>
+              </a:rPr>
+              <a:t>py</a:t>
+            </a:r>
+          </a:p>
+        </p:txBody>
+      </p:sp>
+      <p:sp>
+        <p:nvSpPr>
+          <p:cNvPr id="5" name="TextBox 4">
+            <a:extLst>
+              <a:ext uri="{FF2B5EF4-FFF2-40B4-BE49-F238E27FC236}">
+                <a16:creationId xmlns:a16="http://schemas.microsoft.com/office/drawing/2014/main" id="{ADE77DD9-4881-DEB3-836C-7B184C7B37FB}"/>
+              </a:ext>
+            </a:extLst>
+          </p:cNvPr>
+          <p:cNvSpPr txBox="1">
+            <a:spLocks noGrp="1" noRot="1" noMove="1" noResize="1" noEditPoints="1" noAdjustHandles="1" noChangeArrowheads="1" noChangeShapeType="1"/>
+          </p:cNvSpPr>
+          <p:nvPr/>
+        </p:nvSpPr>
+        <p:spPr>
+          <a:xfrm>
+            <a:off x="102637" y="1987420"/>
+            <a:ext cx="12008498" cy="1384995"/>
+          </a:xfrm>
+          <a:prstGeom prst="rect">
+            <a:avLst/>
+          </a:prstGeom>
+          <a:noFill/>
+        </p:spPr>
+        <p:txBody>
+          <a:bodyPr wrap="square" rtlCol="0">
+            <a:spAutoFit/>
+          </a:bodyPr>
+          <a:lstStyle/>
+          <a:p>
+            <a:r>
+              <a:rPr lang="en-GB" sz="1200" dirty="0">
+                <a:solidFill>
+                  <a:schemeClr val="accent5"/>
+                </a:solidFill>
+                <a:latin typeface="Century Gothic" panose="020B0502020202020204" pitchFamily="34" charset="0"/>
+              </a:rPr>
+              <a:t>def</a:t>
+            </a:r>
+            <a:r>
+              <a:rPr lang="en-GB" sz="1200" dirty="0">
+                <a:latin typeface="Century Gothic" panose="020B0502020202020204" pitchFamily="34" charset="0"/>
+              </a:rPr>
+              <a:t> </a:t>
+            </a:r>
+            <a:r>
+              <a:rPr lang="en-GB" sz="1200" dirty="0" err="1">
+                <a:solidFill>
+                  <a:srgbClr val="89DDFF"/>
+                </a:solidFill>
+                <a:latin typeface="Century Gothic" panose="020B0502020202020204" pitchFamily="34" charset="0"/>
+              </a:rPr>
+              <a:t>mes_racines</a:t>
+            </a:r>
+            <a:r>
+              <a:rPr lang="en-GB" sz="1200" dirty="0">
+                <a:solidFill>
+                  <a:srgbClr val="99FF99"/>
+                </a:solidFill>
+                <a:latin typeface="Century Gothic" panose="020B0502020202020204" pitchFamily="34" charset="0"/>
+              </a:rPr>
+              <a:t>()</a:t>
+            </a:r>
+            <a:r>
+              <a:rPr lang="en-GB" sz="1200" dirty="0">
+                <a:solidFill>
+                  <a:schemeClr val="bg1"/>
+                </a:solidFill>
+                <a:latin typeface="Century Gothic" panose="020B0502020202020204" pitchFamily="34" charset="0"/>
+              </a:rPr>
+              <a:t>:</a:t>
+            </a:r>
+          </a:p>
+          <a:p>
+            <a:r>
+              <a:rPr lang="en-GB" sz="1200" dirty="0">
+                <a:latin typeface="Century Gothic" panose="020B0502020202020204" pitchFamily="34" charset="0"/>
+              </a:rPr>
+              <a:t>  </a:t>
+            </a:r>
+            <a:r>
+              <a:rPr lang="en-GB" sz="1200" dirty="0" err="1">
+                <a:solidFill>
+                  <a:schemeClr val="tx1">
+                    <a:lumMod val="50000"/>
+                    <a:lumOff val="50000"/>
+                  </a:schemeClr>
+                </a:solidFill>
+                <a:latin typeface="Century Gothic" panose="020B0502020202020204" pitchFamily="34" charset="0"/>
+              </a:rPr>
+              <a:t>region_naissance</a:t>
+            </a:r>
+            <a:r>
+              <a:rPr lang="en-GB" sz="1200" dirty="0">
+                <a:latin typeface="Century Gothic" panose="020B0502020202020204" pitchFamily="34" charset="0"/>
+              </a:rPr>
+              <a:t> </a:t>
+            </a:r>
+            <a:r>
+              <a:rPr lang="en-GB" sz="1200" dirty="0">
+                <a:solidFill>
+                  <a:srgbClr val="89DDFF"/>
+                </a:solidFill>
+                <a:latin typeface="Century Gothic" panose="020B0502020202020204" pitchFamily="34" charset="0"/>
+              </a:rPr>
+              <a:t>=</a:t>
+            </a:r>
+            <a:r>
+              <a:rPr lang="en-GB" sz="1200" dirty="0">
+                <a:latin typeface="Century Gothic" panose="020B0502020202020204" pitchFamily="34" charset="0"/>
+              </a:rPr>
+              <a:t> </a:t>
+            </a:r>
+            <a:r>
+              <a:rPr lang="en-GB" sz="1200" dirty="0">
+                <a:solidFill>
+                  <a:schemeClr val="bg1"/>
+                </a:solidFill>
+                <a:latin typeface="Century Gothic" panose="020B0502020202020204" pitchFamily="34" charset="0"/>
+              </a:rPr>
+              <a:t>(</a:t>
+            </a:r>
+            <a:r>
+              <a:rPr lang="en-GB" sz="1200" dirty="0">
+                <a:solidFill>
+                  <a:schemeClr val="accent4"/>
+                </a:solidFill>
+                <a:latin typeface="Century Gothic" panose="020B0502020202020204" pitchFamily="34" charset="0"/>
+              </a:rPr>
+              <a:t>“</a:t>
+            </a:r>
+            <a:r>
+              <a:rPr lang="en-GB" sz="1200" dirty="0">
+                <a:solidFill>
+                  <a:srgbClr val="99FF99"/>
+                </a:solidFill>
+                <a:latin typeface="Century Gothic" panose="020B0502020202020204" pitchFamily="34" charset="0"/>
+              </a:rPr>
+              <a:t>Haute-Savoie</a:t>
+            </a:r>
+            <a:r>
+              <a:rPr lang="en-GB" sz="1200" dirty="0">
+                <a:solidFill>
+                  <a:schemeClr val="accent4"/>
+                </a:solidFill>
+                <a:latin typeface="Century Gothic" panose="020B0502020202020204" pitchFamily="34" charset="0"/>
+              </a:rPr>
+              <a:t>”</a:t>
+            </a:r>
+            <a:r>
+              <a:rPr lang="en-GB" sz="1200" dirty="0">
+                <a:solidFill>
+                  <a:schemeClr val="bg1"/>
+                </a:solidFill>
+                <a:latin typeface="Century Gothic" panose="020B0502020202020204" pitchFamily="34" charset="0"/>
+              </a:rPr>
+              <a:t>,</a:t>
+            </a:r>
+            <a:r>
+              <a:rPr lang="en-GB" sz="1200" dirty="0">
+                <a:latin typeface="Century Gothic" panose="020B0502020202020204" pitchFamily="34" charset="0"/>
+              </a:rPr>
+              <a:t> </a:t>
+            </a:r>
+            <a:r>
+              <a:rPr lang="en-GB" sz="1200" dirty="0">
+                <a:solidFill>
+                  <a:srgbClr val="99FF99"/>
+                </a:solidFill>
+                <a:latin typeface="Century Gothic" panose="020B0502020202020204" pitchFamily="34" charset="0"/>
+              </a:rPr>
+              <a:t>74</a:t>
+            </a:r>
+            <a:r>
+              <a:rPr lang="en-GB" sz="1200" dirty="0">
+                <a:solidFill>
+                  <a:schemeClr val="bg1"/>
+                </a:solidFill>
+                <a:latin typeface="Century Gothic" panose="020B0502020202020204" pitchFamily="34" charset="0"/>
+              </a:rPr>
+              <a:t>) </a:t>
+            </a:r>
+            <a:r>
+              <a:rPr lang="en-GB" sz="1200" dirty="0">
+                <a:solidFill>
+                  <a:schemeClr val="bg1">
+                    <a:lumMod val="50000"/>
+                  </a:schemeClr>
+                </a:solidFill>
+                <a:latin typeface="Century Gothic" panose="020B0502020202020204" pitchFamily="34" charset="0"/>
+              </a:rPr>
+              <a:t># Tuple used to store related data into one object</a:t>
+            </a:r>
+          </a:p>
+          <a:p>
+            <a:r>
+              <a:rPr lang="en-GB" sz="1200" dirty="0">
+                <a:latin typeface="Century Gothic" panose="020B0502020202020204" pitchFamily="34" charset="0"/>
+              </a:rPr>
+              <a:t>  </a:t>
+            </a:r>
+            <a:r>
+              <a:rPr lang="en-GB" sz="1200" dirty="0" err="1">
+                <a:solidFill>
+                  <a:schemeClr val="tx1">
+                    <a:lumMod val="50000"/>
+                    <a:lumOff val="50000"/>
+                  </a:schemeClr>
+                </a:solidFill>
+                <a:latin typeface="Century Gothic" panose="020B0502020202020204" pitchFamily="34" charset="0"/>
+              </a:rPr>
+              <a:t>curr_loc</a:t>
+            </a:r>
+            <a:r>
+              <a:rPr lang="en-GB" sz="1200" dirty="0">
+                <a:latin typeface="Century Gothic" panose="020B0502020202020204" pitchFamily="34" charset="0"/>
+              </a:rPr>
+              <a:t> </a:t>
+            </a:r>
+            <a:r>
+              <a:rPr lang="en-GB" sz="1200" dirty="0">
+                <a:solidFill>
+                  <a:srgbClr val="89DDFF"/>
+                </a:solidFill>
+                <a:latin typeface="Century Gothic" panose="020B0502020202020204" pitchFamily="34" charset="0"/>
+              </a:rPr>
+              <a:t>=</a:t>
+            </a:r>
+            <a:r>
+              <a:rPr lang="en-GB" sz="1200" dirty="0">
+                <a:latin typeface="Century Gothic" panose="020B0502020202020204" pitchFamily="34" charset="0"/>
+              </a:rPr>
+              <a:t> </a:t>
+            </a:r>
+            <a:r>
+              <a:rPr lang="en-GB" sz="1200" dirty="0">
+                <a:solidFill>
+                  <a:schemeClr val="accent4"/>
+                </a:solidFill>
+                <a:latin typeface="Century Gothic" panose="020B0502020202020204" pitchFamily="34" charset="0"/>
+              </a:rPr>
+              <a:t>“</a:t>
+            </a:r>
+            <a:r>
+              <a:rPr lang="en-GB" sz="1200" dirty="0" err="1">
+                <a:solidFill>
+                  <a:srgbClr val="99FF99"/>
+                </a:solidFill>
+                <a:latin typeface="Century Gothic" panose="020B0502020202020204" pitchFamily="34" charset="0"/>
+              </a:rPr>
+              <a:t>Béziers</a:t>
+            </a:r>
+            <a:r>
+              <a:rPr lang="en-GB" sz="1200" dirty="0">
+                <a:solidFill>
+                  <a:schemeClr val="accent4"/>
+                </a:solidFill>
+                <a:latin typeface="Century Gothic" panose="020B0502020202020204" pitchFamily="34" charset="0"/>
+              </a:rPr>
+              <a:t>”</a:t>
+            </a:r>
+          </a:p>
+          <a:p>
+            <a:r>
+              <a:rPr lang="en-GB" sz="1200" b="0" dirty="0">
+                <a:solidFill>
+                  <a:srgbClr val="89DDFF"/>
+                </a:solidFill>
+                <a:effectLst/>
+                <a:latin typeface="Century Gothic" panose="020B0502020202020204" pitchFamily="34" charset="0"/>
+              </a:rPr>
+              <a:t>  </a:t>
+            </a:r>
+            <a:r>
+              <a:rPr lang="fr-FR" sz="1200" b="0" dirty="0" err="1">
+                <a:solidFill>
+                  <a:srgbClr val="7EA8B9"/>
+                </a:solidFill>
+                <a:effectLst/>
+                <a:latin typeface="Century Gothic" panose="020B0502020202020204" pitchFamily="34" charset="0"/>
+              </a:rPr>
+              <a:t>print</a:t>
+            </a:r>
+            <a:r>
+              <a:rPr lang="fr-FR" sz="1200" b="0" dirty="0">
+                <a:solidFill>
+                  <a:schemeClr val="bg1"/>
+                </a:solidFill>
+                <a:effectLst/>
+                <a:latin typeface="Century Gothic" panose="020B0502020202020204" pitchFamily="34" charset="0"/>
+              </a:rPr>
+              <a:t>(</a:t>
+            </a:r>
+            <a:r>
+              <a:rPr lang="fr-FR" sz="1200" b="0" i="1" dirty="0">
+                <a:solidFill>
+                  <a:schemeClr val="accent5"/>
+                </a:solidFill>
+                <a:effectLst/>
+                <a:latin typeface="Century Gothic" panose="020B0502020202020204" pitchFamily="34" charset="0"/>
+              </a:rPr>
+              <a:t>f</a:t>
+            </a:r>
+            <a:r>
+              <a:rPr lang="en-GB" sz="1200" dirty="0">
+                <a:solidFill>
+                  <a:schemeClr val="accent4"/>
+                </a:solidFill>
+                <a:latin typeface="Century Gothic" panose="020B0502020202020204" pitchFamily="34" charset="0"/>
+              </a:rPr>
+              <a:t>“</a:t>
+            </a:r>
+            <a:r>
+              <a:rPr lang="fr-FR" sz="1200" b="0" i="1" dirty="0">
+                <a:solidFill>
+                  <a:srgbClr val="99FF99"/>
+                </a:solidFill>
+                <a:effectLst/>
+                <a:latin typeface="Century Gothic" panose="020B0502020202020204" pitchFamily="34" charset="0"/>
+              </a:rPr>
+              <a:t>Je suis né en </a:t>
+            </a:r>
+            <a:r>
+              <a:rPr lang="fr-FR" sz="1200" b="0" dirty="0">
+                <a:solidFill>
+                  <a:srgbClr val="89DDFF"/>
+                </a:solidFill>
+                <a:effectLst/>
+                <a:latin typeface="Century Gothic" panose="020B0502020202020204" pitchFamily="34" charset="0"/>
+              </a:rPr>
+              <a:t>{</a:t>
+            </a:r>
+            <a:r>
+              <a:rPr lang="fr-FR" sz="1200" b="0" dirty="0" err="1">
+                <a:solidFill>
+                  <a:srgbClr val="89DDFF"/>
+                </a:solidFill>
+                <a:effectLst/>
+                <a:latin typeface="Century Gothic" panose="020B0502020202020204" pitchFamily="34" charset="0"/>
+              </a:rPr>
+              <a:t>region_naissance</a:t>
+            </a:r>
+            <a:r>
+              <a:rPr lang="fr-FR" sz="1200" b="0" dirty="0">
+                <a:solidFill>
+                  <a:schemeClr val="bg1"/>
+                </a:solidFill>
+                <a:effectLst/>
+                <a:latin typeface="Century Gothic" panose="020B0502020202020204" pitchFamily="34" charset="0"/>
+              </a:rPr>
+              <a:t>[</a:t>
+            </a:r>
+            <a:r>
+              <a:rPr lang="fr-FR" sz="1200" b="0" dirty="0">
+                <a:solidFill>
+                  <a:srgbClr val="99FF99"/>
+                </a:solidFill>
+                <a:effectLst/>
+                <a:latin typeface="Century Gothic" panose="020B0502020202020204" pitchFamily="34" charset="0"/>
+              </a:rPr>
+              <a:t>0</a:t>
+            </a:r>
+            <a:r>
+              <a:rPr lang="fr-FR" sz="1200" b="0" dirty="0">
+                <a:solidFill>
+                  <a:schemeClr val="bg1"/>
+                </a:solidFill>
+                <a:effectLst/>
+                <a:latin typeface="Century Gothic" panose="020B0502020202020204" pitchFamily="34" charset="0"/>
+              </a:rPr>
+              <a:t>]</a:t>
+            </a:r>
+            <a:r>
+              <a:rPr lang="fr-FR" sz="1200" b="0" dirty="0">
+                <a:solidFill>
+                  <a:srgbClr val="89DDFF"/>
+                </a:solidFill>
+                <a:effectLst/>
+                <a:latin typeface="Century Gothic" panose="020B0502020202020204" pitchFamily="34" charset="0"/>
+              </a:rPr>
+              <a:t>}</a:t>
+            </a:r>
+            <a:r>
+              <a:rPr lang="fr-FR" sz="1200" b="0" i="1" dirty="0">
+                <a:solidFill>
+                  <a:srgbClr val="C3E88D"/>
+                </a:solidFill>
+                <a:effectLst/>
+                <a:latin typeface="Century Gothic" panose="020B0502020202020204" pitchFamily="34" charset="0"/>
+              </a:rPr>
+              <a:t> </a:t>
+            </a:r>
+            <a:r>
+              <a:rPr lang="fr-FR" sz="1200" b="0" i="1" dirty="0">
+                <a:solidFill>
+                  <a:srgbClr val="99FF99"/>
+                </a:solidFill>
+                <a:effectLst/>
+                <a:latin typeface="Century Gothic" panose="020B0502020202020204" pitchFamily="34" charset="0"/>
+              </a:rPr>
+              <a:t>(</a:t>
+            </a:r>
+            <a:r>
+              <a:rPr lang="fr-FR" sz="1200" b="0" dirty="0">
+                <a:solidFill>
+                  <a:srgbClr val="89DDFF"/>
+                </a:solidFill>
+                <a:effectLst/>
+                <a:latin typeface="Century Gothic" panose="020B0502020202020204" pitchFamily="34" charset="0"/>
+              </a:rPr>
+              <a:t>{</a:t>
+            </a:r>
+            <a:r>
+              <a:rPr lang="fr-FR" sz="1200" b="0" dirty="0" err="1">
+                <a:solidFill>
+                  <a:srgbClr val="89DDFF"/>
+                </a:solidFill>
+                <a:effectLst/>
+                <a:latin typeface="Century Gothic" panose="020B0502020202020204" pitchFamily="34" charset="0"/>
+              </a:rPr>
+              <a:t>region_naissance</a:t>
+            </a:r>
+            <a:r>
+              <a:rPr lang="fr-FR" sz="1200" b="0" dirty="0">
+                <a:solidFill>
+                  <a:schemeClr val="bg1"/>
+                </a:solidFill>
+                <a:effectLst/>
+                <a:latin typeface="Century Gothic" panose="020B0502020202020204" pitchFamily="34" charset="0"/>
+              </a:rPr>
+              <a:t>[</a:t>
+            </a:r>
+            <a:r>
+              <a:rPr lang="fr-FR" sz="1200" b="0" dirty="0">
+                <a:solidFill>
+                  <a:srgbClr val="99FF99"/>
+                </a:solidFill>
+                <a:effectLst/>
+                <a:latin typeface="Century Gothic" panose="020B0502020202020204" pitchFamily="34" charset="0"/>
+              </a:rPr>
+              <a:t>1</a:t>
+            </a:r>
+            <a:r>
+              <a:rPr lang="fr-FR" sz="1200" b="0" dirty="0">
+                <a:solidFill>
+                  <a:schemeClr val="bg1"/>
+                </a:solidFill>
+                <a:effectLst/>
+                <a:latin typeface="Century Gothic" panose="020B0502020202020204" pitchFamily="34" charset="0"/>
+              </a:rPr>
+              <a:t>]</a:t>
+            </a:r>
+            <a:r>
+              <a:rPr lang="fr-FR" sz="1200" b="0" dirty="0">
+                <a:solidFill>
+                  <a:srgbClr val="89DDFF"/>
+                </a:solidFill>
+                <a:effectLst/>
+                <a:latin typeface="Century Gothic" panose="020B0502020202020204" pitchFamily="34" charset="0"/>
+              </a:rPr>
+              <a:t>}</a:t>
+            </a:r>
+            <a:r>
+              <a:rPr lang="fr-FR" sz="1200" b="0" i="1" dirty="0">
+                <a:solidFill>
+                  <a:srgbClr val="99FF99"/>
+                </a:solidFill>
+                <a:effectLst/>
+                <a:latin typeface="Century Gothic" panose="020B0502020202020204" pitchFamily="34" charset="0"/>
+              </a:rPr>
+              <a:t>),</a:t>
+            </a:r>
+            <a:r>
+              <a:rPr lang="fr-FR" sz="1200" b="0" i="1" dirty="0">
+                <a:solidFill>
+                  <a:srgbClr val="C3E88D"/>
+                </a:solidFill>
+                <a:effectLst/>
+                <a:latin typeface="Century Gothic" panose="020B0502020202020204" pitchFamily="34" charset="0"/>
+              </a:rPr>
+              <a:t> </a:t>
+            </a:r>
+            <a:r>
+              <a:rPr lang="fr-FR" sz="1200" b="0" i="1" dirty="0">
+                <a:solidFill>
+                  <a:srgbClr val="99FF99"/>
+                </a:solidFill>
+                <a:effectLst/>
+                <a:latin typeface="Century Gothic" panose="020B0502020202020204" pitchFamily="34" charset="0"/>
+              </a:rPr>
+              <a:t>j'ai déménagé plusieurs fois dans ma vie avant d'arriver dans le coin de</a:t>
+            </a:r>
+            <a:r>
+              <a:rPr lang="fr-FR" sz="1200" b="0" i="1" dirty="0">
+                <a:solidFill>
+                  <a:srgbClr val="C3E88D"/>
+                </a:solidFill>
+                <a:effectLst/>
+                <a:latin typeface="Century Gothic" panose="020B0502020202020204" pitchFamily="34" charset="0"/>
+              </a:rPr>
+              <a:t> </a:t>
+            </a:r>
+            <a:r>
+              <a:rPr lang="fr-FR" sz="1200" b="0" dirty="0">
+                <a:solidFill>
+                  <a:srgbClr val="89DDFF"/>
+                </a:solidFill>
+                <a:effectLst/>
+                <a:latin typeface="Century Gothic" panose="020B0502020202020204" pitchFamily="34" charset="0"/>
+              </a:rPr>
+              <a:t>{</a:t>
+            </a:r>
+            <a:r>
+              <a:rPr lang="fr-FR" sz="1200" b="0" dirty="0" err="1">
+                <a:solidFill>
+                  <a:srgbClr val="89DDFF"/>
+                </a:solidFill>
+                <a:effectLst/>
+                <a:latin typeface="Century Gothic" panose="020B0502020202020204" pitchFamily="34" charset="0"/>
+              </a:rPr>
+              <a:t>curr_loc</a:t>
+            </a:r>
+            <a:r>
+              <a:rPr lang="fr-FR" sz="1200" b="0" dirty="0">
+                <a:solidFill>
+                  <a:srgbClr val="89DDFF"/>
+                </a:solidFill>
+                <a:effectLst/>
+                <a:latin typeface="Century Gothic" panose="020B0502020202020204" pitchFamily="34" charset="0"/>
+              </a:rPr>
+              <a:t>}</a:t>
+            </a:r>
+            <a:r>
+              <a:rPr lang="fr-FR" sz="1200" b="0" i="1" dirty="0">
+                <a:solidFill>
+                  <a:srgbClr val="99FF99"/>
+                </a:solidFill>
+                <a:effectLst/>
+                <a:latin typeface="Century Gothic" panose="020B0502020202020204" pitchFamily="34" charset="0"/>
+              </a:rPr>
+              <a:t>.</a:t>
+            </a:r>
+            <a:r>
+              <a:rPr lang="en-GB" sz="1200" dirty="0">
+                <a:solidFill>
+                  <a:schemeClr val="accent4"/>
+                </a:solidFill>
+                <a:latin typeface="Century Gothic" panose="020B0502020202020204" pitchFamily="34" charset="0"/>
+              </a:rPr>
+              <a:t>”</a:t>
+            </a:r>
+            <a:r>
+              <a:rPr lang="fr-FR" sz="1200" b="0" dirty="0">
+                <a:solidFill>
+                  <a:schemeClr val="bg1"/>
+                </a:solidFill>
+                <a:effectLst/>
+                <a:latin typeface="Century Gothic" panose="020B0502020202020204" pitchFamily="34" charset="0"/>
+              </a:rPr>
+              <a:t>)</a:t>
+            </a:r>
+          </a:p>
+          <a:p>
+            <a:endParaRPr lang="fr-FR" sz="1200" dirty="0">
+              <a:solidFill>
+                <a:schemeClr val="bg1"/>
+              </a:solidFill>
+              <a:latin typeface="Century Gothic" panose="020B0502020202020204" pitchFamily="34" charset="0"/>
+            </a:endParaRPr>
+          </a:p>
+          <a:p>
+            <a:r>
+              <a:rPr lang="fr-FR" sz="1200" dirty="0">
+                <a:solidFill>
+                  <a:schemeClr val="accent5"/>
+                </a:solidFill>
+                <a:latin typeface="Century Gothic" panose="020B0502020202020204" pitchFamily="34" charset="0"/>
+              </a:rPr>
+              <a:t>i</a:t>
+            </a:r>
+            <a:r>
+              <a:rPr lang="fr-FR" sz="1200" b="0" dirty="0">
+                <a:solidFill>
+                  <a:schemeClr val="accent5"/>
+                </a:solidFill>
+                <a:effectLst/>
+                <a:latin typeface="Century Gothic" panose="020B0502020202020204" pitchFamily="34" charset="0"/>
+              </a:rPr>
+              <a:t>f</a:t>
+            </a:r>
+            <a:r>
+              <a:rPr lang="fr-FR" sz="1200" b="0" dirty="0">
+                <a:solidFill>
+                  <a:schemeClr val="bg1"/>
+                </a:solidFill>
+                <a:effectLst/>
+                <a:latin typeface="Century Gothic" panose="020B0502020202020204" pitchFamily="34" charset="0"/>
+              </a:rPr>
+              <a:t> </a:t>
+            </a:r>
+            <a:r>
+              <a:rPr lang="fr-FR" sz="1200" b="0" dirty="0">
+                <a:solidFill>
+                  <a:schemeClr val="tx1">
+                    <a:lumMod val="50000"/>
+                    <a:lumOff val="50000"/>
+                  </a:schemeClr>
+                </a:solidFill>
+                <a:effectLst/>
+                <a:latin typeface="Century Gothic" panose="020B0502020202020204" pitchFamily="34" charset="0"/>
+              </a:rPr>
+              <a:t>__</a:t>
+            </a:r>
+            <a:r>
+              <a:rPr lang="fr-FR" sz="1200" b="0" dirty="0" err="1">
+                <a:solidFill>
+                  <a:schemeClr val="tx1">
+                    <a:lumMod val="50000"/>
+                    <a:lumOff val="50000"/>
+                  </a:schemeClr>
+                </a:solidFill>
+                <a:effectLst/>
+                <a:latin typeface="Century Gothic" panose="020B0502020202020204" pitchFamily="34" charset="0"/>
+              </a:rPr>
+              <a:t>name</a:t>
+            </a:r>
+            <a:r>
+              <a:rPr lang="fr-FR" sz="1200" b="0" dirty="0">
+                <a:solidFill>
+                  <a:schemeClr val="tx1">
+                    <a:lumMod val="50000"/>
+                    <a:lumOff val="50000"/>
+                  </a:schemeClr>
+                </a:solidFill>
+                <a:effectLst/>
+                <a:latin typeface="Century Gothic" panose="020B0502020202020204" pitchFamily="34" charset="0"/>
+              </a:rPr>
+              <a:t>__ </a:t>
+            </a:r>
+            <a:r>
+              <a:rPr lang="fr-FR" sz="1200" b="0" dirty="0">
+                <a:solidFill>
+                  <a:srgbClr val="89DDFF"/>
+                </a:solidFill>
+                <a:effectLst/>
+                <a:latin typeface="Century Gothic" panose="020B0502020202020204" pitchFamily="34" charset="0"/>
+              </a:rPr>
+              <a:t>==</a:t>
+            </a:r>
+            <a:r>
+              <a:rPr lang="fr-FR" sz="1200" b="0" dirty="0">
+                <a:solidFill>
+                  <a:schemeClr val="bg1"/>
+                </a:solidFill>
+                <a:effectLst/>
+                <a:latin typeface="Century Gothic" panose="020B0502020202020204" pitchFamily="34" charset="0"/>
+              </a:rPr>
+              <a:t> </a:t>
+            </a:r>
+            <a:r>
+              <a:rPr lang="en-GB" sz="1200" dirty="0">
+                <a:solidFill>
+                  <a:schemeClr val="accent4"/>
+                </a:solidFill>
+                <a:latin typeface="Century Gothic" panose="020B0502020202020204" pitchFamily="34" charset="0"/>
+              </a:rPr>
+              <a:t>“</a:t>
+            </a:r>
+            <a:r>
+              <a:rPr lang="en-GB" sz="1200" dirty="0">
+                <a:solidFill>
+                  <a:srgbClr val="99FF99"/>
+                </a:solidFill>
+                <a:latin typeface="Century Gothic" panose="020B0502020202020204" pitchFamily="34" charset="0"/>
+              </a:rPr>
+              <a:t>__main__</a:t>
+            </a:r>
+            <a:r>
+              <a:rPr lang="en-GB" sz="1200" dirty="0">
+                <a:solidFill>
+                  <a:schemeClr val="accent4"/>
+                </a:solidFill>
+                <a:latin typeface="Century Gothic" panose="020B0502020202020204" pitchFamily="34" charset="0"/>
+              </a:rPr>
+              <a:t>”</a:t>
+            </a:r>
+            <a:r>
+              <a:rPr lang="en-GB" sz="1200" dirty="0">
+                <a:solidFill>
+                  <a:schemeClr val="bg2"/>
+                </a:solidFill>
+                <a:latin typeface="Century Gothic" panose="020B0502020202020204" pitchFamily="34" charset="0"/>
+              </a:rPr>
+              <a:t>:</a:t>
+            </a:r>
+          </a:p>
+          <a:p>
+            <a:r>
+              <a:rPr lang="en-GB" sz="1200" dirty="0">
+                <a:solidFill>
+                  <a:schemeClr val="accent4"/>
+                </a:solidFill>
+                <a:latin typeface="Century Gothic" panose="020B0502020202020204" pitchFamily="34" charset="0"/>
+              </a:rPr>
+              <a:t>  </a:t>
+            </a:r>
+            <a:r>
+              <a:rPr lang="en-GB" sz="1200" dirty="0" err="1">
+                <a:solidFill>
+                  <a:schemeClr val="tx1">
+                    <a:lumMod val="50000"/>
+                    <a:lumOff val="50000"/>
+                  </a:schemeClr>
+                </a:solidFill>
+                <a:latin typeface="Century Gothic" panose="020B0502020202020204" pitchFamily="34" charset="0"/>
+              </a:rPr>
+              <a:t>mes_racines</a:t>
+            </a:r>
+            <a:r>
+              <a:rPr lang="en-GB" sz="1200" dirty="0">
+                <a:solidFill>
+                  <a:srgbClr val="99FF99"/>
+                </a:solidFill>
+                <a:latin typeface="Century Gothic" panose="020B0502020202020204" pitchFamily="34" charset="0"/>
+              </a:rPr>
+              <a:t>()</a:t>
+            </a:r>
+            <a:endParaRPr lang="fr-FR" sz="1200" b="0" dirty="0">
+              <a:solidFill>
+                <a:srgbClr val="99FF99"/>
+              </a:solidFill>
+              <a:effectLst/>
+              <a:latin typeface="Century Gothic" panose="020B0502020202020204" pitchFamily="34" charset="0"/>
+            </a:endParaRPr>
+          </a:p>
+        </p:txBody>
+      </p:sp>
+      <p:sp>
+        <p:nvSpPr>
+          <p:cNvPr id="6" name="TextBox 5">
+            <a:extLst>
+              <a:ext uri="{FF2B5EF4-FFF2-40B4-BE49-F238E27FC236}">
+                <a16:creationId xmlns:a16="http://schemas.microsoft.com/office/drawing/2014/main" id="{4B70A347-3E85-D19C-3F48-BAE36DFCDD81}"/>
+              </a:ext>
+            </a:extLst>
+          </p:cNvPr>
+          <p:cNvSpPr txBox="1">
+            <a:spLocks noGrp="1" noRot="1" noMove="1" noResize="1" noEditPoints="1" noAdjustHandles="1" noChangeArrowheads="1" noChangeShapeType="1"/>
+          </p:cNvSpPr>
+          <p:nvPr/>
+        </p:nvSpPr>
+        <p:spPr>
+          <a:xfrm>
+            <a:off x="102636" y="5383768"/>
+            <a:ext cx="12008497" cy="369332"/>
+          </a:xfrm>
+          <a:prstGeom prst="rect">
+            <a:avLst/>
+          </a:prstGeom>
+          <a:noFill/>
+        </p:spPr>
+        <p:txBody>
+          <a:bodyPr wrap="square" rtlCol="0">
+            <a:spAutoFit/>
+          </a:bodyPr>
+          <a:lstStyle/>
+          <a:p>
+            <a:r>
+              <a:rPr lang="en-GB" dirty="0" err="1">
+                <a:solidFill>
+                  <a:srgbClr val="00B050"/>
+                </a:solidFill>
+              </a:rPr>
+              <a:t>centaurus@localhost</a:t>
+            </a:r>
+            <a:r>
+              <a:rPr lang="en-GB" dirty="0">
+                <a:solidFill>
+                  <a:srgbClr val="00B050"/>
+                </a:solidFill>
+              </a:rPr>
+              <a:t> </a:t>
+            </a:r>
+            <a:r>
+              <a:rPr lang="en-GB" dirty="0">
+                <a:solidFill>
+                  <a:srgbClr val="FFC000"/>
+                </a:solidFill>
+              </a:rPr>
+              <a:t>~/Documents/ </a:t>
+            </a:r>
+            <a:r>
+              <a:rPr lang="en-GB" dirty="0">
+                <a:solidFill>
+                  <a:srgbClr val="0070C0"/>
+                </a:solidFill>
+              </a:rPr>
+              <a:t>(main)</a:t>
+            </a:r>
+            <a:r>
+              <a:rPr lang="en-GB" dirty="0">
+                <a:solidFill>
+                  <a:srgbClr val="89DDFF"/>
+                </a:solidFill>
+              </a:rPr>
+              <a:t>  </a:t>
+            </a:r>
+            <a:r>
+              <a:rPr lang="en-GB" dirty="0">
+                <a:solidFill>
+                  <a:schemeClr val="bg1"/>
+                </a:solidFill>
+              </a:rPr>
+              <a:t>$ </a:t>
+            </a:r>
+            <a:r>
+              <a:rPr lang="en-GB" dirty="0" err="1">
+                <a:solidFill>
+                  <a:schemeClr val="bg1"/>
+                </a:solidFill>
+              </a:rPr>
+              <a:t>py</a:t>
+            </a:r>
+            <a:r>
+              <a:rPr lang="en-GB" dirty="0">
+                <a:solidFill>
+                  <a:schemeClr val="bg1"/>
+                </a:solidFill>
+              </a:rPr>
+              <a:t> mes-racines.py</a:t>
+            </a:r>
+            <a:endParaRPr lang="en-GB" dirty="0">
+              <a:solidFill>
+                <a:schemeClr val="tx1">
+                  <a:lumMod val="50000"/>
+                  <a:lumOff val="50000"/>
+                </a:schemeClr>
+              </a:solidFill>
+              <a:latin typeface="Bahnschrift SemiBold SemiConden" panose="020B0502040204020203" pitchFamily="34" charset="0"/>
+            </a:endParaRPr>
+          </a:p>
+        </p:txBody>
+      </p:sp>
+      <p:sp>
+        <p:nvSpPr>
+          <p:cNvPr id="7" name="TextBox 6">
+            <a:extLst>
+              <a:ext uri="{FF2B5EF4-FFF2-40B4-BE49-F238E27FC236}">
+                <a16:creationId xmlns:a16="http://schemas.microsoft.com/office/drawing/2014/main" id="{9FE964C4-084F-141C-8A1B-1A4D45DE4FC0}"/>
+              </a:ext>
+            </a:extLst>
+          </p:cNvPr>
+          <p:cNvSpPr txBox="1">
+            <a:spLocks noGrp="1" noRot="1" noMove="1" noResize="1" noEditPoints="1" noAdjustHandles="1" noChangeArrowheads="1" noChangeShapeType="1"/>
+          </p:cNvSpPr>
+          <p:nvPr/>
+        </p:nvSpPr>
+        <p:spPr>
+          <a:xfrm>
+            <a:off x="80867" y="5753100"/>
+            <a:ext cx="10584180" cy="369332"/>
+          </a:xfrm>
+          <a:prstGeom prst="rect">
+            <a:avLst/>
+          </a:prstGeom>
+          <a:noFill/>
+        </p:spPr>
+        <p:txBody>
+          <a:bodyPr wrap="square" rtlCol="0">
+            <a:spAutoFit/>
+          </a:bodyPr>
+          <a:lstStyle/>
+          <a:p>
+            <a:r>
+              <a:rPr lang="en-GB" dirty="0">
+                <a:solidFill>
+                  <a:schemeClr val="tx1">
+                    <a:lumMod val="50000"/>
+                    <a:lumOff val="50000"/>
+                  </a:schemeClr>
+                </a:solidFill>
+                <a:latin typeface="Bahnschrift SemiBold Condensed" panose="020B0502040204020203" pitchFamily="34" charset="0"/>
+              </a:rPr>
+              <a:t>Je suis né </a:t>
+            </a:r>
+            <a:r>
+              <a:rPr lang="en-GB" dirty="0" err="1">
+                <a:solidFill>
+                  <a:schemeClr val="tx1">
+                    <a:lumMod val="50000"/>
+                    <a:lumOff val="50000"/>
+                  </a:schemeClr>
+                </a:solidFill>
+                <a:latin typeface="Bahnschrift SemiBold Condensed" panose="020B0502040204020203" pitchFamily="34" charset="0"/>
+              </a:rPr>
+              <a:t>en</a:t>
+            </a:r>
+            <a:r>
+              <a:rPr lang="en-GB" dirty="0">
+                <a:solidFill>
+                  <a:schemeClr val="tx1">
+                    <a:lumMod val="50000"/>
+                    <a:lumOff val="50000"/>
+                  </a:schemeClr>
+                </a:solidFill>
+                <a:latin typeface="Bahnschrift SemiBold Condensed" panose="020B0502040204020203" pitchFamily="34" charset="0"/>
+              </a:rPr>
+              <a:t> Haute-Savoie (74), </a:t>
+            </a:r>
+            <a:r>
+              <a:rPr lang="en-GB" dirty="0" err="1">
+                <a:solidFill>
+                  <a:schemeClr val="tx1">
+                    <a:lumMod val="50000"/>
+                    <a:lumOff val="50000"/>
+                  </a:schemeClr>
+                </a:solidFill>
+                <a:latin typeface="Bahnschrift SemiBold Condensed" panose="020B0502040204020203" pitchFamily="34" charset="0"/>
+              </a:rPr>
+              <a:t>j’ai</a:t>
+            </a:r>
+            <a:r>
+              <a:rPr lang="en-GB" dirty="0">
+                <a:solidFill>
+                  <a:schemeClr val="tx1">
+                    <a:lumMod val="50000"/>
+                    <a:lumOff val="50000"/>
+                  </a:schemeClr>
+                </a:solidFill>
+                <a:latin typeface="Bahnschrift SemiBold Condensed" panose="020B0502040204020203" pitchFamily="34" charset="0"/>
+              </a:rPr>
+              <a:t> </a:t>
+            </a:r>
+            <a:r>
+              <a:rPr lang="en-GB" dirty="0" err="1">
+                <a:solidFill>
+                  <a:schemeClr val="tx1">
+                    <a:lumMod val="50000"/>
+                    <a:lumOff val="50000"/>
+                  </a:schemeClr>
+                </a:solidFill>
+                <a:latin typeface="Bahnschrift SemiBold Condensed" panose="020B0502040204020203" pitchFamily="34" charset="0"/>
+              </a:rPr>
+              <a:t>déménagé</a:t>
+            </a:r>
+            <a:r>
+              <a:rPr lang="en-GB" dirty="0">
+                <a:solidFill>
+                  <a:schemeClr val="tx1">
+                    <a:lumMod val="50000"/>
+                    <a:lumOff val="50000"/>
+                  </a:schemeClr>
+                </a:solidFill>
+                <a:latin typeface="Bahnschrift SemiBold Condensed" panose="020B0502040204020203" pitchFamily="34" charset="0"/>
+              </a:rPr>
+              <a:t> </a:t>
+            </a:r>
+            <a:r>
+              <a:rPr lang="en-GB" dirty="0" err="1">
+                <a:solidFill>
+                  <a:schemeClr val="tx1">
+                    <a:lumMod val="50000"/>
+                    <a:lumOff val="50000"/>
+                  </a:schemeClr>
+                </a:solidFill>
+                <a:latin typeface="Bahnschrift SemiBold Condensed" panose="020B0502040204020203" pitchFamily="34" charset="0"/>
+              </a:rPr>
+              <a:t>plusieurs</a:t>
+            </a:r>
+            <a:r>
+              <a:rPr lang="en-GB" dirty="0">
+                <a:solidFill>
+                  <a:schemeClr val="tx1">
+                    <a:lumMod val="50000"/>
+                    <a:lumOff val="50000"/>
+                  </a:schemeClr>
+                </a:solidFill>
+                <a:latin typeface="Bahnschrift SemiBold Condensed" panose="020B0502040204020203" pitchFamily="34" charset="0"/>
+              </a:rPr>
+              <a:t> </a:t>
+            </a:r>
+            <a:r>
+              <a:rPr lang="en-GB" dirty="0" err="1">
+                <a:solidFill>
+                  <a:schemeClr val="tx1">
+                    <a:lumMod val="50000"/>
+                    <a:lumOff val="50000"/>
+                  </a:schemeClr>
+                </a:solidFill>
+                <a:latin typeface="Bahnschrift SemiBold Condensed" panose="020B0502040204020203" pitchFamily="34" charset="0"/>
+              </a:rPr>
+              <a:t>fois</a:t>
+            </a:r>
+            <a:r>
+              <a:rPr lang="en-GB" dirty="0">
+                <a:solidFill>
+                  <a:schemeClr val="tx1">
+                    <a:lumMod val="50000"/>
+                    <a:lumOff val="50000"/>
+                  </a:schemeClr>
+                </a:solidFill>
+                <a:latin typeface="Bahnschrift SemiBold Condensed" panose="020B0502040204020203" pitchFamily="34" charset="0"/>
+              </a:rPr>
+              <a:t> dans ma vie </a:t>
+            </a:r>
+            <a:r>
+              <a:rPr lang="en-GB" dirty="0" err="1">
+                <a:solidFill>
+                  <a:schemeClr val="tx1">
+                    <a:lumMod val="50000"/>
+                    <a:lumOff val="50000"/>
+                  </a:schemeClr>
+                </a:solidFill>
+                <a:latin typeface="Bahnschrift SemiBold Condensed" panose="020B0502040204020203" pitchFamily="34" charset="0"/>
+              </a:rPr>
+              <a:t>avant</a:t>
+            </a:r>
+            <a:r>
+              <a:rPr lang="en-GB" dirty="0">
+                <a:solidFill>
+                  <a:schemeClr val="tx1">
+                    <a:lumMod val="50000"/>
+                    <a:lumOff val="50000"/>
+                  </a:schemeClr>
+                </a:solidFill>
+                <a:latin typeface="Bahnschrift SemiBold Condensed" panose="020B0502040204020203" pitchFamily="34" charset="0"/>
+              </a:rPr>
+              <a:t> </a:t>
+            </a:r>
+            <a:r>
+              <a:rPr lang="en-GB" dirty="0" err="1">
+                <a:solidFill>
+                  <a:schemeClr val="tx1">
+                    <a:lumMod val="50000"/>
+                    <a:lumOff val="50000"/>
+                  </a:schemeClr>
+                </a:solidFill>
+                <a:latin typeface="Bahnschrift SemiBold Condensed" panose="020B0502040204020203" pitchFamily="34" charset="0"/>
+              </a:rPr>
+              <a:t>d’arriver</a:t>
+            </a:r>
+            <a:r>
+              <a:rPr lang="en-GB" dirty="0">
+                <a:solidFill>
+                  <a:schemeClr val="tx1">
+                    <a:lumMod val="50000"/>
+                    <a:lumOff val="50000"/>
+                  </a:schemeClr>
+                </a:solidFill>
+                <a:latin typeface="Bahnschrift SemiBold Condensed" panose="020B0502040204020203" pitchFamily="34" charset="0"/>
+              </a:rPr>
+              <a:t> dans le coin de Béziers.</a:t>
+            </a:r>
+            <a:endParaRPr lang="en-GB" dirty="0">
+              <a:latin typeface="Bahnschrift SemiBold Condensed" panose="020B0502040204020203" pitchFamily="34" charset="0"/>
+            </a:endParaRPr>
+          </a:p>
+        </p:txBody>
+      </p:sp>
+    </p:spTree>
+    <p:extLst>
+      <p:ext uri="{BB962C8B-B14F-4D97-AF65-F5344CB8AC3E}">
+        <p14:creationId xmlns:p14="http://schemas.microsoft.com/office/powerpoint/2010/main" val="2083072785"/>
+      </p:ext>
+    </p:extLst>
+  </p:cSld>
+  <p:clrMapOvr>
+    <a:masterClrMapping/>
+  </p:clrMapOvr>
+  <mc:AlternateContent xmlns:mc="http://schemas.openxmlformats.org/markup-compatibility/2006" xmlns:p14="http://schemas.microsoft.com/office/powerpoint/2010/main">
+    <mc:Choice Requires="p14">
+      <p:transition p14:dur="10"/>
+    </mc:Choice>
+    <mc:Fallback xmlns="">
+      <p:transition/>
+    </mc:Fallback>
+  </mc:AlternateContent>
+  <p:timing>
+    <p:tnLst>
+      <p:par>
+        <p:cTn id="1" dur="indefinite" restart="never" nodeType="tmRoot">
+          <p:childTnLst>
+            <p:seq concurrent="1" nextAc="seek">
+              <p:cTn id="2" dur="indefinite" nodeType="mainSeq">
+                <p:childTnLst>
+                  <p:par>
+                    <p:cTn id="3" fill="hold">
+                      <p:stCondLst>
+                        <p:cond delay="indefinite"/>
+                        <p:cond evt="onBegin" delay="0">
+                          <p:tn val="2"/>
+                        </p:cond>
+                      </p:stCondLst>
+                      <p:childTnLst>
+                        <p:par>
+                          <p:cTn id="4" fill="hold">
+                            <p:stCondLst>
+                              <p:cond delay="0"/>
+                            </p:stCondLst>
+                            <p:childTnLst>
+                              <p:par>
+                                <p:cTn id="5" presetID="38" presetClass="entr" presetSubtype="0" accel="50000" fill="hold" nodeType="withEffect">
+                                  <p:stCondLst>
+                                    <p:cond delay="0"/>
+                                  </p:stCondLst>
+                                  <p:iterate type="lt">
+                                    <p:tmPct val="10000"/>
+                                  </p:iterate>
+                                  <p:childTnLst>
+                                    <p:set>
+                                      <p:cBhvr>
+                                        <p:cTn id="6" dur="1" fill="hold">
+                                          <p:stCondLst>
+                                            <p:cond delay="0"/>
+                                          </p:stCondLst>
+                                        </p:cTn>
+                                        <p:tgtEl>
+                                          <p:spTgt spid="5">
+                                            <p:txEl>
+                                              <p:pRg st="0" end="0"/>
+                                            </p:txEl>
+                                          </p:spTgt>
+                                        </p:tgtEl>
+                                        <p:attrNameLst>
+                                          <p:attrName>style.visibility</p:attrName>
+                                        </p:attrNameLst>
+                                      </p:cBhvr>
+                                      <p:to>
+                                        <p:strVal val="visible"/>
+                                      </p:to>
+                                    </p:set>
+                                    <p:set>
+                                      <p:cBhvr>
+                                        <p:cTn id="7" dur="455" fill="hold">
+                                          <p:stCondLst>
+                                            <p:cond delay="0"/>
+                                          </p:stCondLst>
+                                        </p:cTn>
+                                        <p:tgtEl>
+                                          <p:spTgt spid="5">
+                                            <p:txEl>
+                                              <p:pRg st="0" end="0"/>
+                                            </p:txEl>
+                                          </p:spTgt>
+                                        </p:tgtEl>
+                                        <p:attrNameLst>
+                                          <p:attrName>style.rotation</p:attrName>
+                                        </p:attrNameLst>
+                                      </p:cBhvr>
+                                      <p:to>
+                                        <p:strVal val="-45.0"/>
+                                      </p:to>
+                                    </p:set>
+                                    <p:anim calcmode="lin" valueType="num">
+                                      <p:cBhvr>
+                                        <p:cTn id="8" dur="455" fill="hold">
+                                          <p:stCondLst>
+                                            <p:cond delay="455"/>
+                                          </p:stCondLst>
+                                        </p:cTn>
+                                        <p:tgtEl>
+                                          <p:spTgt spid="5">
+                                            <p:txEl>
+                                              <p:pRg st="0" end="0"/>
+                                            </p:txEl>
+                                          </p:spTgt>
+                                        </p:tgtEl>
+                                        <p:attrNameLst>
+                                          <p:attrName>style.rotation</p:attrName>
+                                        </p:attrNameLst>
+                                      </p:cBhvr>
+                                      <p:tavLst>
+                                        <p:tav tm="0">
+                                          <p:val>
+                                            <p:fltVal val="-45"/>
+                                          </p:val>
+                                        </p:tav>
+                                        <p:tav tm="69900">
+                                          <p:val>
+                                            <p:fltVal val="45"/>
+                                          </p:val>
+                                        </p:tav>
+                                        <p:tav tm="100000">
+                                          <p:val>
+                                            <p:fltVal val="0"/>
+                                          </p:val>
+                                        </p:tav>
+                                      </p:tavLst>
+                                    </p:anim>
+                                    <p:anim calcmode="lin" valueType="num">
+                                      <p:cBhvr>
+                                        <p:cTn id="9" dur="455" fill="hold">
+                                          <p:stCondLst>
+                                            <p:cond delay="0"/>
+                                          </p:stCondLst>
+                                        </p:cTn>
+                                        <p:tgtEl>
+                                          <p:spTgt spid="5">
+                                            <p:txEl>
+                                              <p:pRg st="0" end="0"/>
+                                            </p:txEl>
+                                          </p:spTgt>
+                                        </p:tgtEl>
+                                        <p:attrNameLst>
+                                          <p:attrName>ppt_y</p:attrName>
+                                        </p:attrNameLst>
+                                      </p:cBhvr>
+                                      <p:tavLst>
+                                        <p:tav tm="0">
+                                          <p:val>
+                                            <p:strVal val="#ppt_y-1"/>
+                                          </p:val>
+                                        </p:tav>
+                                        <p:tav tm="100000">
+                                          <p:val>
+                                            <p:strVal val="#ppt_y-(0.354*#ppt_w-0.172*#ppt_h)"/>
+                                          </p:val>
+                                        </p:tav>
+                                      </p:tavLst>
+                                    </p:anim>
+                                    <p:anim calcmode="lin" valueType="num">
+                                      <p:cBhvr>
+                                        <p:cTn id="10" dur="156" decel="50000" autoRev="1" fill="hold">
+                                          <p:stCondLst>
+                                            <p:cond delay="455"/>
+                                          </p:stCondLst>
+                                        </p:cTn>
+                                        <p:tgtEl>
+                                          <p:spTgt spid="5">
+                                            <p:txEl>
+                                              <p:pRg st="0" end="0"/>
+                                            </p:txEl>
+                                          </p:spTgt>
+                                        </p:tgtEl>
+                                        <p:attrNameLst>
+                                          <p:attrName>ppt_y</p:attrName>
+                                        </p:attrNameLst>
+                                      </p:cBhvr>
+                                      <p:tavLst>
+                                        <p:tav tm="0">
+                                          <p:val>
+                                            <p:strVal val="#ppt_y-(0.354*#ppt_w-0.172*#ppt_h)"/>
+                                          </p:val>
+                                        </p:tav>
+                                        <p:tav tm="100000">
+                                          <p:val>
+                                            <p:strVal val="#ppt_y-(0.354*#ppt_w-0.172*#ppt_h)-#ppt_h/2"/>
+                                          </p:val>
+                                        </p:tav>
+                                      </p:tavLst>
+                                    </p:anim>
+                                    <p:anim calcmode="lin" valueType="num">
+                                      <p:cBhvr>
+                                        <p:cTn id="11" dur="136" fill="hold">
+                                          <p:stCondLst>
+                                            <p:cond delay="864"/>
+                                          </p:stCondLst>
+                                        </p:cTn>
+                                        <p:tgtEl>
+                                          <p:spTgt spid="5">
+                                            <p:txEl>
+                                              <p:pRg st="0" end="0"/>
+                                            </p:txEl>
+                                          </p:spTgt>
+                                        </p:tgtEl>
+                                        <p:attrNameLst>
+                                          <p:attrName>ppt_y</p:attrName>
+                                        </p:attrNameLst>
+                                      </p:cBhvr>
+                                      <p:tavLst>
+                                        <p:tav tm="0">
+                                          <p:val>
+                                            <p:strVal val="#ppt_y-(0.354*#ppt_w-0.172*#ppt_h)"/>
+                                          </p:val>
+                                        </p:tav>
+                                        <p:tav tm="100000">
+                                          <p:val>
+                                            <p:strVal val="#ppt_y"/>
+                                          </p:val>
+                                        </p:tav>
+                                      </p:tavLst>
+                                    </p:anim>
+                                  </p:childTnLst>
+                                </p:cTn>
+                              </p:par>
+                            </p:childTnLst>
+                          </p:cTn>
+                        </p:par>
+                        <p:par>
+                          <p:cTn id="12" fill="hold">
+                            <p:stCondLst>
+                              <p:cond delay="2600"/>
+                            </p:stCondLst>
+                            <p:childTnLst>
+                              <p:par>
+                                <p:cTn id="13" presetID="38" presetClass="entr" presetSubtype="0" accel="50000" fill="hold" nodeType="afterEffect">
+                                  <p:stCondLst>
+                                    <p:cond delay="0"/>
+                                  </p:stCondLst>
+                                  <p:iterate type="lt">
+                                    <p:tmPct val="10000"/>
+                                  </p:iterate>
+                                  <p:childTnLst>
+                                    <p:set>
+                                      <p:cBhvr>
+                                        <p:cTn id="14" dur="1" fill="hold">
+                                          <p:stCondLst>
+                                            <p:cond delay="0"/>
+                                          </p:stCondLst>
+                                        </p:cTn>
+                                        <p:tgtEl>
+                                          <p:spTgt spid="5">
+                                            <p:txEl>
+                                              <p:pRg st="1" end="1"/>
+                                            </p:txEl>
+                                          </p:spTgt>
+                                        </p:tgtEl>
+                                        <p:attrNameLst>
+                                          <p:attrName>style.visibility</p:attrName>
+                                        </p:attrNameLst>
+                                      </p:cBhvr>
+                                      <p:to>
+                                        <p:strVal val="visible"/>
+                                      </p:to>
+                                    </p:set>
+                                    <p:set>
+                                      <p:cBhvr>
+                                        <p:cTn id="15" dur="455" fill="hold">
+                                          <p:stCondLst>
+                                            <p:cond delay="0"/>
+                                          </p:stCondLst>
+                                        </p:cTn>
+                                        <p:tgtEl>
+                                          <p:spTgt spid="5">
+                                            <p:txEl>
+                                              <p:pRg st="1" end="1"/>
+                                            </p:txEl>
+                                          </p:spTgt>
+                                        </p:tgtEl>
+                                        <p:attrNameLst>
+                                          <p:attrName>style.rotation</p:attrName>
+                                        </p:attrNameLst>
+                                      </p:cBhvr>
+                                      <p:to>
+                                        <p:strVal val="-45.0"/>
+                                      </p:to>
+                                    </p:set>
+                                    <p:anim calcmode="lin" valueType="num">
+                                      <p:cBhvr>
+                                        <p:cTn id="16" dur="455" fill="hold">
+                                          <p:stCondLst>
+                                            <p:cond delay="455"/>
+                                          </p:stCondLst>
+                                        </p:cTn>
+                                        <p:tgtEl>
+                                          <p:spTgt spid="5">
+                                            <p:txEl>
+                                              <p:pRg st="1" end="1"/>
+                                            </p:txEl>
+                                          </p:spTgt>
+                                        </p:tgtEl>
+                                        <p:attrNameLst>
+                                          <p:attrName>style.rotation</p:attrName>
+                                        </p:attrNameLst>
+                                      </p:cBhvr>
+                                      <p:tavLst>
+                                        <p:tav tm="0">
+                                          <p:val>
+                                            <p:fltVal val="-45"/>
+                                          </p:val>
+                                        </p:tav>
+                                        <p:tav tm="69900">
+                                          <p:val>
+                                            <p:fltVal val="45"/>
+                                          </p:val>
+                                        </p:tav>
+                                        <p:tav tm="100000">
+                                          <p:val>
+                                            <p:fltVal val="0"/>
+                                          </p:val>
+                                        </p:tav>
+                                      </p:tavLst>
+                                    </p:anim>
+                                    <p:anim calcmode="lin" valueType="num">
+                                      <p:cBhvr>
+                                        <p:cTn id="17" dur="455" fill="hold">
+                                          <p:stCondLst>
+                                            <p:cond delay="0"/>
+                                          </p:stCondLst>
+                                        </p:cTn>
+                                        <p:tgtEl>
+                                          <p:spTgt spid="5">
+                                            <p:txEl>
+                                              <p:pRg st="1" end="1"/>
+                                            </p:txEl>
+                                          </p:spTgt>
+                                        </p:tgtEl>
+                                        <p:attrNameLst>
+                                          <p:attrName>ppt_y</p:attrName>
+                                        </p:attrNameLst>
+                                      </p:cBhvr>
+                                      <p:tavLst>
+                                        <p:tav tm="0">
+                                          <p:val>
+                                            <p:strVal val="#ppt_y-1"/>
+                                          </p:val>
+                                        </p:tav>
+                                        <p:tav tm="100000">
+                                          <p:val>
+                                            <p:strVal val="#ppt_y-(0.354*#ppt_w-0.172*#ppt_h)"/>
+                                          </p:val>
+                                        </p:tav>
+                                      </p:tavLst>
+                                    </p:anim>
+                                    <p:anim calcmode="lin" valueType="num">
+                                      <p:cBhvr>
+                                        <p:cTn id="18" dur="156" decel="50000" autoRev="1" fill="hold">
+                                          <p:stCondLst>
+                                            <p:cond delay="455"/>
+                                          </p:stCondLst>
+                                        </p:cTn>
+                                        <p:tgtEl>
+                                          <p:spTgt spid="5">
+                                            <p:txEl>
+                                              <p:pRg st="1" end="1"/>
+                                            </p:txEl>
+                                          </p:spTgt>
+                                        </p:tgtEl>
+                                        <p:attrNameLst>
+                                          <p:attrName>ppt_y</p:attrName>
+                                        </p:attrNameLst>
+                                      </p:cBhvr>
+                                      <p:tavLst>
+                                        <p:tav tm="0">
+                                          <p:val>
+                                            <p:strVal val="#ppt_y-(0.354*#ppt_w-0.172*#ppt_h)"/>
+                                          </p:val>
+                                        </p:tav>
+                                        <p:tav tm="100000">
+                                          <p:val>
+                                            <p:strVal val="#ppt_y-(0.354*#ppt_w-0.172*#ppt_h)-#ppt_h/2"/>
+                                          </p:val>
+                                        </p:tav>
+                                      </p:tavLst>
+                                    </p:anim>
+                                    <p:anim calcmode="lin" valueType="num">
+                                      <p:cBhvr>
+                                        <p:cTn id="19" dur="136" fill="hold">
+                                          <p:stCondLst>
+                                            <p:cond delay="864"/>
+                                          </p:stCondLst>
+                                        </p:cTn>
+                                        <p:tgtEl>
+                                          <p:spTgt spid="5">
+                                            <p:txEl>
+                                              <p:pRg st="1" end="1"/>
+                                            </p:txEl>
+                                          </p:spTgt>
+                                        </p:tgtEl>
+                                        <p:attrNameLst>
+                                          <p:attrName>ppt_y</p:attrName>
+                                        </p:attrNameLst>
+                                      </p:cBhvr>
+                                      <p:tavLst>
+                                        <p:tav tm="0">
+                                          <p:val>
+                                            <p:strVal val="#ppt_y-(0.354*#ppt_w-0.172*#ppt_h)"/>
+                                          </p:val>
+                                        </p:tav>
+                                        <p:tav tm="100000">
+                                          <p:val>
+                                            <p:strVal val="#ppt_y"/>
+                                          </p:val>
+                                        </p:tav>
+                                      </p:tavLst>
+                                    </p:anim>
+                                  </p:childTnLst>
+                                </p:cTn>
+                              </p:par>
+                            </p:childTnLst>
+                          </p:cTn>
+                        </p:par>
+                        <p:par>
+                          <p:cTn id="20" fill="hold">
+                            <p:stCondLst>
+                              <p:cond delay="11200"/>
+                            </p:stCondLst>
+                            <p:childTnLst>
+                              <p:par>
+                                <p:cTn id="21" presetID="38" presetClass="entr" presetSubtype="0" accel="50000" fill="hold" nodeType="afterEffect">
+                                  <p:stCondLst>
+                                    <p:cond delay="0"/>
+                                  </p:stCondLst>
+                                  <p:iterate type="lt">
+                                    <p:tmPct val="10000"/>
+                                  </p:iterate>
+                                  <p:childTnLst>
+                                    <p:set>
+                                      <p:cBhvr>
+                                        <p:cTn id="22" dur="1" fill="hold">
+                                          <p:stCondLst>
+                                            <p:cond delay="0"/>
+                                          </p:stCondLst>
+                                        </p:cTn>
+                                        <p:tgtEl>
+                                          <p:spTgt spid="5">
+                                            <p:txEl>
+                                              <p:pRg st="2" end="2"/>
+                                            </p:txEl>
+                                          </p:spTgt>
+                                        </p:tgtEl>
+                                        <p:attrNameLst>
+                                          <p:attrName>style.visibility</p:attrName>
+                                        </p:attrNameLst>
+                                      </p:cBhvr>
+                                      <p:to>
+                                        <p:strVal val="visible"/>
+                                      </p:to>
+                                    </p:set>
+                                    <p:set>
+                                      <p:cBhvr>
+                                        <p:cTn id="23" dur="455" fill="hold">
+                                          <p:stCondLst>
+                                            <p:cond delay="0"/>
+                                          </p:stCondLst>
+                                        </p:cTn>
+                                        <p:tgtEl>
+                                          <p:spTgt spid="5">
+                                            <p:txEl>
+                                              <p:pRg st="2" end="2"/>
+                                            </p:txEl>
+                                          </p:spTgt>
+                                        </p:tgtEl>
+                                        <p:attrNameLst>
+                                          <p:attrName>style.rotation</p:attrName>
+                                        </p:attrNameLst>
+                                      </p:cBhvr>
+                                      <p:to>
+                                        <p:strVal val="-45.0"/>
+                                      </p:to>
+                                    </p:set>
+                                    <p:anim calcmode="lin" valueType="num">
+                                      <p:cBhvr>
+                                        <p:cTn id="24" dur="455" fill="hold">
+                                          <p:stCondLst>
+                                            <p:cond delay="455"/>
+                                          </p:stCondLst>
+                                        </p:cTn>
+                                        <p:tgtEl>
+                                          <p:spTgt spid="5">
+                                            <p:txEl>
+                                              <p:pRg st="2" end="2"/>
+                                            </p:txEl>
+                                          </p:spTgt>
+                                        </p:tgtEl>
+                                        <p:attrNameLst>
+                                          <p:attrName>style.rotation</p:attrName>
+                                        </p:attrNameLst>
+                                      </p:cBhvr>
+                                      <p:tavLst>
+                                        <p:tav tm="0">
+                                          <p:val>
+                                            <p:fltVal val="-45"/>
+                                          </p:val>
+                                        </p:tav>
+                                        <p:tav tm="69900">
+                                          <p:val>
+                                            <p:fltVal val="45"/>
+                                          </p:val>
+                                        </p:tav>
+                                        <p:tav tm="100000">
+                                          <p:val>
+                                            <p:fltVal val="0"/>
+                                          </p:val>
+                                        </p:tav>
+                                      </p:tavLst>
+                                    </p:anim>
+                                    <p:anim calcmode="lin" valueType="num">
+                                      <p:cBhvr>
+                                        <p:cTn id="25" dur="455" fill="hold">
+                                          <p:stCondLst>
+                                            <p:cond delay="0"/>
+                                          </p:stCondLst>
+                                        </p:cTn>
+                                        <p:tgtEl>
+                                          <p:spTgt spid="5">
+                                            <p:txEl>
+                                              <p:pRg st="2" end="2"/>
+                                            </p:txEl>
+                                          </p:spTgt>
+                                        </p:tgtEl>
+                                        <p:attrNameLst>
+                                          <p:attrName>ppt_y</p:attrName>
+                                        </p:attrNameLst>
+                                      </p:cBhvr>
+                                      <p:tavLst>
+                                        <p:tav tm="0">
+                                          <p:val>
+                                            <p:strVal val="#ppt_y-1"/>
+                                          </p:val>
+                                        </p:tav>
+                                        <p:tav tm="100000">
+                                          <p:val>
+                                            <p:strVal val="#ppt_y-(0.354*#ppt_w-0.172*#ppt_h)"/>
+                                          </p:val>
+                                        </p:tav>
+                                      </p:tavLst>
+                                    </p:anim>
+                                    <p:anim calcmode="lin" valueType="num">
+                                      <p:cBhvr>
+                                        <p:cTn id="26" dur="156" decel="50000" autoRev="1" fill="hold">
+                                          <p:stCondLst>
+                                            <p:cond delay="455"/>
+                                          </p:stCondLst>
+                                        </p:cTn>
+                                        <p:tgtEl>
+                                          <p:spTgt spid="5">
+                                            <p:txEl>
+                                              <p:pRg st="2" end="2"/>
+                                            </p:txEl>
+                                          </p:spTgt>
+                                        </p:tgtEl>
+                                        <p:attrNameLst>
+                                          <p:attrName>ppt_y</p:attrName>
+                                        </p:attrNameLst>
+                                      </p:cBhvr>
+                                      <p:tavLst>
+                                        <p:tav tm="0">
+                                          <p:val>
+                                            <p:strVal val="#ppt_y-(0.354*#ppt_w-0.172*#ppt_h)"/>
+                                          </p:val>
+                                        </p:tav>
+                                        <p:tav tm="100000">
+                                          <p:val>
+                                            <p:strVal val="#ppt_y-(0.354*#ppt_w-0.172*#ppt_h)-#ppt_h/2"/>
+                                          </p:val>
+                                        </p:tav>
+                                      </p:tavLst>
+                                    </p:anim>
+                                    <p:anim calcmode="lin" valueType="num">
+                                      <p:cBhvr>
+                                        <p:cTn id="27" dur="136" fill="hold">
+                                          <p:stCondLst>
+                                            <p:cond delay="864"/>
+                                          </p:stCondLst>
+                                        </p:cTn>
+                                        <p:tgtEl>
+                                          <p:spTgt spid="5">
+                                            <p:txEl>
+                                              <p:pRg st="2" end="2"/>
+                                            </p:txEl>
+                                          </p:spTgt>
+                                        </p:tgtEl>
+                                        <p:attrNameLst>
+                                          <p:attrName>ppt_y</p:attrName>
+                                        </p:attrNameLst>
+                                      </p:cBhvr>
+                                      <p:tavLst>
+                                        <p:tav tm="0">
+                                          <p:val>
+                                            <p:strVal val="#ppt_y-(0.354*#ppt_w-0.172*#ppt_h)"/>
+                                          </p:val>
+                                        </p:tav>
+                                        <p:tav tm="100000">
+                                          <p:val>
+                                            <p:strVal val="#ppt_y"/>
+                                          </p:val>
+                                        </p:tav>
+                                      </p:tavLst>
+                                    </p:anim>
+                                  </p:childTnLst>
+                                </p:cTn>
+                              </p:par>
+                            </p:childTnLst>
+                          </p:cTn>
+                        </p:par>
+                        <p:par>
+                          <p:cTn id="28" fill="hold">
+                            <p:stCondLst>
+                              <p:cond delay="13900"/>
+                            </p:stCondLst>
+                            <p:childTnLst>
+                              <p:par>
+                                <p:cTn id="29" presetID="38" presetClass="entr" presetSubtype="0" accel="50000" fill="hold" nodeType="afterEffect">
+                                  <p:stCondLst>
+                                    <p:cond delay="0"/>
+                                  </p:stCondLst>
+                                  <p:iterate type="lt">
+                                    <p:tmPct val="10000"/>
+                                  </p:iterate>
+                                  <p:childTnLst>
+                                    <p:set>
+                                      <p:cBhvr>
+                                        <p:cTn id="30" dur="1" fill="hold">
+                                          <p:stCondLst>
+                                            <p:cond delay="0"/>
+                                          </p:stCondLst>
+                                        </p:cTn>
+                                        <p:tgtEl>
+                                          <p:spTgt spid="5">
+                                            <p:txEl>
+                                              <p:pRg st="3" end="3"/>
+                                            </p:txEl>
+                                          </p:spTgt>
+                                        </p:tgtEl>
+                                        <p:attrNameLst>
+                                          <p:attrName>style.visibility</p:attrName>
+                                        </p:attrNameLst>
+                                      </p:cBhvr>
+                                      <p:to>
+                                        <p:strVal val="visible"/>
+                                      </p:to>
+                                    </p:set>
+                                    <p:set>
+                                      <p:cBhvr>
+                                        <p:cTn id="31" dur="455" fill="hold">
+                                          <p:stCondLst>
+                                            <p:cond delay="0"/>
+                                          </p:stCondLst>
+                                        </p:cTn>
+                                        <p:tgtEl>
+                                          <p:spTgt spid="5">
+                                            <p:txEl>
+                                              <p:pRg st="3" end="3"/>
+                                            </p:txEl>
+                                          </p:spTgt>
+                                        </p:tgtEl>
+                                        <p:attrNameLst>
+                                          <p:attrName>style.rotation</p:attrName>
+                                        </p:attrNameLst>
+                                      </p:cBhvr>
+                                      <p:to>
+                                        <p:strVal val="-45.0"/>
+                                      </p:to>
+                                    </p:set>
+                                    <p:anim calcmode="lin" valueType="num">
+                                      <p:cBhvr>
+                                        <p:cTn id="32" dur="455" fill="hold">
+                                          <p:stCondLst>
+                                            <p:cond delay="455"/>
+                                          </p:stCondLst>
+                                        </p:cTn>
+                                        <p:tgtEl>
+                                          <p:spTgt spid="5">
+                                            <p:txEl>
+                                              <p:pRg st="3" end="3"/>
+                                            </p:txEl>
+                                          </p:spTgt>
+                                        </p:tgtEl>
+                                        <p:attrNameLst>
+                                          <p:attrName>style.rotation</p:attrName>
+                                        </p:attrNameLst>
+                                      </p:cBhvr>
+                                      <p:tavLst>
+                                        <p:tav tm="0">
+                                          <p:val>
+                                            <p:fltVal val="-45"/>
+                                          </p:val>
+                                        </p:tav>
+                                        <p:tav tm="69900">
+                                          <p:val>
+                                            <p:fltVal val="45"/>
+                                          </p:val>
+                                        </p:tav>
+                                        <p:tav tm="100000">
+                                          <p:val>
+                                            <p:fltVal val="0"/>
+                                          </p:val>
+                                        </p:tav>
+                                      </p:tavLst>
+                                    </p:anim>
+                                    <p:anim calcmode="lin" valueType="num">
+                                      <p:cBhvr>
+                                        <p:cTn id="33" dur="455" fill="hold">
+                                          <p:stCondLst>
+                                            <p:cond delay="0"/>
+                                          </p:stCondLst>
+                                        </p:cTn>
+                                        <p:tgtEl>
+                                          <p:spTgt spid="5">
+                                            <p:txEl>
+                                              <p:pRg st="3" end="3"/>
+                                            </p:txEl>
+                                          </p:spTgt>
+                                        </p:tgtEl>
+                                        <p:attrNameLst>
+                                          <p:attrName>ppt_y</p:attrName>
+                                        </p:attrNameLst>
+                                      </p:cBhvr>
+                                      <p:tavLst>
+                                        <p:tav tm="0">
+                                          <p:val>
+                                            <p:strVal val="#ppt_y-1"/>
+                                          </p:val>
+                                        </p:tav>
+                                        <p:tav tm="100000">
+                                          <p:val>
+                                            <p:strVal val="#ppt_y-(0.354*#ppt_w-0.172*#ppt_h)"/>
+                                          </p:val>
+                                        </p:tav>
+                                      </p:tavLst>
+                                    </p:anim>
+                                    <p:anim calcmode="lin" valueType="num">
+                                      <p:cBhvr>
+                                        <p:cTn id="34" dur="156" decel="50000" autoRev="1" fill="hold">
+                                          <p:stCondLst>
+                                            <p:cond delay="455"/>
+                                          </p:stCondLst>
+                                        </p:cTn>
+                                        <p:tgtEl>
+                                          <p:spTgt spid="5">
+                                            <p:txEl>
+                                              <p:pRg st="3" end="3"/>
+                                            </p:txEl>
+                                          </p:spTgt>
+                                        </p:tgtEl>
+                                        <p:attrNameLst>
+                                          <p:attrName>ppt_y</p:attrName>
+                                        </p:attrNameLst>
+                                      </p:cBhvr>
+                                      <p:tavLst>
+                                        <p:tav tm="0">
+                                          <p:val>
+                                            <p:strVal val="#ppt_y-(0.354*#ppt_w-0.172*#ppt_h)"/>
+                                          </p:val>
+                                        </p:tav>
+                                        <p:tav tm="100000">
+                                          <p:val>
+                                            <p:strVal val="#ppt_y-(0.354*#ppt_w-0.172*#ppt_h)-#ppt_h/2"/>
+                                          </p:val>
+                                        </p:tav>
+                                      </p:tavLst>
+                                    </p:anim>
+                                    <p:anim calcmode="lin" valueType="num">
+                                      <p:cBhvr>
+                                        <p:cTn id="35" dur="136" fill="hold">
+                                          <p:stCondLst>
+                                            <p:cond delay="864"/>
+                                          </p:stCondLst>
+                                        </p:cTn>
+                                        <p:tgtEl>
+                                          <p:spTgt spid="5">
+                                            <p:txEl>
+                                              <p:pRg st="3" end="3"/>
+                                            </p:txEl>
+                                          </p:spTgt>
+                                        </p:tgtEl>
+                                        <p:attrNameLst>
+                                          <p:attrName>ppt_y</p:attrName>
+                                        </p:attrNameLst>
+                                      </p:cBhvr>
+                                      <p:tavLst>
+                                        <p:tav tm="0">
+                                          <p:val>
+                                            <p:strVal val="#ppt_y-(0.354*#ppt_w-0.172*#ppt_h)"/>
+                                          </p:val>
+                                        </p:tav>
+                                        <p:tav tm="100000">
+                                          <p:val>
+                                            <p:strVal val="#ppt_y"/>
+                                          </p:val>
+                                        </p:tav>
+                                      </p:tavLst>
+                                    </p:anim>
+                                  </p:childTnLst>
+                                </p:cTn>
+                              </p:par>
+                            </p:childTnLst>
+                          </p:cTn>
+                        </p:par>
+                        <p:par>
+                          <p:cTn id="36" fill="hold">
+                            <p:stCondLst>
+                              <p:cond delay="28400"/>
+                            </p:stCondLst>
+                            <p:childTnLst>
+                              <p:par>
+                                <p:cTn id="37" presetID="38" presetClass="entr" presetSubtype="0" accel="50000" fill="hold" nodeType="afterEffect">
+                                  <p:stCondLst>
+                                    <p:cond delay="0"/>
+                                  </p:stCondLst>
+                                  <p:iterate type="lt">
+                                    <p:tmPct val="10000"/>
+                                  </p:iterate>
+                                  <p:childTnLst>
+                                    <p:set>
+                                      <p:cBhvr>
+                                        <p:cTn id="38" dur="1" fill="hold">
+                                          <p:stCondLst>
+                                            <p:cond delay="0"/>
+                                          </p:stCondLst>
+                                        </p:cTn>
+                                        <p:tgtEl>
+                                          <p:spTgt spid="5">
+                                            <p:txEl>
+                                              <p:pRg st="5" end="5"/>
+                                            </p:txEl>
+                                          </p:spTgt>
+                                        </p:tgtEl>
+                                        <p:attrNameLst>
+                                          <p:attrName>style.visibility</p:attrName>
+                                        </p:attrNameLst>
+                                      </p:cBhvr>
+                                      <p:to>
+                                        <p:strVal val="visible"/>
+                                      </p:to>
+                                    </p:set>
+                                    <p:set>
+                                      <p:cBhvr>
+                                        <p:cTn id="39" dur="455" fill="hold">
+                                          <p:stCondLst>
+                                            <p:cond delay="0"/>
+                                          </p:stCondLst>
+                                        </p:cTn>
+                                        <p:tgtEl>
+                                          <p:spTgt spid="5">
+                                            <p:txEl>
+                                              <p:pRg st="5" end="5"/>
+                                            </p:txEl>
+                                          </p:spTgt>
+                                        </p:tgtEl>
+                                        <p:attrNameLst>
+                                          <p:attrName>style.rotation</p:attrName>
+                                        </p:attrNameLst>
+                                      </p:cBhvr>
+                                      <p:to>
+                                        <p:strVal val="-45.0"/>
+                                      </p:to>
+                                    </p:set>
+                                    <p:anim calcmode="lin" valueType="num">
+                                      <p:cBhvr>
+                                        <p:cTn id="40" dur="455" fill="hold">
+                                          <p:stCondLst>
+                                            <p:cond delay="455"/>
+                                          </p:stCondLst>
+                                        </p:cTn>
+                                        <p:tgtEl>
+                                          <p:spTgt spid="5">
+                                            <p:txEl>
+                                              <p:pRg st="5" end="5"/>
+                                            </p:txEl>
+                                          </p:spTgt>
+                                        </p:tgtEl>
+                                        <p:attrNameLst>
+                                          <p:attrName>style.rotation</p:attrName>
+                                        </p:attrNameLst>
+                                      </p:cBhvr>
+                                      <p:tavLst>
+                                        <p:tav tm="0">
+                                          <p:val>
+                                            <p:fltVal val="-45"/>
+                                          </p:val>
+                                        </p:tav>
+                                        <p:tav tm="69900">
+                                          <p:val>
+                                            <p:fltVal val="45"/>
+                                          </p:val>
+                                        </p:tav>
+                                        <p:tav tm="100000">
+                                          <p:val>
+                                            <p:fltVal val="0"/>
+                                          </p:val>
+                                        </p:tav>
+                                      </p:tavLst>
+                                    </p:anim>
+                                    <p:anim calcmode="lin" valueType="num">
+                                      <p:cBhvr>
+                                        <p:cTn id="41" dur="455" fill="hold">
+                                          <p:stCondLst>
+                                            <p:cond delay="0"/>
+                                          </p:stCondLst>
+                                        </p:cTn>
+                                        <p:tgtEl>
+                                          <p:spTgt spid="5">
+                                            <p:txEl>
+                                              <p:pRg st="5" end="5"/>
+                                            </p:txEl>
+                                          </p:spTgt>
+                                        </p:tgtEl>
+                                        <p:attrNameLst>
+                                          <p:attrName>ppt_y</p:attrName>
+                                        </p:attrNameLst>
+                                      </p:cBhvr>
+                                      <p:tavLst>
+                                        <p:tav tm="0">
+                                          <p:val>
+                                            <p:strVal val="#ppt_y-1"/>
+                                          </p:val>
+                                        </p:tav>
+                                        <p:tav tm="100000">
+                                          <p:val>
+                                            <p:strVal val="#ppt_y-(0.354*#ppt_w-0.172*#ppt_h)"/>
+                                          </p:val>
+                                        </p:tav>
+                                      </p:tavLst>
+                                    </p:anim>
+                                    <p:anim calcmode="lin" valueType="num">
+                                      <p:cBhvr>
+                                        <p:cTn id="42" dur="156" decel="50000" autoRev="1" fill="hold">
+                                          <p:stCondLst>
+                                            <p:cond delay="455"/>
+                                          </p:stCondLst>
+                                        </p:cTn>
+                                        <p:tgtEl>
+                                          <p:spTgt spid="5">
+                                            <p:txEl>
+                                              <p:pRg st="5" end="5"/>
+                                            </p:txEl>
+                                          </p:spTgt>
+                                        </p:tgtEl>
+                                        <p:attrNameLst>
+                                          <p:attrName>ppt_y</p:attrName>
+                                        </p:attrNameLst>
+                                      </p:cBhvr>
+                                      <p:tavLst>
+                                        <p:tav tm="0">
+                                          <p:val>
+                                            <p:strVal val="#ppt_y-(0.354*#ppt_w-0.172*#ppt_h)"/>
+                                          </p:val>
+                                        </p:tav>
+                                        <p:tav tm="100000">
+                                          <p:val>
+                                            <p:strVal val="#ppt_y-(0.354*#ppt_w-0.172*#ppt_h)-#ppt_h/2"/>
+                                          </p:val>
+                                        </p:tav>
+                                      </p:tavLst>
+                                    </p:anim>
+                                    <p:anim calcmode="lin" valueType="num">
+                                      <p:cBhvr>
+                                        <p:cTn id="43" dur="136" fill="hold">
+                                          <p:stCondLst>
+                                            <p:cond delay="864"/>
+                                          </p:stCondLst>
+                                        </p:cTn>
+                                        <p:tgtEl>
+                                          <p:spTgt spid="5">
+                                            <p:txEl>
+                                              <p:pRg st="5" end="5"/>
+                                            </p:txEl>
+                                          </p:spTgt>
+                                        </p:tgtEl>
+                                        <p:attrNameLst>
+                                          <p:attrName>ppt_y</p:attrName>
+                                        </p:attrNameLst>
+                                      </p:cBhvr>
+                                      <p:tavLst>
+                                        <p:tav tm="0">
+                                          <p:val>
+                                            <p:strVal val="#ppt_y-(0.354*#ppt_w-0.172*#ppt_h)"/>
+                                          </p:val>
+                                        </p:tav>
+                                        <p:tav tm="100000">
+                                          <p:val>
+                                            <p:strVal val="#ppt_y"/>
+                                          </p:val>
+                                        </p:tav>
+                                      </p:tavLst>
+                                    </p:anim>
+                                  </p:childTnLst>
+                                </p:cTn>
+                              </p:par>
+                            </p:childTnLst>
+                          </p:cTn>
+                        </p:par>
+                        <p:par>
+                          <p:cTn id="44" fill="hold">
+                            <p:stCondLst>
+                              <p:cond delay="31600"/>
+                            </p:stCondLst>
+                            <p:childTnLst>
+                              <p:par>
+                                <p:cTn id="45" presetID="38" presetClass="entr" presetSubtype="0" accel="50000" fill="hold" nodeType="afterEffect">
+                                  <p:stCondLst>
+                                    <p:cond delay="0"/>
+                                  </p:stCondLst>
+                                  <p:iterate type="lt">
+                                    <p:tmPct val="10000"/>
+                                  </p:iterate>
+                                  <p:childTnLst>
+                                    <p:set>
+                                      <p:cBhvr>
+                                        <p:cTn id="46" dur="1" fill="hold">
+                                          <p:stCondLst>
+                                            <p:cond delay="0"/>
+                                          </p:stCondLst>
+                                        </p:cTn>
+                                        <p:tgtEl>
+                                          <p:spTgt spid="5">
+                                            <p:txEl>
+                                              <p:pRg st="6" end="6"/>
+                                            </p:txEl>
+                                          </p:spTgt>
+                                        </p:tgtEl>
+                                        <p:attrNameLst>
+                                          <p:attrName>style.visibility</p:attrName>
+                                        </p:attrNameLst>
+                                      </p:cBhvr>
+                                      <p:to>
+                                        <p:strVal val="visible"/>
+                                      </p:to>
+                                    </p:set>
+                                    <p:set>
+                                      <p:cBhvr>
+                                        <p:cTn id="47" dur="455" fill="hold">
+                                          <p:stCondLst>
+                                            <p:cond delay="0"/>
+                                          </p:stCondLst>
+                                        </p:cTn>
+                                        <p:tgtEl>
+                                          <p:spTgt spid="5">
+                                            <p:txEl>
+                                              <p:pRg st="6" end="6"/>
+                                            </p:txEl>
+                                          </p:spTgt>
+                                        </p:tgtEl>
+                                        <p:attrNameLst>
+                                          <p:attrName>style.rotation</p:attrName>
+                                        </p:attrNameLst>
+                                      </p:cBhvr>
+                                      <p:to>
+                                        <p:strVal val="-45.0"/>
+                                      </p:to>
+                                    </p:set>
+                                    <p:anim calcmode="lin" valueType="num">
+                                      <p:cBhvr>
+                                        <p:cTn id="48" dur="455" fill="hold">
+                                          <p:stCondLst>
+                                            <p:cond delay="455"/>
+                                          </p:stCondLst>
+                                        </p:cTn>
+                                        <p:tgtEl>
+                                          <p:spTgt spid="5">
+                                            <p:txEl>
+                                              <p:pRg st="6" end="6"/>
+                                            </p:txEl>
+                                          </p:spTgt>
+                                        </p:tgtEl>
+                                        <p:attrNameLst>
+                                          <p:attrName>style.rotation</p:attrName>
+                                        </p:attrNameLst>
+                                      </p:cBhvr>
+                                      <p:tavLst>
+                                        <p:tav tm="0">
+                                          <p:val>
+                                            <p:fltVal val="-45"/>
+                                          </p:val>
+                                        </p:tav>
+                                        <p:tav tm="69900">
+                                          <p:val>
+                                            <p:fltVal val="45"/>
+                                          </p:val>
+                                        </p:tav>
+                                        <p:tav tm="100000">
+                                          <p:val>
+                                            <p:fltVal val="0"/>
+                                          </p:val>
+                                        </p:tav>
+                                      </p:tavLst>
+                                    </p:anim>
+                                    <p:anim calcmode="lin" valueType="num">
+                                      <p:cBhvr>
+                                        <p:cTn id="49" dur="455" fill="hold">
+                                          <p:stCondLst>
+                                            <p:cond delay="0"/>
+                                          </p:stCondLst>
+                                        </p:cTn>
+                                        <p:tgtEl>
+                                          <p:spTgt spid="5">
+                                            <p:txEl>
+                                              <p:pRg st="6" end="6"/>
+                                            </p:txEl>
+                                          </p:spTgt>
+                                        </p:tgtEl>
+                                        <p:attrNameLst>
+                                          <p:attrName>ppt_y</p:attrName>
+                                        </p:attrNameLst>
+                                      </p:cBhvr>
+                                      <p:tavLst>
+                                        <p:tav tm="0">
+                                          <p:val>
+                                            <p:strVal val="#ppt_y-1"/>
+                                          </p:val>
+                                        </p:tav>
+                                        <p:tav tm="100000">
+                                          <p:val>
+                                            <p:strVal val="#ppt_y-(0.354*#ppt_w-0.172*#ppt_h)"/>
+                                          </p:val>
+                                        </p:tav>
+                                      </p:tavLst>
+                                    </p:anim>
+                                    <p:anim calcmode="lin" valueType="num">
+                                      <p:cBhvr>
+                                        <p:cTn id="50" dur="156" decel="50000" autoRev="1" fill="hold">
+                                          <p:stCondLst>
+                                            <p:cond delay="455"/>
+                                          </p:stCondLst>
+                                        </p:cTn>
+                                        <p:tgtEl>
+                                          <p:spTgt spid="5">
+                                            <p:txEl>
+                                              <p:pRg st="6" end="6"/>
+                                            </p:txEl>
+                                          </p:spTgt>
+                                        </p:tgtEl>
+                                        <p:attrNameLst>
+                                          <p:attrName>ppt_y</p:attrName>
+                                        </p:attrNameLst>
+                                      </p:cBhvr>
+                                      <p:tavLst>
+                                        <p:tav tm="0">
+                                          <p:val>
+                                            <p:strVal val="#ppt_y-(0.354*#ppt_w-0.172*#ppt_h)"/>
+                                          </p:val>
+                                        </p:tav>
+                                        <p:tav tm="100000">
+                                          <p:val>
+                                            <p:strVal val="#ppt_y-(0.354*#ppt_w-0.172*#ppt_h)-#ppt_h/2"/>
+                                          </p:val>
+                                        </p:tav>
+                                      </p:tavLst>
+                                    </p:anim>
+                                    <p:anim calcmode="lin" valueType="num">
+                                      <p:cBhvr>
+                                        <p:cTn id="51" dur="136" fill="hold">
+                                          <p:stCondLst>
+                                            <p:cond delay="864"/>
+                                          </p:stCondLst>
+                                        </p:cTn>
+                                        <p:tgtEl>
+                                          <p:spTgt spid="5">
+                                            <p:txEl>
+                                              <p:pRg st="6" end="6"/>
+                                            </p:txEl>
+                                          </p:spTgt>
+                                        </p:tgtEl>
+                                        <p:attrNameLst>
+                                          <p:attrName>ppt_y</p:attrName>
+                                        </p:attrNameLst>
+                                      </p:cBhvr>
+                                      <p:tavLst>
+                                        <p:tav tm="0">
+                                          <p:val>
+                                            <p:strVal val="#ppt_y-(0.354*#ppt_w-0.172*#ppt_h)"/>
+                                          </p:val>
+                                        </p:tav>
+                                        <p:tav tm="100000">
+                                          <p:val>
+                                            <p:strVal val="#ppt_y"/>
+                                          </p:val>
+                                        </p:tav>
+                                      </p:tavLst>
+                                    </p:anim>
+                                  </p:childTnLst>
+                                </p:cTn>
+                              </p:par>
+                            </p:childTnLst>
+                          </p:cTn>
+                        </p:par>
+                        <p:par>
+                          <p:cTn id="52" fill="hold">
+                            <p:stCondLst>
+                              <p:cond delay="33800"/>
+                            </p:stCondLst>
+                            <p:childTnLst>
+                              <p:par>
+                                <p:cTn id="53" presetID="22" presetClass="entr" presetSubtype="8" fill="hold" nodeType="afterEffect">
+                                  <p:stCondLst>
+                                    <p:cond delay="0"/>
+                                  </p:stCondLst>
+                                  <p:iterate type="wd">
+                                    <p:tmPct val="10000"/>
+                                  </p:iterate>
+                                  <p:childTnLst>
+                                    <p:set>
+                                      <p:cBhvr>
+                                        <p:cTn id="54" dur="1" fill="hold">
+                                          <p:stCondLst>
+                                            <p:cond delay="0"/>
+                                          </p:stCondLst>
+                                        </p:cTn>
+                                        <p:tgtEl>
+                                          <p:spTgt spid="6">
+                                            <p:txEl>
+                                              <p:pRg st="0" end="0"/>
+                                            </p:txEl>
+                                          </p:spTgt>
+                                        </p:tgtEl>
+                                        <p:attrNameLst>
+                                          <p:attrName>style.visibility</p:attrName>
+                                        </p:attrNameLst>
+                                      </p:cBhvr>
+                                      <p:to>
+                                        <p:strVal val="visible"/>
+                                      </p:to>
+                                    </p:set>
+                                    <p:animEffect transition="in" filter="wipe(left)">
+                                      <p:cBhvr>
+                                        <p:cTn id="55" dur="500"/>
+                                        <p:tgtEl>
+                                          <p:spTgt spid="6">
+                                            <p:txEl>
+                                              <p:pRg st="0" end="0"/>
+                                            </p:txEl>
+                                          </p:spTgt>
+                                        </p:tgtEl>
+                                      </p:cBhvr>
+                                    </p:animEffect>
+                                  </p:childTnLst>
+                                </p:cTn>
+                              </p:par>
+                            </p:childTnLst>
+                          </p:cTn>
+                        </p:par>
+                        <p:par>
+                          <p:cTn id="56" fill="hold">
+                            <p:stCondLst>
+                              <p:cond delay="34950"/>
+                            </p:stCondLst>
+                            <p:childTnLst>
+                              <p:par>
+                                <p:cTn id="57" presetID="22" presetClass="entr" presetSubtype="8" fill="hold" grpId="0" nodeType="afterEffect">
+                                  <p:stCondLst>
+                                    <p:cond delay="0"/>
+                                  </p:stCondLst>
+                                  <p:iterate type="wd">
+                                    <p:tmPct val="10000"/>
+                                  </p:iterate>
+                                  <p:childTnLst>
+                                    <p:set>
+                                      <p:cBhvr>
+                                        <p:cTn id="58" dur="1" fill="hold">
+                                          <p:stCondLst>
+                                            <p:cond delay="0"/>
+                                          </p:stCondLst>
+                                        </p:cTn>
+                                        <p:tgtEl>
+                                          <p:spTgt spid="7"/>
+                                        </p:tgtEl>
+                                        <p:attrNameLst>
+                                          <p:attrName>style.visibility</p:attrName>
+                                        </p:attrNameLst>
+                                      </p:cBhvr>
+                                      <p:to>
+                                        <p:strVal val="visible"/>
+                                      </p:to>
+                                    </p:set>
+                                    <p:animEffect transition="in" filter="wipe(left)">
+                                      <p:cBhvr>
+                                        <p:cTn id="59" dur="500"/>
+                                        <p:tgtEl>
+                                          <p:spTgt spid="7"/>
+                                        </p:tgtEl>
+                                      </p:cBhvr>
+                                    </p:animEffect>
+                                  </p:childTnLst>
+                                </p:cTn>
+                              </p:par>
+                            </p:childTnLst>
+                          </p:cTn>
+                        </p:par>
+                      </p:childTnLst>
+                    </p:cTn>
+                  </p:par>
+                </p:childTnLst>
+              </p:cTn>
+              <p:prevCondLst>
+                <p:cond evt="onPrev" delay="0">
+                  <p:tgtEl>
+                    <p:sldTgt/>
+                  </p:tgtEl>
+                </p:cond>
+              </p:prevCondLst>
+              <p:nextCondLst>
+                <p:cond evt="onNext" delay="0">
+                  <p:tgtEl>
+                    <p:sldTgt/>
+                  </p:tgtEl>
+                </p:cond>
+              </p:nextCondLst>
+            </p:seq>
+          </p:childTnLst>
+        </p:cTn>
+      </p:par>
+    </p:tnLst>
+    <p:bldLst>
+      <p:bldP spid="7" grpId="0"/>
+    </p:bldLst>
+  </p:timing>
+</p:sld>
+</file>
+
+<file path=ppt/slides/slide3.xml><?xml version="1.0" encoding="utf-8"?>
+<p:sld xmlns:a="http://schemas.openxmlformats.org/drawingml/2006/main" xmlns:r="http://schemas.openxmlformats.org/officeDocument/2006/relationships" xmlns:p="http://schemas.openxmlformats.org/presentationml/2006/main" showMasterSp="0">
+  <p:cSld>
+    <p:bg>
+      <p:bgPr>
+        <a:solidFill>
+          <a:srgbClr val="292D3E"/>
+        </a:solidFill>
+        <a:effectLst/>
+      </p:bgPr>
+    </p:bg>
+    <p:spTree>
+      <p:nvGrpSpPr>
+        <p:cNvPr id="1" name=""/>
+        <p:cNvGrpSpPr/>
+        <p:nvPr/>
+      </p:nvGrpSpPr>
+      <p:grpSpPr>
+        <a:xfrm>
+          <a:off x="0" y="0"/>
+          <a:ext cx="0" cy="0"/>
+          <a:chOff x="0" y="0"/>
+          <a:chExt cx="0" cy="0"/>
+        </a:xfrm>
+      </p:grpSpPr>
+      <p:sp>
+        <p:nvSpPr>
+          <p:cNvPr id="6" name="Rectangle 5">
+            <a:extLst>
+              <a:ext uri="{FF2B5EF4-FFF2-40B4-BE49-F238E27FC236}">
+                <a16:creationId xmlns:a16="http://schemas.microsoft.com/office/drawing/2014/main" id="{1A8154FB-5EF5-053D-4F6C-0BE0EA99A728}"/>
+              </a:ext>
+            </a:extLst>
+          </p:cNvPr>
+          <p:cNvSpPr/>
+          <p:nvPr/>
+        </p:nvSpPr>
+        <p:spPr>
+          <a:xfrm>
+            <a:off x="0" y="0"/>
+            <a:ext cx="12192000" cy="726558"/>
+          </a:xfrm>
+          <a:prstGeom prst="rect">
+            <a:avLst/>
+          </a:prstGeom>
+          <a:solidFill>
+            <a:srgbClr val="090B10"/>
+          </a:solidFill>
+          <a:ln>
+            <a:noFill/>
+          </a:ln>
+        </p:spPr>
+        <p:style>
+          <a:lnRef idx="2">
+            <a:schemeClr val="accent1">
+              <a:shade val="50000"/>
+            </a:schemeClr>
+          </a:lnRef>
+          <a:fillRef idx="1">
+            <a:schemeClr val="accent1"/>
+          </a:fillRef>
+          <a:effectRef idx="0">
+            <a:schemeClr val="accent1"/>
+          </a:effectRef>
+          <a:fontRef idx="minor">
+            <a:schemeClr val="lt1"/>
+          </a:fontRef>
+        </p:style>
+        <p:txBody>
+          <a:bodyPr rtlCol="0" anchor="ctr"/>
+          <a:lstStyle/>
+          <a:p>
+            <a:pPr algn="ctr"/>
+            <a:endParaRPr lang="en-GB" dirty="0"/>
+          </a:p>
+        </p:txBody>
+      </p:sp>
+      <p:sp>
+        <p:nvSpPr>
+          <p:cNvPr id="2" name="Title 1">
+            <a:extLst>
+              <a:ext uri="{FF2B5EF4-FFF2-40B4-BE49-F238E27FC236}">
+                <a16:creationId xmlns:a16="http://schemas.microsoft.com/office/drawing/2014/main" id="{08D29733-0685-5776-4BCC-88B56788E176}"/>
+              </a:ext>
+            </a:extLst>
+          </p:cNvPr>
+          <p:cNvSpPr>
+            <a:spLocks noGrp="1"/>
+          </p:cNvSpPr>
+          <p:nvPr>
+            <p:ph type="title" idx="4294967295"/>
+          </p:nvPr>
+        </p:nvSpPr>
+        <p:spPr>
+          <a:xfrm>
+            <a:off x="0" y="0"/>
+            <a:ext cx="7287208" cy="726557"/>
+          </a:xfrm>
+        </p:spPr>
+        <p:txBody>
+          <a:bodyPr>
+            <a:normAutofit fontScale="90000"/>
+          </a:bodyPr>
+          <a:lstStyle/>
+          <a:p>
+            <a:r>
+              <a:rPr lang="en-GB" dirty="0">
+                <a:solidFill>
+                  <a:schemeClr val="tx1">
+                    <a:lumMod val="50000"/>
+                    <a:lumOff val="50000"/>
+                  </a:schemeClr>
+                </a:solidFill>
+              </a:rPr>
+              <a:t>mes-origines</a:t>
+            </a:r>
+            <a:r>
+              <a:rPr lang="en-GB" dirty="0"/>
+              <a:t>.</a:t>
+            </a:r>
+            <a:r>
+              <a:rPr lang="en-GB" dirty="0">
+                <a:solidFill>
+                  <a:schemeClr val="accent5"/>
+                </a:solidFill>
+              </a:rPr>
+              <a:t>cpp</a:t>
+            </a:r>
+          </a:p>
+        </p:txBody>
+      </p:sp>
+      <p:sp>
+        <p:nvSpPr>
+          <p:cNvPr id="3" name="TextBox 2">
+            <a:extLst>
+              <a:ext uri="{FF2B5EF4-FFF2-40B4-BE49-F238E27FC236}">
+                <a16:creationId xmlns:a16="http://schemas.microsoft.com/office/drawing/2014/main" id="{2A1275B6-CAA7-DC27-9B47-E6EFB4BC9AB3}"/>
+              </a:ext>
+            </a:extLst>
+          </p:cNvPr>
+          <p:cNvSpPr txBox="1">
+            <a:spLocks noGrp="1" noRot="1" noMove="1" noResize="1" noEditPoints="1" noAdjustHandles="1" noChangeArrowheads="1" noChangeShapeType="1"/>
+          </p:cNvSpPr>
+          <p:nvPr/>
+        </p:nvSpPr>
+        <p:spPr>
+          <a:xfrm>
+            <a:off x="182880" y="1558834"/>
+            <a:ext cx="11434354" cy="3370153"/>
+          </a:xfrm>
+          <a:prstGeom prst="rect">
+            <a:avLst/>
+          </a:prstGeom>
+          <a:noFill/>
+        </p:spPr>
+        <p:txBody>
+          <a:bodyPr wrap="square" rtlCol="0">
+            <a:spAutoFit/>
+          </a:bodyPr>
+          <a:lstStyle/>
+          <a:p>
+            <a:r>
+              <a:rPr lang="en-GB" sz="1300" dirty="0">
+                <a:solidFill>
+                  <a:schemeClr val="bg1">
+                    <a:lumMod val="50000"/>
+                  </a:schemeClr>
+                </a:solidFill>
+                <a:latin typeface="Century Gothic" panose="020B0502020202020204" pitchFamily="34" charset="0"/>
+              </a:rPr>
+              <a:t>// mes-origines.cpp : This file contains the 'main' function. Program execution begins and ends there.</a:t>
+            </a:r>
+          </a:p>
+          <a:p>
+            <a:r>
+              <a:rPr lang="en-GB" sz="1300" dirty="0">
+                <a:solidFill>
+                  <a:schemeClr val="bg1">
+                    <a:lumMod val="50000"/>
+                  </a:schemeClr>
+                </a:solidFill>
+                <a:latin typeface="Century Gothic" panose="020B0502020202020204" pitchFamily="34" charset="0"/>
+              </a:rPr>
+              <a:t>// Command-line </a:t>
+            </a:r>
+            <a:r>
+              <a:rPr lang="en-GB" sz="1300">
+                <a:solidFill>
+                  <a:schemeClr val="bg1">
+                    <a:lumMod val="50000"/>
+                  </a:schemeClr>
+                </a:solidFill>
+                <a:latin typeface="Century Gothic" panose="020B0502020202020204" pitchFamily="34" charset="0"/>
+              </a:rPr>
+              <a:t>script written in C++</a:t>
+            </a:r>
+            <a:endParaRPr lang="en-GB" sz="1300" dirty="0">
+              <a:solidFill>
+                <a:schemeClr val="bg1">
+                  <a:lumMod val="50000"/>
+                </a:schemeClr>
+              </a:solidFill>
+              <a:latin typeface="Century Gothic" panose="020B0502020202020204" pitchFamily="34" charset="0"/>
+            </a:endParaRPr>
+          </a:p>
+          <a:p>
+            <a:endParaRPr lang="en-GB" sz="1300" dirty="0">
+              <a:solidFill>
+                <a:srgbClr val="000000"/>
+              </a:solidFill>
+              <a:latin typeface="Century Gothic" panose="020B0502020202020204" pitchFamily="34" charset="0"/>
+            </a:endParaRPr>
+          </a:p>
+          <a:p>
+            <a:r>
+              <a:rPr lang="en-GB" sz="1300" dirty="0">
+                <a:solidFill>
+                  <a:schemeClr val="accent5"/>
+                </a:solidFill>
+                <a:latin typeface="Century Gothic" panose="020B0502020202020204" pitchFamily="34" charset="0"/>
+              </a:rPr>
+              <a:t>#include</a:t>
+            </a:r>
+            <a:r>
+              <a:rPr lang="en-GB" sz="1300" dirty="0">
+                <a:solidFill>
+                  <a:srgbClr val="000000"/>
+                </a:solidFill>
+                <a:latin typeface="Century Gothic" panose="020B0502020202020204" pitchFamily="34" charset="0"/>
+              </a:rPr>
+              <a:t> </a:t>
+            </a:r>
+            <a:r>
+              <a:rPr lang="en-GB" sz="1300" dirty="0">
+                <a:solidFill>
+                  <a:srgbClr val="89DDFF"/>
+                </a:solidFill>
+                <a:latin typeface="Century Gothic" panose="020B0502020202020204" pitchFamily="34" charset="0"/>
+              </a:rPr>
+              <a:t>&lt;iostream&gt;</a:t>
+            </a:r>
+          </a:p>
+          <a:p>
+            <a:endParaRPr lang="en-GB" sz="1300" dirty="0">
+              <a:solidFill>
+                <a:srgbClr val="000000"/>
+              </a:solidFill>
+              <a:latin typeface="Century Gothic" panose="020B0502020202020204" pitchFamily="34" charset="0"/>
+            </a:endParaRPr>
+          </a:p>
+          <a:p>
+            <a:r>
+              <a:rPr lang="en-GB" sz="1300" dirty="0">
+                <a:solidFill>
+                  <a:srgbClr val="99FF99"/>
+                </a:solidFill>
+                <a:latin typeface="Century Gothic" panose="020B0502020202020204" pitchFamily="34" charset="0"/>
+              </a:rPr>
+              <a:t>using namespace</a:t>
+            </a:r>
+            <a:r>
+              <a:rPr lang="en-GB" sz="1300" dirty="0">
+                <a:solidFill>
+                  <a:srgbClr val="000000"/>
+                </a:solidFill>
+                <a:latin typeface="Century Gothic" panose="020B0502020202020204" pitchFamily="34" charset="0"/>
+              </a:rPr>
+              <a:t> </a:t>
+            </a:r>
+            <a:r>
+              <a:rPr lang="en-GB" sz="1300" dirty="0">
+                <a:solidFill>
+                  <a:srgbClr val="89DDFF"/>
+                </a:solidFill>
+                <a:latin typeface="Century Gothic" panose="020B0502020202020204" pitchFamily="34" charset="0"/>
+              </a:rPr>
+              <a:t>std</a:t>
+            </a:r>
+            <a:r>
+              <a:rPr lang="en-GB" sz="1300" dirty="0">
+                <a:solidFill>
+                  <a:schemeClr val="bg1"/>
+                </a:solidFill>
+                <a:latin typeface="Century Gothic" panose="020B0502020202020204" pitchFamily="34" charset="0"/>
+              </a:rPr>
+              <a:t>;</a:t>
+            </a:r>
+          </a:p>
+          <a:p>
+            <a:endParaRPr lang="en-GB" sz="1300" dirty="0">
+              <a:solidFill>
+                <a:srgbClr val="000000"/>
+              </a:solidFill>
+              <a:latin typeface="Century Gothic" panose="020B0502020202020204" pitchFamily="34" charset="0"/>
+            </a:endParaRPr>
+          </a:p>
+          <a:p>
+            <a:r>
+              <a:rPr lang="en-GB" sz="1300" dirty="0">
+                <a:solidFill>
+                  <a:srgbClr val="99FF99"/>
+                </a:solidFill>
+                <a:latin typeface="Century Gothic" panose="020B0502020202020204" pitchFamily="34" charset="0"/>
+              </a:rPr>
+              <a:t>int</a:t>
+            </a:r>
+            <a:r>
+              <a:rPr lang="en-GB" sz="1300" dirty="0">
+                <a:solidFill>
+                  <a:srgbClr val="000000"/>
+                </a:solidFill>
+                <a:latin typeface="Century Gothic" panose="020B0502020202020204" pitchFamily="34" charset="0"/>
+              </a:rPr>
+              <a:t> </a:t>
+            </a:r>
+            <a:r>
+              <a:rPr lang="en-GB" sz="1300" dirty="0">
+                <a:solidFill>
+                  <a:srgbClr val="FFC000"/>
+                </a:solidFill>
+                <a:latin typeface="Century Gothic" panose="020B0502020202020204" pitchFamily="34" charset="0"/>
+              </a:rPr>
+              <a:t>main</a:t>
+            </a:r>
+            <a:r>
+              <a:rPr lang="en-GB" sz="1300" dirty="0">
+                <a:solidFill>
+                  <a:schemeClr val="bg1"/>
+                </a:solidFill>
+                <a:latin typeface="Century Gothic" panose="020B0502020202020204" pitchFamily="34" charset="0"/>
+              </a:rPr>
+              <a:t>()</a:t>
+            </a:r>
+          </a:p>
+          <a:p>
+            <a:r>
+              <a:rPr lang="en-GB" sz="1300" dirty="0">
+                <a:solidFill>
+                  <a:schemeClr val="bg1"/>
+                </a:solidFill>
+                <a:latin typeface="Century Gothic" panose="020B0502020202020204" pitchFamily="34" charset="0"/>
+              </a:rPr>
+              <a:t>{</a:t>
+            </a:r>
+          </a:p>
+          <a:p>
+            <a:r>
+              <a:rPr lang="en-GB" sz="1300" dirty="0">
+                <a:solidFill>
+                  <a:srgbClr val="99FF99"/>
+                </a:solidFill>
+                <a:latin typeface="Century Gothic" panose="020B0502020202020204" pitchFamily="34" charset="0"/>
+              </a:rPr>
+              <a:t>    char</a:t>
+            </a:r>
+            <a:r>
+              <a:rPr lang="en-GB" sz="1300" dirty="0">
+                <a:solidFill>
+                  <a:srgbClr val="000000"/>
+                </a:solidFill>
+                <a:latin typeface="Century Gothic" panose="020B0502020202020204" pitchFamily="34" charset="0"/>
+              </a:rPr>
+              <a:t> </a:t>
+            </a:r>
+            <a:r>
+              <a:rPr lang="en-GB" sz="1300" dirty="0">
+                <a:solidFill>
+                  <a:schemeClr val="accent5"/>
+                </a:solidFill>
+                <a:latin typeface="Century Gothic" panose="020B0502020202020204" pitchFamily="34" charset="0"/>
+              </a:rPr>
+              <a:t>utf8_et</a:t>
+            </a:r>
+            <a:r>
+              <a:rPr lang="en-GB" sz="1300" dirty="0">
+                <a:solidFill>
+                  <a:srgbClr val="000000"/>
+                </a:solidFill>
+                <a:latin typeface="Century Gothic" panose="020B0502020202020204" pitchFamily="34" charset="0"/>
+              </a:rPr>
+              <a:t> </a:t>
+            </a:r>
+            <a:r>
+              <a:rPr lang="en-GB" sz="1300" dirty="0">
+                <a:solidFill>
+                  <a:srgbClr val="7EA8B9"/>
+                </a:solidFill>
+                <a:latin typeface="Century Gothic" panose="020B0502020202020204" pitchFamily="34" charset="0"/>
+              </a:rPr>
+              <a:t>=</a:t>
+            </a:r>
+            <a:r>
+              <a:rPr lang="en-GB" sz="1300" dirty="0">
+                <a:solidFill>
+                  <a:srgbClr val="000000"/>
+                </a:solidFill>
+                <a:latin typeface="Century Gothic" panose="020B0502020202020204" pitchFamily="34" charset="0"/>
+              </a:rPr>
+              <a:t> </a:t>
+            </a:r>
+            <a:r>
+              <a:rPr lang="en-GB" sz="1300" dirty="0">
+                <a:solidFill>
+                  <a:srgbClr val="89DDFF"/>
+                </a:solidFill>
+                <a:latin typeface="Century Gothic" panose="020B0502020202020204" pitchFamily="34" charset="0"/>
+              </a:rPr>
+              <a:t>0xe9</a:t>
+            </a:r>
+            <a:r>
+              <a:rPr lang="en-GB" sz="1300" dirty="0">
+                <a:solidFill>
+                  <a:schemeClr val="bg1"/>
+                </a:solidFill>
+                <a:latin typeface="Century Gothic" panose="020B0502020202020204" pitchFamily="34" charset="0"/>
+              </a:rPr>
+              <a:t>;</a:t>
+            </a:r>
+          </a:p>
+          <a:p>
+            <a:r>
+              <a:rPr lang="en-GB" sz="1300" dirty="0">
+                <a:solidFill>
+                  <a:srgbClr val="000000"/>
+                </a:solidFill>
+                <a:latin typeface="Century Gothic" panose="020B0502020202020204" pitchFamily="34" charset="0"/>
+              </a:rPr>
+              <a:t>    </a:t>
+            </a:r>
+            <a:r>
+              <a:rPr lang="en-GB" sz="1300" dirty="0">
+                <a:solidFill>
+                  <a:srgbClr val="99FF99"/>
+                </a:solidFill>
+                <a:latin typeface="Century Gothic" panose="020B0502020202020204" pitchFamily="34" charset="0"/>
+              </a:rPr>
+              <a:t>string</a:t>
+            </a:r>
+            <a:r>
+              <a:rPr lang="en-GB" sz="1300" dirty="0">
+                <a:solidFill>
+                  <a:srgbClr val="000000"/>
+                </a:solidFill>
+                <a:latin typeface="Century Gothic" panose="020B0502020202020204" pitchFamily="34" charset="0"/>
+              </a:rPr>
+              <a:t> </a:t>
+            </a:r>
+            <a:r>
+              <a:rPr lang="en-GB" sz="1300" dirty="0" err="1">
+                <a:solidFill>
+                  <a:schemeClr val="accent5"/>
+                </a:solidFill>
+                <a:latin typeface="Century Gothic" panose="020B0502020202020204" pitchFamily="34" charset="0"/>
+              </a:rPr>
+              <a:t>origines</a:t>
+            </a:r>
+            <a:r>
+              <a:rPr lang="en-GB" sz="1300" dirty="0">
+                <a:solidFill>
+                  <a:schemeClr val="bg1"/>
+                </a:solidFill>
+                <a:latin typeface="Century Gothic" panose="020B0502020202020204" pitchFamily="34" charset="0"/>
+              </a:rPr>
+              <a:t>[</a:t>
+            </a:r>
+            <a:r>
+              <a:rPr lang="en-GB" sz="1300" dirty="0">
+                <a:solidFill>
+                  <a:srgbClr val="89DDFF"/>
+                </a:solidFill>
+                <a:latin typeface="Century Gothic" panose="020B0502020202020204" pitchFamily="34" charset="0"/>
+              </a:rPr>
+              <a:t>2</a:t>
+            </a:r>
+            <a:r>
+              <a:rPr lang="en-GB" sz="1300" dirty="0">
+                <a:solidFill>
+                  <a:schemeClr val="bg1"/>
+                </a:solidFill>
+                <a:latin typeface="Century Gothic" panose="020B0502020202020204" pitchFamily="34" charset="0"/>
+              </a:rPr>
+              <a:t>]</a:t>
+            </a:r>
+            <a:r>
+              <a:rPr lang="en-GB" sz="1300" dirty="0">
+                <a:solidFill>
+                  <a:srgbClr val="000000"/>
+                </a:solidFill>
+                <a:latin typeface="Century Gothic" panose="020B0502020202020204" pitchFamily="34" charset="0"/>
+              </a:rPr>
+              <a:t> </a:t>
+            </a:r>
+            <a:r>
+              <a:rPr lang="en-GB" sz="1300" dirty="0">
+                <a:solidFill>
+                  <a:srgbClr val="7EA8B9"/>
+                </a:solidFill>
+                <a:latin typeface="Century Gothic" panose="020B0502020202020204" pitchFamily="34" charset="0"/>
+              </a:rPr>
+              <a:t>=</a:t>
+            </a:r>
+            <a:r>
+              <a:rPr lang="en-GB" sz="1300" dirty="0">
+                <a:solidFill>
+                  <a:srgbClr val="000000"/>
+                </a:solidFill>
+                <a:latin typeface="Century Gothic" panose="020B0502020202020204" pitchFamily="34" charset="0"/>
+              </a:rPr>
+              <a:t> </a:t>
+            </a:r>
+            <a:r>
+              <a:rPr lang="en-GB" sz="1300" dirty="0">
+                <a:solidFill>
+                  <a:schemeClr val="bg1"/>
+                </a:solidFill>
+                <a:latin typeface="Century Gothic" panose="020B0502020202020204" pitchFamily="34" charset="0"/>
+              </a:rPr>
+              <a:t>{</a:t>
+            </a:r>
+            <a:r>
+              <a:rPr lang="en-GB" sz="1300" dirty="0">
+                <a:solidFill>
+                  <a:srgbClr val="A31515"/>
+                </a:solidFill>
+                <a:latin typeface="Century Gothic" panose="020B0502020202020204" pitchFamily="34" charset="0"/>
+              </a:rPr>
+              <a:t>"</a:t>
+            </a:r>
+            <a:r>
+              <a:rPr lang="en-GB" sz="1300" dirty="0" err="1">
+                <a:solidFill>
+                  <a:srgbClr val="A31515"/>
+                </a:solidFill>
+                <a:latin typeface="Century Gothic" panose="020B0502020202020204" pitchFamily="34" charset="0"/>
+              </a:rPr>
+              <a:t>Allemagne</a:t>
+            </a:r>
+            <a:r>
+              <a:rPr lang="en-GB" sz="1300" dirty="0">
+                <a:solidFill>
+                  <a:srgbClr val="A31515"/>
+                </a:solidFill>
+                <a:latin typeface="Century Gothic" panose="020B0502020202020204" pitchFamily="34" charset="0"/>
+              </a:rPr>
+              <a:t>"</a:t>
+            </a:r>
+            <a:r>
+              <a:rPr lang="en-GB" sz="1300" dirty="0">
+                <a:solidFill>
+                  <a:srgbClr val="000000"/>
+                </a:solidFill>
+                <a:latin typeface="Century Gothic" panose="020B0502020202020204" pitchFamily="34" charset="0"/>
+              </a:rPr>
+              <a:t>, </a:t>
+            </a:r>
+            <a:r>
+              <a:rPr lang="en-GB" sz="1300" dirty="0">
+                <a:solidFill>
+                  <a:srgbClr val="A31515"/>
+                </a:solidFill>
+                <a:latin typeface="Century Gothic" panose="020B0502020202020204" pitchFamily="34" charset="0"/>
+              </a:rPr>
+              <a:t>"Vietnam"</a:t>
+            </a:r>
+            <a:r>
+              <a:rPr lang="en-GB" sz="1300" dirty="0">
+                <a:solidFill>
+                  <a:schemeClr val="bg1"/>
+                </a:solidFill>
+                <a:latin typeface="Century Gothic" panose="020B0502020202020204" pitchFamily="34" charset="0"/>
+              </a:rPr>
+              <a:t>};</a:t>
+            </a:r>
+          </a:p>
+          <a:p>
+            <a:r>
+              <a:rPr lang="en-GB" sz="1300" dirty="0">
+                <a:solidFill>
+                  <a:srgbClr val="000000"/>
+                </a:solidFill>
+                <a:latin typeface="Century Gothic" panose="020B0502020202020204" pitchFamily="34" charset="0"/>
+              </a:rPr>
+              <a:t>    </a:t>
+            </a:r>
+            <a:r>
+              <a:rPr lang="en-GB" sz="1300" dirty="0">
+                <a:solidFill>
+                  <a:srgbClr val="99FF99"/>
+                </a:solidFill>
+                <a:latin typeface="Century Gothic" panose="020B0502020202020204" pitchFamily="34" charset="0"/>
+              </a:rPr>
+              <a:t>string</a:t>
+            </a:r>
+            <a:r>
+              <a:rPr lang="en-GB" sz="1300" dirty="0">
+                <a:solidFill>
+                  <a:srgbClr val="000000"/>
+                </a:solidFill>
+                <a:latin typeface="Century Gothic" panose="020B0502020202020204" pitchFamily="34" charset="0"/>
+              </a:rPr>
+              <a:t> </a:t>
+            </a:r>
+            <a:r>
+              <a:rPr lang="en-GB" sz="1300" dirty="0" err="1">
+                <a:solidFill>
+                  <a:schemeClr val="accent5"/>
+                </a:solidFill>
+                <a:latin typeface="Century Gothic" panose="020B0502020202020204" pitchFamily="34" charset="0"/>
+              </a:rPr>
+              <a:t>lieuDeNaissance</a:t>
+            </a:r>
+            <a:r>
+              <a:rPr lang="en-GB" sz="1300" dirty="0">
+                <a:solidFill>
+                  <a:srgbClr val="000000"/>
+                </a:solidFill>
+                <a:latin typeface="Century Gothic" panose="020B0502020202020204" pitchFamily="34" charset="0"/>
+              </a:rPr>
+              <a:t> </a:t>
+            </a:r>
+            <a:r>
+              <a:rPr lang="en-GB" sz="1300" dirty="0">
+                <a:solidFill>
+                  <a:srgbClr val="7EA8B9"/>
+                </a:solidFill>
+                <a:latin typeface="Century Gothic" panose="020B0502020202020204" pitchFamily="34" charset="0"/>
+              </a:rPr>
+              <a:t>=</a:t>
+            </a:r>
+            <a:r>
+              <a:rPr lang="en-GB" sz="1300" dirty="0">
+                <a:solidFill>
+                  <a:srgbClr val="000000"/>
+                </a:solidFill>
+                <a:latin typeface="Century Gothic" panose="020B0502020202020204" pitchFamily="34" charset="0"/>
+              </a:rPr>
+              <a:t> </a:t>
+            </a:r>
+            <a:r>
+              <a:rPr lang="en-GB" sz="1300" dirty="0">
+                <a:solidFill>
+                  <a:srgbClr val="A31515"/>
+                </a:solidFill>
+                <a:latin typeface="Century Gothic" panose="020B0502020202020204" pitchFamily="34" charset="0"/>
+              </a:rPr>
+              <a:t>"France"</a:t>
+            </a:r>
+            <a:r>
+              <a:rPr lang="en-GB" sz="1300" dirty="0">
+                <a:solidFill>
+                  <a:schemeClr val="bg1"/>
+                </a:solidFill>
+                <a:latin typeface="Century Gothic" panose="020B0502020202020204" pitchFamily="34" charset="0"/>
+              </a:rPr>
+              <a:t>;</a:t>
+            </a:r>
+          </a:p>
+          <a:p>
+            <a:r>
+              <a:rPr lang="fr-FR" sz="1300" dirty="0">
+                <a:solidFill>
+                  <a:schemeClr val="bg1"/>
+                </a:solidFill>
+                <a:latin typeface="Century Gothic" panose="020B0502020202020204" pitchFamily="34" charset="0"/>
+              </a:rPr>
+              <a:t>    cout</a:t>
+            </a:r>
+            <a:r>
+              <a:rPr lang="fr-FR" sz="1300" dirty="0">
+                <a:solidFill>
+                  <a:srgbClr val="000000"/>
+                </a:solidFill>
+                <a:latin typeface="Century Gothic" panose="020B0502020202020204" pitchFamily="34" charset="0"/>
+              </a:rPr>
+              <a:t> </a:t>
+            </a:r>
+            <a:r>
+              <a:rPr lang="fr-FR" sz="1300" dirty="0">
+                <a:solidFill>
+                  <a:schemeClr val="accent4"/>
+                </a:solidFill>
+                <a:latin typeface="Century Gothic" panose="020B0502020202020204" pitchFamily="34" charset="0"/>
+              </a:rPr>
+              <a:t>&lt;&lt;</a:t>
+            </a:r>
+            <a:r>
+              <a:rPr lang="fr-FR" sz="1300" dirty="0">
+                <a:solidFill>
+                  <a:srgbClr val="000000"/>
+                </a:solidFill>
+                <a:latin typeface="Century Gothic" panose="020B0502020202020204" pitchFamily="34" charset="0"/>
+              </a:rPr>
+              <a:t> </a:t>
+            </a:r>
+            <a:r>
+              <a:rPr lang="fr-FR" sz="1300" dirty="0">
+                <a:solidFill>
+                  <a:srgbClr val="A31515"/>
+                </a:solidFill>
+                <a:latin typeface="Century Gothic" panose="020B0502020202020204" pitchFamily="34" charset="0"/>
+              </a:rPr>
+              <a:t>"Je suis originaire de l'"</a:t>
+            </a:r>
+            <a:r>
+              <a:rPr lang="fr-FR" sz="1300" dirty="0">
+                <a:solidFill>
+                  <a:srgbClr val="000000"/>
+                </a:solidFill>
+                <a:latin typeface="Century Gothic" panose="020B0502020202020204" pitchFamily="34" charset="0"/>
+              </a:rPr>
+              <a:t> </a:t>
+            </a:r>
+            <a:r>
+              <a:rPr lang="fr-FR" sz="1300" dirty="0">
+                <a:solidFill>
+                  <a:schemeClr val="accent4"/>
+                </a:solidFill>
+                <a:latin typeface="Century Gothic" panose="020B0502020202020204" pitchFamily="34" charset="0"/>
+              </a:rPr>
+              <a:t>&lt;&lt;</a:t>
+            </a:r>
+            <a:r>
+              <a:rPr lang="fr-FR" sz="1300" dirty="0">
+                <a:solidFill>
+                  <a:srgbClr val="000000"/>
+                </a:solidFill>
+                <a:latin typeface="Century Gothic" panose="020B0502020202020204" pitchFamily="34" charset="0"/>
+              </a:rPr>
+              <a:t> </a:t>
+            </a:r>
+            <a:r>
+              <a:rPr lang="fr-FR" sz="1300" dirty="0">
+                <a:solidFill>
+                  <a:schemeClr val="accent5"/>
+                </a:solidFill>
+                <a:latin typeface="Century Gothic" panose="020B0502020202020204" pitchFamily="34" charset="0"/>
+              </a:rPr>
+              <a:t>origines</a:t>
+            </a:r>
+            <a:r>
+              <a:rPr lang="fr-FR" sz="1300" dirty="0">
+                <a:solidFill>
+                  <a:schemeClr val="bg1"/>
+                </a:solidFill>
+                <a:latin typeface="Century Gothic" panose="020B0502020202020204" pitchFamily="34" charset="0"/>
+              </a:rPr>
+              <a:t>[</a:t>
+            </a:r>
+            <a:r>
+              <a:rPr lang="fr-FR" sz="1300" dirty="0">
+                <a:solidFill>
+                  <a:srgbClr val="89DDFF"/>
+                </a:solidFill>
+                <a:latin typeface="Century Gothic" panose="020B0502020202020204" pitchFamily="34" charset="0"/>
+              </a:rPr>
+              <a:t>0</a:t>
+            </a:r>
+            <a:r>
+              <a:rPr lang="fr-FR" sz="1300" dirty="0">
+                <a:solidFill>
+                  <a:schemeClr val="bg1"/>
+                </a:solidFill>
+                <a:latin typeface="Century Gothic" panose="020B0502020202020204" pitchFamily="34" charset="0"/>
+              </a:rPr>
+              <a:t>]</a:t>
+            </a:r>
+            <a:r>
+              <a:rPr lang="fr-FR" sz="1300" dirty="0">
+                <a:solidFill>
+                  <a:srgbClr val="000000"/>
+                </a:solidFill>
+                <a:latin typeface="Century Gothic" panose="020B0502020202020204" pitchFamily="34" charset="0"/>
+              </a:rPr>
+              <a:t> </a:t>
+            </a:r>
+            <a:r>
+              <a:rPr lang="fr-FR" sz="1300" dirty="0">
+                <a:solidFill>
+                  <a:schemeClr val="accent4"/>
+                </a:solidFill>
+                <a:latin typeface="Century Gothic" panose="020B0502020202020204" pitchFamily="34" charset="0"/>
+              </a:rPr>
+              <a:t>&lt;&lt;</a:t>
+            </a:r>
+            <a:r>
+              <a:rPr lang="fr-FR" sz="1300" dirty="0">
+                <a:solidFill>
+                  <a:srgbClr val="000000"/>
+                </a:solidFill>
+                <a:latin typeface="Century Gothic" panose="020B0502020202020204" pitchFamily="34" charset="0"/>
+              </a:rPr>
+              <a:t> </a:t>
+            </a:r>
+            <a:r>
+              <a:rPr lang="fr-FR" sz="1300" dirty="0">
+                <a:solidFill>
+                  <a:srgbClr val="A31515"/>
+                </a:solidFill>
+                <a:latin typeface="Century Gothic" panose="020B0502020202020204" pitchFamily="34" charset="0"/>
+              </a:rPr>
+              <a:t>" et du "</a:t>
+            </a:r>
+            <a:r>
+              <a:rPr lang="fr-FR" sz="1300" dirty="0">
+                <a:solidFill>
+                  <a:srgbClr val="000000"/>
+                </a:solidFill>
+                <a:latin typeface="Century Gothic" panose="020B0502020202020204" pitchFamily="34" charset="0"/>
+              </a:rPr>
+              <a:t> </a:t>
+            </a:r>
+            <a:r>
+              <a:rPr lang="fr-FR" sz="1300" dirty="0">
+                <a:solidFill>
+                  <a:schemeClr val="accent4"/>
+                </a:solidFill>
+                <a:latin typeface="Century Gothic" panose="020B0502020202020204" pitchFamily="34" charset="0"/>
+              </a:rPr>
+              <a:t>&lt;&lt;</a:t>
+            </a:r>
+            <a:r>
+              <a:rPr lang="fr-FR" sz="1300" dirty="0">
+                <a:solidFill>
+                  <a:srgbClr val="000000"/>
+                </a:solidFill>
+                <a:latin typeface="Century Gothic" panose="020B0502020202020204" pitchFamily="34" charset="0"/>
+              </a:rPr>
+              <a:t> </a:t>
+            </a:r>
+            <a:r>
+              <a:rPr lang="fr-FR" sz="1300" dirty="0">
+                <a:solidFill>
+                  <a:schemeClr val="accent5"/>
+                </a:solidFill>
+                <a:latin typeface="Century Gothic" panose="020B0502020202020204" pitchFamily="34" charset="0"/>
+              </a:rPr>
+              <a:t>origines</a:t>
+            </a:r>
+            <a:r>
+              <a:rPr lang="fr-FR" sz="1300" dirty="0">
+                <a:solidFill>
+                  <a:schemeClr val="bg1"/>
+                </a:solidFill>
+                <a:latin typeface="Century Gothic" panose="020B0502020202020204" pitchFamily="34" charset="0"/>
+              </a:rPr>
+              <a:t>[</a:t>
+            </a:r>
+            <a:r>
+              <a:rPr lang="fr-FR" sz="1300" dirty="0">
+                <a:solidFill>
+                  <a:srgbClr val="89DDFF"/>
+                </a:solidFill>
+                <a:latin typeface="Century Gothic" panose="020B0502020202020204" pitchFamily="34" charset="0"/>
+              </a:rPr>
+              <a:t>1</a:t>
+            </a:r>
+            <a:r>
+              <a:rPr lang="fr-FR" sz="1300" dirty="0">
+                <a:solidFill>
+                  <a:schemeClr val="bg1"/>
+                </a:solidFill>
+                <a:latin typeface="Century Gothic" panose="020B0502020202020204" pitchFamily="34" charset="0"/>
+              </a:rPr>
+              <a:t>]</a:t>
+            </a:r>
+            <a:r>
+              <a:rPr lang="fr-FR" sz="1300" dirty="0">
+                <a:solidFill>
+                  <a:srgbClr val="000000"/>
+                </a:solidFill>
+                <a:latin typeface="Century Gothic" panose="020B0502020202020204" pitchFamily="34" charset="0"/>
+              </a:rPr>
+              <a:t> </a:t>
+            </a:r>
+            <a:r>
+              <a:rPr lang="fr-FR" sz="1300" dirty="0">
+                <a:solidFill>
+                  <a:schemeClr val="accent4"/>
+                </a:solidFill>
+                <a:latin typeface="Century Gothic" panose="020B0502020202020204" pitchFamily="34" charset="0"/>
+              </a:rPr>
+              <a:t>&lt;&lt;</a:t>
+            </a:r>
+            <a:r>
+              <a:rPr lang="fr-FR" sz="1300" dirty="0">
+                <a:solidFill>
+                  <a:srgbClr val="000000"/>
+                </a:solidFill>
+                <a:latin typeface="Century Gothic" panose="020B0502020202020204" pitchFamily="34" charset="0"/>
+              </a:rPr>
+              <a:t> </a:t>
+            </a:r>
+            <a:r>
+              <a:rPr lang="fr-FR" sz="1300" dirty="0">
+                <a:solidFill>
+                  <a:srgbClr val="A31515"/>
+                </a:solidFill>
+                <a:latin typeface="Century Gothic" panose="020B0502020202020204" pitchFamily="34" charset="0"/>
+              </a:rPr>
+              <a:t>" mais je suis n"</a:t>
+            </a:r>
+            <a:r>
+              <a:rPr lang="fr-FR" sz="1300" dirty="0">
+                <a:solidFill>
+                  <a:srgbClr val="000000"/>
+                </a:solidFill>
+                <a:latin typeface="Century Gothic" panose="020B0502020202020204" pitchFamily="34" charset="0"/>
+              </a:rPr>
+              <a:t> </a:t>
+            </a:r>
+            <a:r>
+              <a:rPr lang="fr-FR" sz="1300" dirty="0">
+                <a:solidFill>
+                  <a:schemeClr val="accent4"/>
+                </a:solidFill>
+                <a:latin typeface="Century Gothic" panose="020B0502020202020204" pitchFamily="34" charset="0"/>
+              </a:rPr>
+              <a:t>&lt;&lt;</a:t>
+            </a:r>
+            <a:r>
+              <a:rPr lang="fr-FR" sz="1300" dirty="0">
+                <a:solidFill>
+                  <a:srgbClr val="000000"/>
+                </a:solidFill>
+                <a:latin typeface="Century Gothic" panose="020B0502020202020204" pitchFamily="34" charset="0"/>
+              </a:rPr>
+              <a:t> </a:t>
+            </a:r>
+            <a:r>
+              <a:rPr lang="fr-FR" sz="1300" dirty="0">
+                <a:solidFill>
+                  <a:schemeClr val="accent5"/>
+                </a:solidFill>
+                <a:latin typeface="Century Gothic" panose="020B0502020202020204" pitchFamily="34" charset="0"/>
+              </a:rPr>
+              <a:t>utf8_et </a:t>
+            </a:r>
+            <a:r>
+              <a:rPr lang="fr-FR" sz="1300" dirty="0">
+                <a:solidFill>
+                  <a:schemeClr val="accent4"/>
+                </a:solidFill>
+                <a:latin typeface="Century Gothic" panose="020B0502020202020204" pitchFamily="34" charset="0"/>
+              </a:rPr>
+              <a:t>&lt;&lt;</a:t>
+            </a:r>
+            <a:r>
+              <a:rPr lang="fr-FR" sz="1300" dirty="0">
+                <a:solidFill>
+                  <a:srgbClr val="000000"/>
+                </a:solidFill>
+                <a:latin typeface="Century Gothic" panose="020B0502020202020204" pitchFamily="34" charset="0"/>
+              </a:rPr>
+              <a:t> </a:t>
+            </a:r>
+            <a:r>
+              <a:rPr lang="fr-FR" sz="1300" dirty="0">
+                <a:solidFill>
+                  <a:srgbClr val="A31515"/>
+                </a:solidFill>
+                <a:latin typeface="Century Gothic" panose="020B0502020202020204" pitchFamily="34" charset="0"/>
+              </a:rPr>
+              <a:t>" en "</a:t>
+            </a:r>
+            <a:r>
+              <a:rPr lang="fr-FR" sz="1300" dirty="0">
+                <a:solidFill>
+                  <a:srgbClr val="000000"/>
+                </a:solidFill>
+                <a:latin typeface="Century Gothic" panose="020B0502020202020204" pitchFamily="34" charset="0"/>
+              </a:rPr>
+              <a:t> </a:t>
+            </a:r>
+            <a:r>
+              <a:rPr lang="fr-FR" sz="1300" dirty="0">
+                <a:solidFill>
+                  <a:schemeClr val="accent4"/>
+                </a:solidFill>
+                <a:latin typeface="Century Gothic" panose="020B0502020202020204" pitchFamily="34" charset="0"/>
+              </a:rPr>
+              <a:t>&lt;&lt;</a:t>
+            </a:r>
+            <a:r>
+              <a:rPr lang="fr-FR" sz="1300" dirty="0">
+                <a:solidFill>
+                  <a:srgbClr val="000000"/>
+                </a:solidFill>
+                <a:latin typeface="Century Gothic" panose="020B0502020202020204" pitchFamily="34" charset="0"/>
+              </a:rPr>
+              <a:t> </a:t>
+            </a:r>
+            <a:r>
+              <a:rPr lang="fr-FR" sz="1300" dirty="0" err="1">
+                <a:solidFill>
+                  <a:schemeClr val="accent5"/>
+                </a:solidFill>
+                <a:latin typeface="Century Gothic" panose="020B0502020202020204" pitchFamily="34" charset="0"/>
+              </a:rPr>
+              <a:t>lieuDeNaissance</a:t>
+            </a:r>
+            <a:r>
+              <a:rPr lang="fr-FR" sz="1300" dirty="0">
+                <a:solidFill>
+                  <a:srgbClr val="000000"/>
+                </a:solidFill>
+                <a:latin typeface="Century Gothic" panose="020B0502020202020204" pitchFamily="34" charset="0"/>
+              </a:rPr>
+              <a:t> </a:t>
+            </a:r>
+            <a:r>
+              <a:rPr lang="fr-FR" sz="1300" dirty="0">
+                <a:solidFill>
+                  <a:schemeClr val="accent4"/>
+                </a:solidFill>
+                <a:latin typeface="Century Gothic" panose="020B0502020202020204" pitchFamily="34" charset="0"/>
+              </a:rPr>
+              <a:t>&lt;&lt;</a:t>
+            </a:r>
+            <a:r>
+              <a:rPr lang="fr-FR" sz="1300" dirty="0">
+                <a:solidFill>
+                  <a:srgbClr val="000000"/>
+                </a:solidFill>
+                <a:latin typeface="Century Gothic" panose="020B0502020202020204" pitchFamily="34" charset="0"/>
+              </a:rPr>
+              <a:t> </a:t>
+            </a:r>
+            <a:r>
+              <a:rPr lang="fr-FR" sz="1300" dirty="0" err="1">
+                <a:solidFill>
+                  <a:schemeClr val="bg1"/>
+                </a:solidFill>
+                <a:latin typeface="Century Gothic" panose="020B0502020202020204" pitchFamily="34" charset="0"/>
+              </a:rPr>
+              <a:t>endl</a:t>
+            </a:r>
+            <a:r>
+              <a:rPr lang="fr-FR" sz="1300" dirty="0">
+                <a:solidFill>
+                  <a:schemeClr val="bg1"/>
+                </a:solidFill>
+                <a:latin typeface="Century Gothic" panose="020B0502020202020204" pitchFamily="34" charset="0"/>
+              </a:rPr>
+              <a:t>;</a:t>
+            </a:r>
+          </a:p>
+          <a:p>
+            <a:r>
+              <a:rPr lang="en-GB" sz="1300" dirty="0">
+                <a:solidFill>
+                  <a:srgbClr val="000000"/>
+                </a:solidFill>
+                <a:latin typeface="Century Gothic" panose="020B0502020202020204" pitchFamily="34" charset="0"/>
+              </a:rPr>
+              <a:t>    </a:t>
+            </a:r>
+            <a:r>
+              <a:rPr lang="en-GB" sz="1300" dirty="0">
+                <a:solidFill>
+                  <a:srgbClr val="99FF99"/>
+                </a:solidFill>
+                <a:latin typeface="Century Gothic" panose="020B0502020202020204" pitchFamily="34" charset="0"/>
+              </a:rPr>
+              <a:t>return</a:t>
+            </a:r>
+            <a:r>
+              <a:rPr lang="en-GB" sz="1300" dirty="0">
+                <a:solidFill>
+                  <a:srgbClr val="000000"/>
+                </a:solidFill>
+                <a:latin typeface="Century Gothic" panose="020B0502020202020204" pitchFamily="34" charset="0"/>
+              </a:rPr>
+              <a:t> </a:t>
+            </a:r>
+            <a:r>
+              <a:rPr lang="en-GB" sz="1300" dirty="0">
+                <a:solidFill>
+                  <a:srgbClr val="89DDFF"/>
+                </a:solidFill>
+                <a:latin typeface="Century Gothic" panose="020B0502020202020204" pitchFamily="34" charset="0"/>
+              </a:rPr>
+              <a:t>0</a:t>
+            </a:r>
+            <a:r>
+              <a:rPr lang="en-GB" sz="1300" dirty="0">
+                <a:solidFill>
+                  <a:schemeClr val="bg1"/>
+                </a:solidFill>
+                <a:latin typeface="Century Gothic" panose="020B0502020202020204" pitchFamily="34" charset="0"/>
+              </a:rPr>
+              <a:t>;</a:t>
+            </a:r>
+          </a:p>
+          <a:p>
+            <a:r>
+              <a:rPr lang="en-GB" sz="1300" dirty="0">
+                <a:solidFill>
+                  <a:schemeClr val="bg1"/>
+                </a:solidFill>
+                <a:latin typeface="Century Gothic" panose="020B0502020202020204" pitchFamily="34" charset="0"/>
+              </a:rPr>
+              <a:t>}</a:t>
+            </a:r>
+          </a:p>
+          <a:p>
+            <a:endParaRPr lang="en-GB" dirty="0">
+              <a:latin typeface="Century Gothic" panose="020B0502020202020204" pitchFamily="34" charset="0"/>
+            </a:endParaRPr>
+          </a:p>
+        </p:txBody>
+      </p:sp>
+      <p:sp>
+        <p:nvSpPr>
+          <p:cNvPr id="4" name="TextBox 3">
+            <a:extLst>
+              <a:ext uri="{FF2B5EF4-FFF2-40B4-BE49-F238E27FC236}">
+                <a16:creationId xmlns:a16="http://schemas.microsoft.com/office/drawing/2014/main" id="{2F0B746D-9312-0C87-5302-7598C172FA39}"/>
+              </a:ext>
+            </a:extLst>
+          </p:cNvPr>
+          <p:cNvSpPr txBox="1"/>
+          <p:nvPr/>
+        </p:nvSpPr>
+        <p:spPr>
+          <a:xfrm>
+            <a:off x="182880" y="5574268"/>
+            <a:ext cx="11330940" cy="369332"/>
+          </a:xfrm>
+          <a:prstGeom prst="rect">
+            <a:avLst/>
+          </a:prstGeom>
+          <a:noFill/>
+        </p:spPr>
+        <p:txBody>
+          <a:bodyPr wrap="square" rtlCol="0">
+            <a:spAutoFit/>
+          </a:bodyPr>
+          <a:lstStyle/>
+          <a:p>
+            <a:r>
+              <a:rPr lang="en-GB" dirty="0" err="1">
+                <a:solidFill>
+                  <a:srgbClr val="00B050"/>
+                </a:solidFill>
+              </a:rPr>
+              <a:t>centaurus@localhost</a:t>
+            </a:r>
+            <a:r>
+              <a:rPr lang="en-GB" dirty="0">
+                <a:solidFill>
+                  <a:srgbClr val="00B050"/>
+                </a:solidFill>
+              </a:rPr>
+              <a:t> </a:t>
+            </a:r>
+            <a:r>
+              <a:rPr lang="en-GB" dirty="0">
+                <a:solidFill>
+                  <a:srgbClr val="FFC000"/>
+                </a:solidFill>
+              </a:rPr>
+              <a:t>~/Documents/ </a:t>
+            </a:r>
+            <a:r>
+              <a:rPr lang="en-GB" dirty="0">
+                <a:solidFill>
+                  <a:srgbClr val="0070C0"/>
+                </a:solidFill>
+              </a:rPr>
+              <a:t>(main)</a:t>
+            </a:r>
+            <a:r>
+              <a:rPr lang="en-GB" dirty="0">
+                <a:solidFill>
+                  <a:srgbClr val="89DDFF"/>
+                </a:solidFill>
+              </a:rPr>
+              <a:t>  </a:t>
+            </a:r>
+            <a:r>
+              <a:rPr lang="en-GB" dirty="0">
+                <a:solidFill>
+                  <a:schemeClr val="bg1"/>
+                </a:solidFill>
+              </a:rPr>
+              <a:t>$ </a:t>
+            </a:r>
+            <a:r>
+              <a:rPr lang="en-GB" dirty="0" err="1">
+                <a:solidFill>
+                  <a:schemeClr val="bg1"/>
+                </a:solidFill>
+              </a:rPr>
+              <a:t>gcc</a:t>
+            </a:r>
+            <a:r>
+              <a:rPr lang="en-GB" dirty="0">
+                <a:solidFill>
+                  <a:schemeClr val="bg1"/>
+                </a:solidFill>
+              </a:rPr>
+              <a:t> mes-origins.cpp</a:t>
+            </a:r>
+            <a:endParaRPr lang="en-GB" dirty="0">
+              <a:solidFill>
+                <a:schemeClr val="tx1">
+                  <a:lumMod val="50000"/>
+                  <a:lumOff val="50000"/>
+                </a:schemeClr>
+              </a:solidFill>
+              <a:latin typeface="Bahnschrift SemiBold SemiConden" panose="020B0502040204020203" pitchFamily="34" charset="0"/>
+            </a:endParaRPr>
+          </a:p>
+        </p:txBody>
+      </p:sp>
+      <p:sp>
+        <p:nvSpPr>
+          <p:cNvPr id="5" name="TextBox 4">
+            <a:extLst>
+              <a:ext uri="{FF2B5EF4-FFF2-40B4-BE49-F238E27FC236}">
+                <a16:creationId xmlns:a16="http://schemas.microsoft.com/office/drawing/2014/main" id="{E55CF94B-528C-591D-932F-823E015A8975}"/>
+              </a:ext>
+            </a:extLst>
+          </p:cNvPr>
+          <p:cNvSpPr txBox="1"/>
+          <p:nvPr/>
+        </p:nvSpPr>
+        <p:spPr>
+          <a:xfrm>
+            <a:off x="182880" y="5943600"/>
+            <a:ext cx="6675120" cy="369332"/>
+          </a:xfrm>
+          <a:prstGeom prst="rect">
+            <a:avLst/>
+          </a:prstGeom>
+          <a:noFill/>
+        </p:spPr>
+        <p:txBody>
+          <a:bodyPr wrap="square" rtlCol="0">
+            <a:spAutoFit/>
+          </a:bodyPr>
+          <a:lstStyle/>
+          <a:p>
+            <a:r>
+              <a:rPr lang="fr-FR" dirty="0">
+                <a:solidFill>
+                  <a:schemeClr val="tx1">
+                    <a:lumMod val="50000"/>
+                    <a:lumOff val="50000"/>
+                  </a:schemeClr>
+                </a:solidFill>
+                <a:latin typeface="Bahnschrift SemiBold SemiConden" panose="020B0502040204020203" pitchFamily="34" charset="0"/>
+              </a:rPr>
+              <a:t>Je suis originaire de l'Allemagne et du Vietnam mais je suis né en France</a:t>
+            </a:r>
+            <a:endParaRPr lang="en-GB" dirty="0">
+              <a:solidFill>
+                <a:schemeClr val="tx1">
+                  <a:lumMod val="50000"/>
+                  <a:lumOff val="50000"/>
+                </a:schemeClr>
+              </a:solidFill>
+              <a:latin typeface="Bahnschrift SemiBold SemiConden" panose="020B0502040204020203" pitchFamily="34" charset="0"/>
+            </a:endParaRPr>
+          </a:p>
+        </p:txBody>
+      </p:sp>
+    </p:spTree>
+    <p:extLst>
+      <p:ext uri="{BB962C8B-B14F-4D97-AF65-F5344CB8AC3E}">
+        <p14:creationId xmlns:p14="http://schemas.microsoft.com/office/powerpoint/2010/main" val="1018633180"/>
+      </p:ext>
+    </p:extLst>
+  </p:cSld>
+  <p:clrMapOvr>
+    <a:masterClrMapping/>
+  </p:clrMapOvr>
+</p:sld>
+</file>
+
+<file path=ppt/slides/slide4.xml><?xml version="1.0" encoding="utf-8"?>
+<p:sld xmlns:a="http://schemas.openxmlformats.org/drawingml/2006/main" xmlns:r="http://schemas.openxmlformats.org/officeDocument/2006/relationships" xmlns:p="http://schemas.openxmlformats.org/presentationml/2006/main" showMasterSp="0">
+  <p:cSld>
+    <p:bg>
+      <p:bgPr>
+        <a:solidFill>
+          <a:srgbClr val="292D3E"/>
+        </a:solidFill>
+        <a:effectLst/>
+      </p:bgPr>
+    </p:bg>
     <p:spTree>
       <p:nvGrpSpPr>
         <p:cNvPr id="1" name=""/>
@@ -4354,47 +7975,51 @@
             <a:spLocks noGrp="1"/>
           </p:cNvSpPr>
           <p:nvPr>
-            <p:ph type="title"/>
+            <p:ph type="title" idx="4294967295"/>
           </p:nvPr>
         </p:nvSpPr>
-        <p:spPr/>
+        <p:spPr>
+          <a:xfrm>
+            <a:off x="0" y="0"/>
+            <a:ext cx="7287208" cy="726557"/>
+          </a:xfrm>
+        </p:spPr>
         <p:txBody>
-          <a:bodyPr/>
+          <a:bodyPr>
+            <a:normAutofit fontScale="90000"/>
+          </a:bodyPr>
           <a:lstStyle/>
           <a:p>
-            <a:endParaRPr lang="en-GB"/>
-          </a:p>
-        </p:txBody>
-      </p:sp>
-      <p:sp>
-        <p:nvSpPr>
-          <p:cNvPr id="3" name="Content Placeholder 2">
-            <a:extLst>
-              <a:ext uri="{FF2B5EF4-FFF2-40B4-BE49-F238E27FC236}">
-                <a16:creationId xmlns:a16="http://schemas.microsoft.com/office/drawing/2014/main" id="{58ACB5E0-B5EA-6A72-88EE-60DDD6C6719E}"/>
-              </a:ext>
-            </a:extLst>
-          </p:cNvPr>
-          <p:cNvSpPr>
-            <a:spLocks noGrp="1"/>
-          </p:cNvSpPr>
-          <p:nvPr>
-            <p:ph idx="1"/>
-          </p:nvPr>
-        </p:nvSpPr>
-        <p:spPr/>
-        <p:txBody>
-          <a:bodyPr/>
-          <a:lstStyle/>
-          <a:p>
-            <a:endParaRPr lang="en-GB"/>
+            <a:r>
+              <a:rPr lang="en-GB" dirty="0">
+                <a:solidFill>
+                  <a:schemeClr val="tx1">
+                    <a:lumMod val="50000"/>
+                    <a:lumOff val="50000"/>
+                  </a:schemeClr>
+                </a:solidFill>
+              </a:rPr>
+              <a:t>mes-racines</a:t>
+            </a:r>
+            <a:r>
+              <a:rPr lang="en-GB" dirty="0"/>
+              <a:t>.</a:t>
+            </a:r>
+            <a:r>
+              <a:rPr lang="en-GB" dirty="0">
+                <a:solidFill>
+                  <a:schemeClr val="accent5"/>
+                </a:solidFill>
+              </a:rPr>
+              <a:t>py</a:t>
+            </a:r>
           </a:p>
         </p:txBody>
       </p:sp>
     </p:spTree>
     <p:extLst>
       <p:ext uri="{BB962C8B-B14F-4D97-AF65-F5344CB8AC3E}">
-        <p14:creationId xmlns:p14="http://schemas.microsoft.com/office/powerpoint/2010/main" val="3362011251"/>
+        <p14:creationId xmlns:p14="http://schemas.microsoft.com/office/powerpoint/2010/main" val="3270586345"/>
       </p:ext>
     </p:extLst>
   </p:cSld>
@@ -4404,9 +8029,17 @@
 </p:sld>
 </file>
 
-<file path=ppt/slides/slide11.xml><?xml version="1.0" encoding="utf-8"?>
-<p:sld xmlns:a="http://schemas.openxmlformats.org/drawingml/2006/main" xmlns:r="http://schemas.openxmlformats.org/officeDocument/2006/relationships" xmlns:p="http://schemas.openxmlformats.org/presentationml/2006/main">
+<file path=ppt/slides/slide5.xml><?xml version="1.0" encoding="utf-8"?>
+<p:sld xmlns:a="http://schemas.openxmlformats.org/drawingml/2006/main" xmlns:r="http://schemas.openxmlformats.org/officeDocument/2006/relationships" xmlns:p="http://schemas.openxmlformats.org/presentationml/2006/main" showMasterSp="0">
   <p:cSld>
+    <p:bg>
+      <p:bgPr>
+        <a:solidFill>
+          <a:srgbClr val="292D3E"/>
+        </a:solidFill>
+        <a:effectLst/>
+      </p:bgPr>
+    </p:bg>
     <p:spTree>
       <p:nvGrpSpPr>
         <p:cNvPr id="1" name=""/>
@@ -4434,706 +8067,51 @@
             <a:spLocks noGrp="1"/>
           </p:cNvSpPr>
           <p:nvPr>
-            <p:ph type="title"/>
+            <p:ph type="title" idx="4294967295"/>
           </p:nvPr>
         </p:nvSpPr>
-        <p:spPr/>
+        <p:spPr>
+          <a:xfrm>
+            <a:off x="0" y="0"/>
+            <a:ext cx="7287208" cy="726557"/>
+          </a:xfrm>
+        </p:spPr>
         <p:txBody>
-          <a:bodyPr/>
+          <a:bodyPr>
+            <a:normAutofit fontScale="90000"/>
+          </a:bodyPr>
           <a:lstStyle/>
           <a:p>
-            <a:endParaRPr lang="en-GB"/>
-          </a:p>
-        </p:txBody>
-      </p:sp>
-      <p:sp>
-        <p:nvSpPr>
-          <p:cNvPr id="3" name="Content Placeholder 2">
-            <a:extLst>
-              <a:ext uri="{FF2B5EF4-FFF2-40B4-BE49-F238E27FC236}">
-                <a16:creationId xmlns:a16="http://schemas.microsoft.com/office/drawing/2014/main" id="{58ACB5E0-B5EA-6A72-88EE-60DDD6C6719E}"/>
-              </a:ext>
-            </a:extLst>
-          </p:cNvPr>
-          <p:cNvSpPr>
-            <a:spLocks noGrp="1"/>
-          </p:cNvSpPr>
-          <p:nvPr>
-            <p:ph idx="1"/>
-          </p:nvPr>
-        </p:nvSpPr>
-        <p:spPr/>
-        <p:txBody>
-          <a:bodyPr/>
-          <a:lstStyle/>
-          <a:p>
-            <a:endParaRPr lang="en-GB"/>
+            <a:r>
+              <a:rPr lang="en-GB" dirty="0">
+                <a:solidFill>
+                  <a:schemeClr val="tx1">
+                    <a:lumMod val="50000"/>
+                    <a:lumOff val="50000"/>
+                  </a:schemeClr>
+                </a:solidFill>
+              </a:rPr>
+              <a:t>mes-racines</a:t>
+            </a:r>
+            <a:r>
+              <a:rPr lang="en-GB" dirty="0"/>
+              <a:t>.</a:t>
+            </a:r>
+            <a:r>
+              <a:rPr lang="en-GB" dirty="0">
+                <a:solidFill>
+                  <a:schemeClr val="accent5"/>
+                </a:solidFill>
+              </a:rPr>
+              <a:t>py</a:t>
+            </a:r>
           </a:p>
         </p:txBody>
       </p:sp>
     </p:spTree>
     <p:extLst>
       <p:ext uri="{BB962C8B-B14F-4D97-AF65-F5344CB8AC3E}">
-        <p14:creationId xmlns:p14="http://schemas.microsoft.com/office/powerpoint/2010/main" val="1988511578"/>
-      </p:ext>
-    </p:extLst>
-  </p:cSld>
-  <p:clrMapOvr>
-    <a:masterClrMapping/>
-  </p:clrMapOvr>
-</p:sld>
-</file>
-
-<file path=ppt/slides/slide2.xml><?xml version="1.0" encoding="utf-8"?>
-<p:sld xmlns:a="http://schemas.openxmlformats.org/drawingml/2006/main" xmlns:r="http://schemas.openxmlformats.org/officeDocument/2006/relationships" xmlns:p="http://schemas.openxmlformats.org/presentationml/2006/main">
-  <p:cSld>
-    <p:spTree>
-      <p:nvGrpSpPr>
-        <p:cNvPr id="1" name=""/>
-        <p:cNvGrpSpPr/>
-        <p:nvPr/>
-      </p:nvGrpSpPr>
-      <p:grpSpPr>
-        <a:xfrm>
-          <a:off x="0" y="0"/>
-          <a:ext cx="0" cy="0"/>
-          <a:chOff x="0" y="0"/>
-          <a:chExt cx="0" cy="0"/>
-        </a:xfrm>
-      </p:grpSpPr>
-      <p:sp>
-        <p:nvSpPr>
-          <p:cNvPr id="2" name="Title 1">
-            <a:extLst>
-              <a:ext uri="{FF2B5EF4-FFF2-40B4-BE49-F238E27FC236}">
-                <a16:creationId xmlns:a16="http://schemas.microsoft.com/office/drawing/2014/main" id="{08D29733-0685-5776-4BCC-88B56788E176}"/>
-              </a:ext>
-            </a:extLst>
-          </p:cNvPr>
-          <p:cNvSpPr>
-            <a:spLocks noGrp="1"/>
-          </p:cNvSpPr>
-          <p:nvPr>
-            <p:ph type="title"/>
-          </p:nvPr>
-        </p:nvSpPr>
-        <p:spPr/>
-        <p:txBody>
-          <a:bodyPr/>
-          <a:lstStyle/>
-          <a:p>
-            <a:r>
-              <a:rPr lang="en-GB" dirty="0" err="1"/>
-              <a:t>Mes</a:t>
-            </a:r>
-            <a:r>
-              <a:rPr lang="en-GB" dirty="0"/>
-              <a:t> </a:t>
-            </a:r>
-            <a:r>
-              <a:rPr lang="en-GB" dirty="0" err="1"/>
-              <a:t>racines</a:t>
-            </a:r>
-            <a:endParaRPr lang="en-GB" dirty="0"/>
-          </a:p>
-        </p:txBody>
-      </p:sp>
-      <p:sp>
-        <p:nvSpPr>
-          <p:cNvPr id="3" name="Content Placeholder 2">
-            <a:extLst>
-              <a:ext uri="{FF2B5EF4-FFF2-40B4-BE49-F238E27FC236}">
-                <a16:creationId xmlns:a16="http://schemas.microsoft.com/office/drawing/2014/main" id="{58ACB5E0-B5EA-6A72-88EE-60DDD6C6719E}"/>
-              </a:ext>
-            </a:extLst>
-          </p:cNvPr>
-          <p:cNvSpPr>
-            <a:spLocks noGrp="1"/>
-          </p:cNvSpPr>
-          <p:nvPr>
-            <p:ph idx="1"/>
-          </p:nvPr>
-        </p:nvSpPr>
-        <p:spPr/>
-        <p:txBody>
-          <a:bodyPr/>
-          <a:lstStyle/>
-          <a:p>
-            <a:pPr>
-              <a:buFont typeface="Wingdings" panose="05000000000000000000" pitchFamily="2" charset="2"/>
-              <a:buChar char="q"/>
-            </a:pPr>
-            <a:r>
-              <a:rPr lang="en-GB" dirty="0"/>
-              <a:t>Je n’en ai pas, je suis un animal</a:t>
-            </a:r>
-          </a:p>
-        </p:txBody>
-      </p:sp>
-    </p:spTree>
-    <p:extLst>
-      <p:ext uri="{BB962C8B-B14F-4D97-AF65-F5344CB8AC3E}">
-        <p14:creationId xmlns:p14="http://schemas.microsoft.com/office/powerpoint/2010/main" val="2083072785"/>
-      </p:ext>
-    </p:extLst>
-  </p:cSld>
-  <p:clrMapOvr>
-    <a:masterClrMapping/>
-  </p:clrMapOvr>
-</p:sld>
-</file>
-
-<file path=ppt/slides/slide3.xml><?xml version="1.0" encoding="utf-8"?>
-<p:sld xmlns:a="http://schemas.openxmlformats.org/drawingml/2006/main" xmlns:r="http://schemas.openxmlformats.org/officeDocument/2006/relationships" xmlns:p="http://schemas.openxmlformats.org/presentationml/2006/main">
-  <p:cSld>
-    <p:spTree>
-      <p:nvGrpSpPr>
-        <p:cNvPr id="1" name=""/>
-        <p:cNvGrpSpPr/>
-        <p:nvPr/>
-      </p:nvGrpSpPr>
-      <p:grpSpPr>
-        <a:xfrm>
-          <a:off x="0" y="0"/>
-          <a:ext cx="0" cy="0"/>
-          <a:chOff x="0" y="0"/>
-          <a:chExt cx="0" cy="0"/>
-        </a:xfrm>
-      </p:grpSpPr>
-      <p:sp>
-        <p:nvSpPr>
-          <p:cNvPr id="2" name="Title 1">
-            <a:extLst>
-              <a:ext uri="{FF2B5EF4-FFF2-40B4-BE49-F238E27FC236}">
-                <a16:creationId xmlns:a16="http://schemas.microsoft.com/office/drawing/2014/main" id="{08D29733-0685-5776-4BCC-88B56788E176}"/>
-              </a:ext>
-            </a:extLst>
-          </p:cNvPr>
-          <p:cNvSpPr>
-            <a:spLocks noGrp="1"/>
-          </p:cNvSpPr>
-          <p:nvPr>
-            <p:ph type="title"/>
-          </p:nvPr>
-        </p:nvSpPr>
-        <p:spPr/>
-        <p:txBody>
-          <a:bodyPr/>
-          <a:lstStyle/>
-          <a:p>
-            <a:endParaRPr lang="en-GB"/>
-          </a:p>
-        </p:txBody>
-      </p:sp>
-      <p:sp>
-        <p:nvSpPr>
-          <p:cNvPr id="3" name="Content Placeholder 2">
-            <a:extLst>
-              <a:ext uri="{FF2B5EF4-FFF2-40B4-BE49-F238E27FC236}">
-                <a16:creationId xmlns:a16="http://schemas.microsoft.com/office/drawing/2014/main" id="{58ACB5E0-B5EA-6A72-88EE-60DDD6C6719E}"/>
-              </a:ext>
-            </a:extLst>
-          </p:cNvPr>
-          <p:cNvSpPr>
-            <a:spLocks noGrp="1"/>
-          </p:cNvSpPr>
-          <p:nvPr>
-            <p:ph idx="1"/>
-          </p:nvPr>
-        </p:nvSpPr>
-        <p:spPr/>
-        <p:txBody>
-          <a:bodyPr/>
-          <a:lstStyle/>
-          <a:p>
-            <a:endParaRPr lang="en-GB"/>
-          </a:p>
-        </p:txBody>
-      </p:sp>
-    </p:spTree>
-    <p:extLst>
-      <p:ext uri="{BB962C8B-B14F-4D97-AF65-F5344CB8AC3E}">
-        <p14:creationId xmlns:p14="http://schemas.microsoft.com/office/powerpoint/2010/main" val="991266681"/>
-      </p:ext>
-    </p:extLst>
-  </p:cSld>
-  <p:clrMapOvr>
-    <a:masterClrMapping/>
-  </p:clrMapOvr>
-</p:sld>
-</file>
-
-<file path=ppt/slides/slide4.xml><?xml version="1.0" encoding="utf-8"?>
-<p:sld xmlns:a="http://schemas.openxmlformats.org/drawingml/2006/main" xmlns:r="http://schemas.openxmlformats.org/officeDocument/2006/relationships" xmlns:p="http://schemas.openxmlformats.org/presentationml/2006/main">
-  <p:cSld>
-    <p:spTree>
-      <p:nvGrpSpPr>
-        <p:cNvPr id="1" name=""/>
-        <p:cNvGrpSpPr/>
-        <p:nvPr/>
-      </p:nvGrpSpPr>
-      <p:grpSpPr>
-        <a:xfrm>
-          <a:off x="0" y="0"/>
-          <a:ext cx="0" cy="0"/>
-          <a:chOff x="0" y="0"/>
-          <a:chExt cx="0" cy="0"/>
-        </a:xfrm>
-      </p:grpSpPr>
-      <p:sp>
-        <p:nvSpPr>
-          <p:cNvPr id="2" name="Title 1">
-            <a:extLst>
-              <a:ext uri="{FF2B5EF4-FFF2-40B4-BE49-F238E27FC236}">
-                <a16:creationId xmlns:a16="http://schemas.microsoft.com/office/drawing/2014/main" id="{08D29733-0685-5776-4BCC-88B56788E176}"/>
-              </a:ext>
-            </a:extLst>
-          </p:cNvPr>
-          <p:cNvSpPr>
-            <a:spLocks noGrp="1"/>
-          </p:cNvSpPr>
-          <p:nvPr>
-            <p:ph type="title"/>
-          </p:nvPr>
-        </p:nvSpPr>
-        <p:spPr/>
-        <p:txBody>
-          <a:bodyPr/>
-          <a:lstStyle/>
-          <a:p>
-            <a:endParaRPr lang="en-GB"/>
-          </a:p>
-        </p:txBody>
-      </p:sp>
-      <p:sp>
-        <p:nvSpPr>
-          <p:cNvPr id="3" name="Content Placeholder 2">
-            <a:extLst>
-              <a:ext uri="{FF2B5EF4-FFF2-40B4-BE49-F238E27FC236}">
-                <a16:creationId xmlns:a16="http://schemas.microsoft.com/office/drawing/2014/main" id="{58ACB5E0-B5EA-6A72-88EE-60DDD6C6719E}"/>
-              </a:ext>
-            </a:extLst>
-          </p:cNvPr>
-          <p:cNvSpPr>
-            <a:spLocks noGrp="1"/>
-          </p:cNvSpPr>
-          <p:nvPr>
-            <p:ph idx="1"/>
-          </p:nvPr>
-        </p:nvSpPr>
-        <p:spPr/>
-        <p:txBody>
-          <a:bodyPr/>
-          <a:lstStyle/>
-          <a:p>
-            <a:endParaRPr lang="en-GB"/>
-          </a:p>
-        </p:txBody>
-      </p:sp>
-    </p:spTree>
-    <p:extLst>
-      <p:ext uri="{BB962C8B-B14F-4D97-AF65-F5344CB8AC3E}">
-        <p14:creationId xmlns:p14="http://schemas.microsoft.com/office/powerpoint/2010/main" val="262050092"/>
-      </p:ext>
-    </p:extLst>
-  </p:cSld>
-  <p:clrMapOvr>
-    <a:masterClrMapping/>
-  </p:clrMapOvr>
-</p:sld>
-</file>
-
-<file path=ppt/slides/slide5.xml><?xml version="1.0" encoding="utf-8"?>
-<p:sld xmlns:a="http://schemas.openxmlformats.org/drawingml/2006/main" xmlns:r="http://schemas.openxmlformats.org/officeDocument/2006/relationships" xmlns:p="http://schemas.openxmlformats.org/presentationml/2006/main">
-  <p:cSld>
-    <p:spTree>
-      <p:nvGrpSpPr>
-        <p:cNvPr id="1" name=""/>
-        <p:cNvGrpSpPr/>
-        <p:nvPr/>
-      </p:nvGrpSpPr>
-      <p:grpSpPr>
-        <a:xfrm>
-          <a:off x="0" y="0"/>
-          <a:ext cx="0" cy="0"/>
-          <a:chOff x="0" y="0"/>
-          <a:chExt cx="0" cy="0"/>
-        </a:xfrm>
-      </p:grpSpPr>
-      <p:sp>
-        <p:nvSpPr>
-          <p:cNvPr id="2" name="Title 1">
-            <a:extLst>
-              <a:ext uri="{FF2B5EF4-FFF2-40B4-BE49-F238E27FC236}">
-                <a16:creationId xmlns:a16="http://schemas.microsoft.com/office/drawing/2014/main" id="{08D29733-0685-5776-4BCC-88B56788E176}"/>
-              </a:ext>
-            </a:extLst>
-          </p:cNvPr>
-          <p:cNvSpPr>
-            <a:spLocks noGrp="1"/>
-          </p:cNvSpPr>
-          <p:nvPr>
-            <p:ph type="title"/>
-          </p:nvPr>
-        </p:nvSpPr>
-        <p:spPr/>
-        <p:txBody>
-          <a:bodyPr/>
-          <a:lstStyle/>
-          <a:p>
-            <a:endParaRPr lang="en-GB"/>
-          </a:p>
-        </p:txBody>
-      </p:sp>
-      <p:sp>
-        <p:nvSpPr>
-          <p:cNvPr id="3" name="Content Placeholder 2">
-            <a:extLst>
-              <a:ext uri="{FF2B5EF4-FFF2-40B4-BE49-F238E27FC236}">
-                <a16:creationId xmlns:a16="http://schemas.microsoft.com/office/drawing/2014/main" id="{58ACB5E0-B5EA-6A72-88EE-60DDD6C6719E}"/>
-              </a:ext>
-            </a:extLst>
-          </p:cNvPr>
-          <p:cNvSpPr>
-            <a:spLocks noGrp="1"/>
-          </p:cNvSpPr>
-          <p:nvPr>
-            <p:ph idx="1"/>
-          </p:nvPr>
-        </p:nvSpPr>
-        <p:spPr/>
-        <p:txBody>
-          <a:bodyPr/>
-          <a:lstStyle/>
-          <a:p>
-            <a:endParaRPr lang="en-GB"/>
-          </a:p>
-        </p:txBody>
-      </p:sp>
-    </p:spTree>
-    <p:extLst>
-      <p:ext uri="{BB962C8B-B14F-4D97-AF65-F5344CB8AC3E}">
-        <p14:creationId xmlns:p14="http://schemas.microsoft.com/office/powerpoint/2010/main" val="3613850727"/>
-      </p:ext>
-    </p:extLst>
-  </p:cSld>
-  <p:clrMapOvr>
-    <a:masterClrMapping/>
-  </p:clrMapOvr>
-</p:sld>
-</file>
-
-<file path=ppt/slides/slide6.xml><?xml version="1.0" encoding="utf-8"?>
-<p:sld xmlns:a="http://schemas.openxmlformats.org/drawingml/2006/main" xmlns:r="http://schemas.openxmlformats.org/officeDocument/2006/relationships" xmlns:p="http://schemas.openxmlformats.org/presentationml/2006/main">
-  <p:cSld>
-    <p:spTree>
-      <p:nvGrpSpPr>
-        <p:cNvPr id="1" name=""/>
-        <p:cNvGrpSpPr/>
-        <p:nvPr/>
-      </p:nvGrpSpPr>
-      <p:grpSpPr>
-        <a:xfrm>
-          <a:off x="0" y="0"/>
-          <a:ext cx="0" cy="0"/>
-          <a:chOff x="0" y="0"/>
-          <a:chExt cx="0" cy="0"/>
-        </a:xfrm>
-      </p:grpSpPr>
-      <p:sp>
-        <p:nvSpPr>
-          <p:cNvPr id="2" name="Title 1">
-            <a:extLst>
-              <a:ext uri="{FF2B5EF4-FFF2-40B4-BE49-F238E27FC236}">
-                <a16:creationId xmlns:a16="http://schemas.microsoft.com/office/drawing/2014/main" id="{08D29733-0685-5776-4BCC-88B56788E176}"/>
-              </a:ext>
-            </a:extLst>
-          </p:cNvPr>
-          <p:cNvSpPr>
-            <a:spLocks noGrp="1"/>
-          </p:cNvSpPr>
-          <p:nvPr>
-            <p:ph type="title"/>
-          </p:nvPr>
-        </p:nvSpPr>
-        <p:spPr/>
-        <p:txBody>
-          <a:bodyPr/>
-          <a:lstStyle/>
-          <a:p>
-            <a:endParaRPr lang="en-GB"/>
-          </a:p>
-        </p:txBody>
-      </p:sp>
-      <p:sp>
-        <p:nvSpPr>
-          <p:cNvPr id="3" name="Content Placeholder 2">
-            <a:extLst>
-              <a:ext uri="{FF2B5EF4-FFF2-40B4-BE49-F238E27FC236}">
-                <a16:creationId xmlns:a16="http://schemas.microsoft.com/office/drawing/2014/main" id="{58ACB5E0-B5EA-6A72-88EE-60DDD6C6719E}"/>
-              </a:ext>
-            </a:extLst>
-          </p:cNvPr>
-          <p:cNvSpPr>
-            <a:spLocks noGrp="1"/>
-          </p:cNvSpPr>
-          <p:nvPr>
-            <p:ph idx="1"/>
-          </p:nvPr>
-        </p:nvSpPr>
-        <p:spPr/>
-        <p:txBody>
-          <a:bodyPr/>
-          <a:lstStyle/>
-          <a:p>
-            <a:endParaRPr lang="en-GB"/>
-          </a:p>
-        </p:txBody>
-      </p:sp>
-    </p:spTree>
-    <p:extLst>
-      <p:ext uri="{BB962C8B-B14F-4D97-AF65-F5344CB8AC3E}">
-        <p14:creationId xmlns:p14="http://schemas.microsoft.com/office/powerpoint/2010/main" val="2793316052"/>
-      </p:ext>
-    </p:extLst>
-  </p:cSld>
-  <p:clrMapOvr>
-    <a:masterClrMapping/>
-  </p:clrMapOvr>
-</p:sld>
-</file>
-
-<file path=ppt/slides/slide7.xml><?xml version="1.0" encoding="utf-8"?>
-<p:sld xmlns:a="http://schemas.openxmlformats.org/drawingml/2006/main" xmlns:r="http://schemas.openxmlformats.org/officeDocument/2006/relationships" xmlns:p="http://schemas.openxmlformats.org/presentationml/2006/main">
-  <p:cSld>
-    <p:spTree>
-      <p:nvGrpSpPr>
-        <p:cNvPr id="1" name=""/>
-        <p:cNvGrpSpPr/>
-        <p:nvPr/>
-      </p:nvGrpSpPr>
-      <p:grpSpPr>
-        <a:xfrm>
-          <a:off x="0" y="0"/>
-          <a:ext cx="0" cy="0"/>
-          <a:chOff x="0" y="0"/>
-          <a:chExt cx="0" cy="0"/>
-        </a:xfrm>
-      </p:grpSpPr>
-      <p:sp>
-        <p:nvSpPr>
-          <p:cNvPr id="2" name="Title 1">
-            <a:extLst>
-              <a:ext uri="{FF2B5EF4-FFF2-40B4-BE49-F238E27FC236}">
-                <a16:creationId xmlns:a16="http://schemas.microsoft.com/office/drawing/2014/main" id="{08D29733-0685-5776-4BCC-88B56788E176}"/>
-              </a:ext>
-            </a:extLst>
-          </p:cNvPr>
-          <p:cNvSpPr>
-            <a:spLocks noGrp="1"/>
-          </p:cNvSpPr>
-          <p:nvPr>
-            <p:ph type="title"/>
-          </p:nvPr>
-        </p:nvSpPr>
-        <p:spPr/>
-        <p:txBody>
-          <a:bodyPr/>
-          <a:lstStyle/>
-          <a:p>
-            <a:endParaRPr lang="en-GB"/>
-          </a:p>
-        </p:txBody>
-      </p:sp>
-      <p:sp>
-        <p:nvSpPr>
-          <p:cNvPr id="3" name="Content Placeholder 2">
-            <a:extLst>
-              <a:ext uri="{FF2B5EF4-FFF2-40B4-BE49-F238E27FC236}">
-                <a16:creationId xmlns:a16="http://schemas.microsoft.com/office/drawing/2014/main" id="{58ACB5E0-B5EA-6A72-88EE-60DDD6C6719E}"/>
-              </a:ext>
-            </a:extLst>
-          </p:cNvPr>
-          <p:cNvSpPr>
-            <a:spLocks noGrp="1"/>
-          </p:cNvSpPr>
-          <p:nvPr>
-            <p:ph idx="1"/>
-          </p:nvPr>
-        </p:nvSpPr>
-        <p:spPr/>
-        <p:txBody>
-          <a:bodyPr/>
-          <a:lstStyle/>
-          <a:p>
-            <a:endParaRPr lang="en-GB"/>
-          </a:p>
-        </p:txBody>
-      </p:sp>
-    </p:spTree>
-    <p:extLst>
-      <p:ext uri="{BB962C8B-B14F-4D97-AF65-F5344CB8AC3E}">
-        <p14:creationId xmlns:p14="http://schemas.microsoft.com/office/powerpoint/2010/main" val="1418702142"/>
-      </p:ext>
-    </p:extLst>
-  </p:cSld>
-  <p:clrMapOvr>
-    <a:masterClrMapping/>
-  </p:clrMapOvr>
-</p:sld>
-</file>
-
-<file path=ppt/slides/slide8.xml><?xml version="1.0" encoding="utf-8"?>
-<p:sld xmlns:a="http://schemas.openxmlformats.org/drawingml/2006/main" xmlns:r="http://schemas.openxmlformats.org/officeDocument/2006/relationships" xmlns:p="http://schemas.openxmlformats.org/presentationml/2006/main">
-  <p:cSld>
-    <p:spTree>
-      <p:nvGrpSpPr>
-        <p:cNvPr id="1" name=""/>
-        <p:cNvGrpSpPr/>
-        <p:nvPr/>
-      </p:nvGrpSpPr>
-      <p:grpSpPr>
-        <a:xfrm>
-          <a:off x="0" y="0"/>
-          <a:ext cx="0" cy="0"/>
-          <a:chOff x="0" y="0"/>
-          <a:chExt cx="0" cy="0"/>
-        </a:xfrm>
-      </p:grpSpPr>
-      <p:sp>
-        <p:nvSpPr>
-          <p:cNvPr id="2" name="Title 1">
-            <a:extLst>
-              <a:ext uri="{FF2B5EF4-FFF2-40B4-BE49-F238E27FC236}">
-                <a16:creationId xmlns:a16="http://schemas.microsoft.com/office/drawing/2014/main" id="{08D29733-0685-5776-4BCC-88B56788E176}"/>
-              </a:ext>
-            </a:extLst>
-          </p:cNvPr>
-          <p:cNvSpPr>
-            <a:spLocks noGrp="1"/>
-          </p:cNvSpPr>
-          <p:nvPr>
-            <p:ph type="title"/>
-          </p:nvPr>
-        </p:nvSpPr>
-        <p:spPr/>
-        <p:txBody>
-          <a:bodyPr/>
-          <a:lstStyle/>
-          <a:p>
-            <a:endParaRPr lang="en-GB"/>
-          </a:p>
-        </p:txBody>
-      </p:sp>
-      <p:sp>
-        <p:nvSpPr>
-          <p:cNvPr id="3" name="Content Placeholder 2">
-            <a:extLst>
-              <a:ext uri="{FF2B5EF4-FFF2-40B4-BE49-F238E27FC236}">
-                <a16:creationId xmlns:a16="http://schemas.microsoft.com/office/drawing/2014/main" id="{58ACB5E0-B5EA-6A72-88EE-60DDD6C6719E}"/>
-              </a:ext>
-            </a:extLst>
-          </p:cNvPr>
-          <p:cNvSpPr>
-            <a:spLocks noGrp="1"/>
-          </p:cNvSpPr>
-          <p:nvPr>
-            <p:ph idx="1"/>
-          </p:nvPr>
-        </p:nvSpPr>
-        <p:spPr/>
-        <p:txBody>
-          <a:bodyPr/>
-          <a:lstStyle/>
-          <a:p>
-            <a:endParaRPr lang="en-GB"/>
-          </a:p>
-        </p:txBody>
-      </p:sp>
-    </p:spTree>
-    <p:extLst>
-      <p:ext uri="{BB962C8B-B14F-4D97-AF65-F5344CB8AC3E}">
-        <p14:creationId xmlns:p14="http://schemas.microsoft.com/office/powerpoint/2010/main" val="4291321361"/>
-      </p:ext>
-    </p:extLst>
-  </p:cSld>
-  <p:clrMapOvr>
-    <a:masterClrMapping/>
-  </p:clrMapOvr>
-</p:sld>
-</file>
-
-<file path=ppt/slides/slide9.xml><?xml version="1.0" encoding="utf-8"?>
-<p:sld xmlns:a="http://schemas.openxmlformats.org/drawingml/2006/main" xmlns:r="http://schemas.openxmlformats.org/officeDocument/2006/relationships" xmlns:p="http://schemas.openxmlformats.org/presentationml/2006/main">
-  <p:cSld>
-    <p:spTree>
-      <p:nvGrpSpPr>
-        <p:cNvPr id="1" name=""/>
-        <p:cNvGrpSpPr/>
-        <p:nvPr/>
-      </p:nvGrpSpPr>
-      <p:grpSpPr>
-        <a:xfrm>
-          <a:off x="0" y="0"/>
-          <a:ext cx="0" cy="0"/>
-          <a:chOff x="0" y="0"/>
-          <a:chExt cx="0" cy="0"/>
-        </a:xfrm>
-      </p:grpSpPr>
-      <p:sp>
-        <p:nvSpPr>
-          <p:cNvPr id="2" name="Title 1">
-            <a:extLst>
-              <a:ext uri="{FF2B5EF4-FFF2-40B4-BE49-F238E27FC236}">
-                <a16:creationId xmlns:a16="http://schemas.microsoft.com/office/drawing/2014/main" id="{08D29733-0685-5776-4BCC-88B56788E176}"/>
-              </a:ext>
-            </a:extLst>
-          </p:cNvPr>
-          <p:cNvSpPr>
-            <a:spLocks noGrp="1"/>
-          </p:cNvSpPr>
-          <p:nvPr>
-            <p:ph type="title"/>
-          </p:nvPr>
-        </p:nvSpPr>
-        <p:spPr/>
-        <p:txBody>
-          <a:bodyPr/>
-          <a:lstStyle/>
-          <a:p>
-            <a:endParaRPr lang="en-GB"/>
-          </a:p>
-        </p:txBody>
-      </p:sp>
-      <p:sp>
-        <p:nvSpPr>
-          <p:cNvPr id="3" name="Content Placeholder 2">
-            <a:extLst>
-              <a:ext uri="{FF2B5EF4-FFF2-40B4-BE49-F238E27FC236}">
-                <a16:creationId xmlns:a16="http://schemas.microsoft.com/office/drawing/2014/main" id="{58ACB5E0-B5EA-6A72-88EE-60DDD6C6719E}"/>
-              </a:ext>
-            </a:extLst>
-          </p:cNvPr>
-          <p:cNvSpPr>
-            <a:spLocks noGrp="1"/>
-          </p:cNvSpPr>
-          <p:nvPr>
-            <p:ph idx="1"/>
-          </p:nvPr>
-        </p:nvSpPr>
-        <p:spPr/>
-        <p:txBody>
-          <a:bodyPr/>
-          <a:lstStyle/>
-          <a:p>
-            <a:endParaRPr lang="en-GB"/>
-          </a:p>
-        </p:txBody>
-      </p:sp>
-    </p:spTree>
-    <p:extLst>
-      <p:ext uri="{BB962C8B-B14F-4D97-AF65-F5344CB8AC3E}">
-        <p14:creationId xmlns:p14="http://schemas.microsoft.com/office/powerpoint/2010/main" val="405673792"/>
+        <p14:creationId xmlns:p14="http://schemas.microsoft.com/office/powerpoint/2010/main" val="1020606954"/>
       </p:ext>
     </p:extLst>
   </p:cSld>
